--- a/Mountain System/Capstone Database Entity Relationship Diagram.pptx
+++ b/Mountain System/Capstone Database Entity Relationship Diagram.pptx
@@ -104,13 +104,18 @@
       </a:defRPr>
     </a:lvl9pPr>
   </p:defaultTextStyle>
+  <p:extLst>
+    <p:ext uri="{EFAFB233-063F-42B5-8137-9DF3F51BA10A}">
+      <p15:sldGuideLst xmlns:p15="http://schemas.microsoft.com/office/powerpoint/2012/main"/>
+    </p:ext>
+  </p:extLst>
 </p:presentation>
 </file>
 
 <file path=ppt/revisionInfo.xml><?xml version="1.0" encoding="utf-8"?>
 <p1510:revInfo xmlns:a="http://schemas.openxmlformats.org/drawingml/2006/main" xmlns:r="http://schemas.openxmlformats.org/officeDocument/2006/relationships" xmlns:p1510="http://schemas.microsoft.com/office/powerpoint/2015/10/main">
   <p1510:revLst>
-    <p1510:client id="{24D9A008-8E0D-4850-AC16-6EB4C93DC34B}" v="15" dt="2023-01-21T21:00:14.058"/>
+    <p1510:client id="{D1E58442-FF1D-4B5B-AC4A-0D7EBDE7D610}" v="7" dt="2023-01-27T15:19:39.352"/>
   </p1510:revLst>
 </p1510:revInfo>
 </file>
@@ -459,6 +464,286 @@
       </pc:sldChg>
     </pc:docChg>
   </pc:docChgLst>
+  <pc:docChgLst>
+    <pc:chgData name="Burch C Lin" userId="a0d08adc-c143-4e46-a679-ba1c67df7034" providerId="ADAL" clId="{D1E58442-FF1D-4B5B-AC4A-0D7EBDE7D610}"/>
+    <pc:docChg chg="undo custSel modSld">
+      <pc:chgData name="Burch C Lin" userId="a0d08adc-c143-4e46-a679-ba1c67df7034" providerId="ADAL" clId="{D1E58442-FF1D-4B5B-AC4A-0D7EBDE7D610}" dt="2023-01-27T15:21:37.386" v="138" actId="13926"/>
+      <pc:docMkLst>
+        <pc:docMk/>
+      </pc:docMkLst>
+      <pc:sldChg chg="addSp delSp modSp mod">
+        <pc:chgData name="Burch C Lin" userId="a0d08adc-c143-4e46-a679-ba1c67df7034" providerId="ADAL" clId="{D1E58442-FF1D-4B5B-AC4A-0D7EBDE7D610}" dt="2023-01-27T15:21:37.386" v="138" actId="13926"/>
+        <pc:sldMkLst>
+          <pc:docMk/>
+          <pc:sldMk cId="504980451" sldId="256"/>
+        </pc:sldMkLst>
+        <pc:graphicFrameChg chg="add del mod modGraphic">
+          <ac:chgData name="Burch C Lin" userId="a0d08adc-c143-4e46-a679-ba1c67df7034" providerId="ADAL" clId="{D1E58442-FF1D-4B5B-AC4A-0D7EBDE7D610}" dt="2023-01-27T15:11:28.432" v="6"/>
+          <ac:graphicFrameMkLst>
+            <pc:docMk/>
+            <pc:sldMk cId="504980451" sldId="256"/>
+            <ac:graphicFrameMk id="2" creationId="{404D9773-5DFE-7E1D-020B-368DD35E887D}"/>
+          </ac:graphicFrameMkLst>
+        </pc:graphicFrameChg>
+        <pc:graphicFrameChg chg="add del mod">
+          <ac:chgData name="Burch C Lin" userId="a0d08adc-c143-4e46-a679-ba1c67df7034" providerId="ADAL" clId="{D1E58442-FF1D-4B5B-AC4A-0D7EBDE7D610}" dt="2023-01-27T15:12:19.031" v="8" actId="478"/>
+          <ac:graphicFrameMkLst>
+            <pc:docMk/>
+            <pc:sldMk cId="504980451" sldId="256"/>
+            <ac:graphicFrameMk id="3" creationId="{C0F782C1-D997-0603-CEE2-01E5B1904FB6}"/>
+          </ac:graphicFrameMkLst>
+        </pc:graphicFrameChg>
+        <pc:graphicFrameChg chg="add del mod modGraphic">
+          <ac:chgData name="Burch C Lin" userId="a0d08adc-c143-4e46-a679-ba1c67df7034" providerId="ADAL" clId="{D1E58442-FF1D-4B5B-AC4A-0D7EBDE7D610}" dt="2023-01-27T15:12:46.608" v="13" actId="478"/>
+          <ac:graphicFrameMkLst>
+            <pc:docMk/>
+            <pc:sldMk cId="504980451" sldId="256"/>
+            <ac:graphicFrameMk id="4" creationId="{E5FF81FE-59BA-89C0-7971-BDFB925BFE2C}"/>
+          </ac:graphicFrameMkLst>
+        </pc:graphicFrameChg>
+        <pc:graphicFrameChg chg="add mod modGraphic">
+          <ac:chgData name="Burch C Lin" userId="a0d08adc-c143-4e46-a679-ba1c67df7034" providerId="ADAL" clId="{D1E58442-FF1D-4B5B-AC4A-0D7EBDE7D610}" dt="2023-01-27T15:20:21.737" v="137" actId="1038"/>
+          <ac:graphicFrameMkLst>
+            <pc:docMk/>
+            <pc:sldMk cId="504980451" sldId="256"/>
+            <ac:graphicFrameMk id="5" creationId="{78529694-931D-8B24-7C9C-85DCAD10DA65}"/>
+          </ac:graphicFrameMkLst>
+        </pc:graphicFrameChg>
+        <pc:graphicFrameChg chg="add mod modGraphic">
+          <ac:chgData name="Burch C Lin" userId="a0d08adc-c143-4e46-a679-ba1c67df7034" providerId="ADAL" clId="{D1E58442-FF1D-4B5B-AC4A-0D7EBDE7D610}" dt="2023-01-27T15:21:37.386" v="138" actId="13926"/>
+          <ac:graphicFrameMkLst>
+            <pc:docMk/>
+            <pc:sldMk cId="504980451" sldId="256"/>
+            <ac:graphicFrameMk id="6" creationId="{E5E84E35-19B9-9166-F377-F535377F4452}"/>
+          </ac:graphicFrameMkLst>
+        </pc:graphicFrameChg>
+        <pc:graphicFrameChg chg="del">
+          <ac:chgData name="Burch C Lin" userId="a0d08adc-c143-4e46-a679-ba1c67df7034" providerId="ADAL" clId="{D1E58442-FF1D-4B5B-AC4A-0D7EBDE7D610}" dt="2023-01-27T15:14:01.124" v="17" actId="478"/>
+          <ac:graphicFrameMkLst>
+            <pc:docMk/>
+            <pc:sldMk cId="504980451" sldId="256"/>
+            <ac:graphicFrameMk id="9" creationId="{EFDFABE7-2D79-48E6-59EA-4438FF5DD377}"/>
+          </ac:graphicFrameMkLst>
+        </pc:graphicFrameChg>
+        <pc:graphicFrameChg chg="del">
+          <ac:chgData name="Burch C Lin" userId="a0d08adc-c143-4e46-a679-ba1c67df7034" providerId="ADAL" clId="{D1E58442-FF1D-4B5B-AC4A-0D7EBDE7D610}" dt="2023-01-27T15:11:00.134" v="0" actId="478"/>
+          <ac:graphicFrameMkLst>
+            <pc:docMk/>
+            <pc:sldMk cId="504980451" sldId="256"/>
+            <ac:graphicFrameMk id="10" creationId="{5894189F-8234-D6E5-B2E1-C33699B45D2D}"/>
+          </ac:graphicFrameMkLst>
+        </pc:graphicFrameChg>
+        <pc:graphicFrameChg chg="add del modGraphic">
+          <ac:chgData name="Burch C Lin" userId="a0d08adc-c143-4e46-a679-ba1c67df7034" providerId="ADAL" clId="{D1E58442-FF1D-4B5B-AC4A-0D7EBDE7D610}" dt="2023-01-27T15:15:22.861" v="27" actId="478"/>
+          <ac:graphicFrameMkLst>
+            <pc:docMk/>
+            <pc:sldMk cId="504980451" sldId="256"/>
+            <ac:graphicFrameMk id="11" creationId="{92A2A16E-9CB0-9D59-602C-1BED47801376}"/>
+          </ac:graphicFrameMkLst>
+        </pc:graphicFrameChg>
+        <pc:graphicFrameChg chg="mod">
+          <ac:chgData name="Burch C Lin" userId="a0d08adc-c143-4e46-a679-ba1c67df7034" providerId="ADAL" clId="{D1E58442-FF1D-4B5B-AC4A-0D7EBDE7D610}" dt="2023-01-27T15:20:21.737" v="137" actId="1038"/>
+          <ac:graphicFrameMkLst>
+            <pc:docMk/>
+            <pc:sldMk cId="504980451" sldId="256"/>
+            <ac:graphicFrameMk id="12" creationId="{1576514E-17D1-BAC2-F617-15E349A73500}"/>
+          </ac:graphicFrameMkLst>
+        </pc:graphicFrameChg>
+        <pc:graphicFrameChg chg="mod">
+          <ac:chgData name="Burch C Lin" userId="a0d08adc-c143-4e46-a679-ba1c67df7034" providerId="ADAL" clId="{D1E58442-FF1D-4B5B-AC4A-0D7EBDE7D610}" dt="2023-01-27T15:20:21.737" v="137" actId="1038"/>
+          <ac:graphicFrameMkLst>
+            <pc:docMk/>
+            <pc:sldMk cId="504980451" sldId="256"/>
+            <ac:graphicFrameMk id="13" creationId="{74FA3FA9-8FBC-BECC-75E5-C7CBDCF58EEF}"/>
+          </ac:graphicFrameMkLst>
+        </pc:graphicFrameChg>
+        <pc:graphicFrameChg chg="add del mod">
+          <ac:chgData name="Burch C Lin" userId="a0d08adc-c143-4e46-a679-ba1c67df7034" providerId="ADAL" clId="{D1E58442-FF1D-4B5B-AC4A-0D7EBDE7D610}" dt="2023-01-27T15:20:21.737" v="137" actId="1038"/>
+          <ac:graphicFrameMkLst>
+            <pc:docMk/>
+            <pc:sldMk cId="504980451" sldId="256"/>
+            <ac:graphicFrameMk id="14" creationId="{8F5ED09C-B96D-5B1A-A184-66D5D3252C9B}"/>
+          </ac:graphicFrameMkLst>
+        </pc:graphicFrameChg>
+        <pc:graphicFrameChg chg="del">
+          <ac:chgData name="Burch C Lin" userId="a0d08adc-c143-4e46-a679-ba1c67df7034" providerId="ADAL" clId="{D1E58442-FF1D-4B5B-AC4A-0D7EBDE7D610}" dt="2023-01-27T15:15:19.918" v="26" actId="478"/>
+          <ac:graphicFrameMkLst>
+            <pc:docMk/>
+            <pc:sldMk cId="504980451" sldId="256"/>
+            <ac:graphicFrameMk id="15" creationId="{36A8EF3B-137E-E4CF-F634-5D3F62E1D11E}"/>
+          </ac:graphicFrameMkLst>
+        </pc:graphicFrameChg>
+        <pc:graphicFrameChg chg="mod">
+          <ac:chgData name="Burch C Lin" userId="a0d08adc-c143-4e46-a679-ba1c67df7034" providerId="ADAL" clId="{D1E58442-FF1D-4B5B-AC4A-0D7EBDE7D610}" dt="2023-01-27T15:20:21.737" v="137" actId="1038"/>
+          <ac:graphicFrameMkLst>
+            <pc:docMk/>
+            <pc:sldMk cId="504980451" sldId="256"/>
+            <ac:graphicFrameMk id="16" creationId="{CCF386EB-3D9B-7865-9B0D-62AEF33691B0}"/>
+          </ac:graphicFrameMkLst>
+        </pc:graphicFrameChg>
+        <pc:cxnChg chg="mod">
+          <ac:chgData name="Burch C Lin" userId="a0d08adc-c143-4e46-a679-ba1c67df7034" providerId="ADAL" clId="{D1E58442-FF1D-4B5B-AC4A-0D7EBDE7D610}" dt="2023-01-27T15:20:21.737" v="137" actId="1038"/>
+          <ac:cxnSpMkLst>
+            <pc:docMk/>
+            <pc:sldMk cId="504980451" sldId="256"/>
+            <ac:cxnSpMk id="20" creationId="{0AF4AAE0-4EBE-A7CA-0ADC-278FEB8DBDC8}"/>
+          </ac:cxnSpMkLst>
+        </pc:cxnChg>
+        <pc:cxnChg chg="mod">
+          <ac:chgData name="Burch C Lin" userId="a0d08adc-c143-4e46-a679-ba1c67df7034" providerId="ADAL" clId="{D1E58442-FF1D-4B5B-AC4A-0D7EBDE7D610}" dt="2023-01-27T15:20:21.737" v="137" actId="1038"/>
+          <ac:cxnSpMkLst>
+            <pc:docMk/>
+            <pc:sldMk cId="504980451" sldId="256"/>
+            <ac:cxnSpMk id="22" creationId="{CF7696E1-9D21-8319-6CF1-07E78501E78A}"/>
+          </ac:cxnSpMkLst>
+        </pc:cxnChg>
+        <pc:cxnChg chg="mod">
+          <ac:chgData name="Burch C Lin" userId="a0d08adc-c143-4e46-a679-ba1c67df7034" providerId="ADAL" clId="{D1E58442-FF1D-4B5B-AC4A-0D7EBDE7D610}" dt="2023-01-27T15:20:21.737" v="137" actId="1038"/>
+          <ac:cxnSpMkLst>
+            <pc:docMk/>
+            <pc:sldMk cId="504980451" sldId="256"/>
+            <ac:cxnSpMk id="24" creationId="{AD268082-CE94-BF21-2A5D-9D95F3A225C0}"/>
+          </ac:cxnSpMkLst>
+        </pc:cxnChg>
+        <pc:cxnChg chg="add mod">
+          <ac:chgData name="Burch C Lin" userId="a0d08adc-c143-4e46-a679-ba1c67df7034" providerId="ADAL" clId="{D1E58442-FF1D-4B5B-AC4A-0D7EBDE7D610}" dt="2023-01-27T15:20:21.737" v="137" actId="1038"/>
+          <ac:cxnSpMkLst>
+            <pc:docMk/>
+            <pc:sldMk cId="504980451" sldId="256"/>
+            <ac:cxnSpMk id="25" creationId="{5AE91CE8-D308-57C3-6DCA-7898B76108A3}"/>
+          </ac:cxnSpMkLst>
+        </pc:cxnChg>
+        <pc:cxnChg chg="del">
+          <ac:chgData name="Burch C Lin" userId="a0d08adc-c143-4e46-a679-ba1c67df7034" providerId="ADAL" clId="{D1E58442-FF1D-4B5B-AC4A-0D7EBDE7D610}" dt="2023-01-27T15:20:03.117" v="104" actId="478"/>
+          <ac:cxnSpMkLst>
+            <pc:docMk/>
+            <pc:sldMk cId="504980451" sldId="256"/>
+            <ac:cxnSpMk id="26" creationId="{36205A55-85B5-AF11-A18A-3CF5DCC72F1A}"/>
+          </ac:cxnSpMkLst>
+        </pc:cxnChg>
+        <pc:cxnChg chg="del">
+          <ac:chgData name="Burch C Lin" userId="a0d08adc-c143-4e46-a679-ba1c67df7034" providerId="ADAL" clId="{D1E58442-FF1D-4B5B-AC4A-0D7EBDE7D610}" dt="2023-01-27T15:20:04.193" v="105" actId="478"/>
+          <ac:cxnSpMkLst>
+            <pc:docMk/>
+            <pc:sldMk cId="504980451" sldId="256"/>
+            <ac:cxnSpMk id="28" creationId="{98040A93-A81D-9371-2DCE-A0784CB5BB84}"/>
+          </ac:cxnSpMkLst>
+        </pc:cxnChg>
+        <pc:cxnChg chg="del">
+          <ac:chgData name="Burch C Lin" userId="a0d08adc-c143-4e46-a679-ba1c67df7034" providerId="ADAL" clId="{D1E58442-FF1D-4B5B-AC4A-0D7EBDE7D610}" dt="2023-01-27T15:20:05.373" v="106" actId="478"/>
+          <ac:cxnSpMkLst>
+            <pc:docMk/>
+            <pc:sldMk cId="504980451" sldId="256"/>
+            <ac:cxnSpMk id="31" creationId="{123C63F1-8967-DB04-9FCD-046978093624}"/>
+          </ac:cxnSpMkLst>
+        </pc:cxnChg>
+        <pc:cxnChg chg="mod">
+          <ac:chgData name="Burch C Lin" userId="a0d08adc-c143-4e46-a679-ba1c67df7034" providerId="ADAL" clId="{D1E58442-FF1D-4B5B-AC4A-0D7EBDE7D610}" dt="2023-01-27T15:20:21.737" v="137" actId="1038"/>
+          <ac:cxnSpMkLst>
+            <pc:docMk/>
+            <pc:sldMk cId="504980451" sldId="256"/>
+            <ac:cxnSpMk id="33" creationId="{E87B636A-1DD1-F9CC-D042-C086BECD6211}"/>
+          </ac:cxnSpMkLst>
+        </pc:cxnChg>
+        <pc:cxnChg chg="mod">
+          <ac:chgData name="Burch C Lin" userId="a0d08adc-c143-4e46-a679-ba1c67df7034" providerId="ADAL" clId="{D1E58442-FF1D-4B5B-AC4A-0D7EBDE7D610}" dt="2023-01-27T15:20:21.737" v="137" actId="1038"/>
+          <ac:cxnSpMkLst>
+            <pc:docMk/>
+            <pc:sldMk cId="504980451" sldId="256"/>
+            <ac:cxnSpMk id="35" creationId="{8990AC5B-332F-2819-F9DE-A284A0562D25}"/>
+          </ac:cxnSpMkLst>
+        </pc:cxnChg>
+        <pc:cxnChg chg="mod">
+          <ac:chgData name="Burch C Lin" userId="a0d08adc-c143-4e46-a679-ba1c67df7034" providerId="ADAL" clId="{D1E58442-FF1D-4B5B-AC4A-0D7EBDE7D610}" dt="2023-01-27T15:20:21.737" v="137" actId="1038"/>
+          <ac:cxnSpMkLst>
+            <pc:docMk/>
+            <pc:sldMk cId="504980451" sldId="256"/>
+            <ac:cxnSpMk id="37" creationId="{BAF7EA4E-8736-6EA8-9FD7-97DC8288EDCA}"/>
+          </ac:cxnSpMkLst>
+        </pc:cxnChg>
+        <pc:cxnChg chg="mod">
+          <ac:chgData name="Burch C Lin" userId="a0d08adc-c143-4e46-a679-ba1c67df7034" providerId="ADAL" clId="{D1E58442-FF1D-4B5B-AC4A-0D7EBDE7D610}" dt="2023-01-27T15:20:21.737" v="137" actId="1038"/>
+          <ac:cxnSpMkLst>
+            <pc:docMk/>
+            <pc:sldMk cId="504980451" sldId="256"/>
+            <ac:cxnSpMk id="39" creationId="{C820B045-D901-CF00-7C21-9AE860FFF7B3}"/>
+          </ac:cxnSpMkLst>
+        </pc:cxnChg>
+        <pc:cxnChg chg="del">
+          <ac:chgData name="Burch C Lin" userId="a0d08adc-c143-4e46-a679-ba1c67df7034" providerId="ADAL" clId="{D1E58442-FF1D-4B5B-AC4A-0D7EBDE7D610}" dt="2023-01-27T15:18:53.615" v="93" actId="478"/>
+          <ac:cxnSpMkLst>
+            <pc:docMk/>
+            <pc:sldMk cId="504980451" sldId="256"/>
+            <ac:cxnSpMk id="41" creationId="{CD9258A1-2EEA-92A6-28B3-2DCECF5AD1F6}"/>
+          </ac:cxnSpMkLst>
+        </pc:cxnChg>
+        <pc:cxnChg chg="del">
+          <ac:chgData name="Burch C Lin" userId="a0d08adc-c143-4e46-a679-ba1c67df7034" providerId="ADAL" clId="{D1E58442-FF1D-4B5B-AC4A-0D7EBDE7D610}" dt="2023-01-27T15:18:52.132" v="92" actId="478"/>
+          <ac:cxnSpMkLst>
+            <pc:docMk/>
+            <pc:sldMk cId="504980451" sldId="256"/>
+            <ac:cxnSpMk id="43" creationId="{8A797470-68D5-45D0-7A40-8DCF97726F4F}"/>
+          </ac:cxnSpMkLst>
+        </pc:cxnChg>
+        <pc:cxnChg chg="del mod">
+          <ac:chgData name="Burch C Lin" userId="a0d08adc-c143-4e46-a679-ba1c67df7034" providerId="ADAL" clId="{D1E58442-FF1D-4B5B-AC4A-0D7EBDE7D610}" dt="2023-01-27T15:18:55.533" v="94" actId="478"/>
+          <ac:cxnSpMkLst>
+            <pc:docMk/>
+            <pc:sldMk cId="504980451" sldId="256"/>
+            <ac:cxnSpMk id="45" creationId="{3ADFC7D1-D03C-32BF-1710-FF2BB64817A7}"/>
+          </ac:cxnSpMkLst>
+        </pc:cxnChg>
+        <pc:cxnChg chg="mod">
+          <ac:chgData name="Burch C Lin" userId="a0d08adc-c143-4e46-a679-ba1c67df7034" providerId="ADAL" clId="{D1E58442-FF1D-4B5B-AC4A-0D7EBDE7D610}" dt="2023-01-27T15:20:21.737" v="137" actId="1038"/>
+          <ac:cxnSpMkLst>
+            <pc:docMk/>
+            <pc:sldMk cId="504980451" sldId="256"/>
+            <ac:cxnSpMk id="47" creationId="{614E3F23-3904-B0F2-08A4-77D4C391C2EB}"/>
+          </ac:cxnSpMkLst>
+        </pc:cxnChg>
+        <pc:cxnChg chg="mod">
+          <ac:chgData name="Burch C Lin" userId="a0d08adc-c143-4e46-a679-ba1c67df7034" providerId="ADAL" clId="{D1E58442-FF1D-4B5B-AC4A-0D7EBDE7D610}" dt="2023-01-27T15:20:21.737" v="137" actId="1038"/>
+          <ac:cxnSpMkLst>
+            <pc:docMk/>
+            <pc:sldMk cId="504980451" sldId="256"/>
+            <ac:cxnSpMk id="49" creationId="{B0535B4D-846B-6A10-41CE-E875B4AB9021}"/>
+          </ac:cxnSpMkLst>
+        </pc:cxnChg>
+        <pc:cxnChg chg="mod">
+          <ac:chgData name="Burch C Lin" userId="a0d08adc-c143-4e46-a679-ba1c67df7034" providerId="ADAL" clId="{D1E58442-FF1D-4B5B-AC4A-0D7EBDE7D610}" dt="2023-01-27T15:20:21.737" v="137" actId="1038"/>
+          <ac:cxnSpMkLst>
+            <pc:docMk/>
+            <pc:sldMk cId="504980451" sldId="256"/>
+            <ac:cxnSpMk id="51" creationId="{FFDA94ED-3269-F295-8024-B5A1695DA878}"/>
+          </ac:cxnSpMkLst>
+        </pc:cxnChg>
+        <pc:cxnChg chg="del">
+          <ac:chgData name="Burch C Lin" userId="a0d08adc-c143-4e46-a679-ba1c67df7034" providerId="ADAL" clId="{D1E58442-FF1D-4B5B-AC4A-0D7EBDE7D610}" dt="2023-01-27T15:19:34.036" v="99" actId="478"/>
+          <ac:cxnSpMkLst>
+            <pc:docMk/>
+            <pc:sldMk cId="504980451" sldId="256"/>
+            <ac:cxnSpMk id="53" creationId="{02C5225E-6C82-8A05-97C9-5B76E5D5C70F}"/>
+          </ac:cxnSpMkLst>
+        </pc:cxnChg>
+        <pc:cxnChg chg="del">
+          <ac:chgData name="Burch C Lin" userId="a0d08adc-c143-4e46-a679-ba1c67df7034" providerId="ADAL" clId="{D1E58442-FF1D-4B5B-AC4A-0D7EBDE7D610}" dt="2023-01-27T15:19:36.302" v="100" actId="478"/>
+          <ac:cxnSpMkLst>
+            <pc:docMk/>
+            <pc:sldMk cId="504980451" sldId="256"/>
+            <ac:cxnSpMk id="55" creationId="{413F0622-48DD-21B6-0447-0912C401A345}"/>
+          </ac:cxnSpMkLst>
+        </pc:cxnChg>
+        <pc:cxnChg chg="del mod">
+          <ac:chgData name="Burch C Lin" userId="a0d08adc-c143-4e46-a679-ba1c67df7034" providerId="ADAL" clId="{D1E58442-FF1D-4B5B-AC4A-0D7EBDE7D610}" dt="2023-01-27T15:18:37.052" v="91" actId="478"/>
+          <ac:cxnSpMkLst>
+            <pc:docMk/>
+            <pc:sldMk cId="504980451" sldId="256"/>
+            <ac:cxnSpMk id="57" creationId="{627ED620-930C-E208-C03C-9CBDB53915F2}"/>
+          </ac:cxnSpMkLst>
+        </pc:cxnChg>
+      </pc:sldChg>
+    </pc:docChg>
+  </pc:docChgLst>
 </pc:chgInfo>
 </file>
 
@@ -609,7 +894,7 @@
           <a:p>
             <a:fld id="{86DD7938-682B-411C-B2F3-FC8B5E36A95A}" type="datetimeFigureOut">
               <a:rPr lang="en-US" smtClean="0"/>
-              <a:t>1/21/2023</a:t>
+              <a:t>1/27/2023</a:t>
             </a:fld>
             <a:endParaRPr lang="en-US"/>
           </a:p>
@@ -807,7 +1092,7 @@
           <a:p>
             <a:fld id="{86DD7938-682B-411C-B2F3-FC8B5E36A95A}" type="datetimeFigureOut">
               <a:rPr lang="en-US" smtClean="0"/>
-              <a:t>1/21/2023</a:t>
+              <a:t>1/27/2023</a:t>
             </a:fld>
             <a:endParaRPr lang="en-US"/>
           </a:p>
@@ -1015,7 +1300,7 @@
           <a:p>
             <a:fld id="{86DD7938-682B-411C-B2F3-FC8B5E36A95A}" type="datetimeFigureOut">
               <a:rPr lang="en-US" smtClean="0"/>
-              <a:t>1/21/2023</a:t>
+              <a:t>1/27/2023</a:t>
             </a:fld>
             <a:endParaRPr lang="en-US"/>
           </a:p>
@@ -1213,7 +1498,7 @@
           <a:p>
             <a:fld id="{86DD7938-682B-411C-B2F3-FC8B5E36A95A}" type="datetimeFigureOut">
               <a:rPr lang="en-US" smtClean="0"/>
-              <a:t>1/21/2023</a:t>
+              <a:t>1/27/2023</a:t>
             </a:fld>
             <a:endParaRPr lang="en-US"/>
           </a:p>
@@ -1488,7 +1773,7 @@
           <a:p>
             <a:fld id="{86DD7938-682B-411C-B2F3-FC8B5E36A95A}" type="datetimeFigureOut">
               <a:rPr lang="en-US" smtClean="0"/>
-              <a:t>1/21/2023</a:t>
+              <a:t>1/27/2023</a:t>
             </a:fld>
             <a:endParaRPr lang="en-US"/>
           </a:p>
@@ -1753,7 +2038,7 @@
           <a:p>
             <a:fld id="{86DD7938-682B-411C-B2F3-FC8B5E36A95A}" type="datetimeFigureOut">
               <a:rPr lang="en-US" smtClean="0"/>
-              <a:t>1/21/2023</a:t>
+              <a:t>1/27/2023</a:t>
             </a:fld>
             <a:endParaRPr lang="en-US"/>
           </a:p>
@@ -2165,7 +2450,7 @@
           <a:p>
             <a:fld id="{86DD7938-682B-411C-B2F3-FC8B5E36A95A}" type="datetimeFigureOut">
               <a:rPr lang="en-US" smtClean="0"/>
-              <a:t>1/21/2023</a:t>
+              <a:t>1/27/2023</a:t>
             </a:fld>
             <a:endParaRPr lang="en-US"/>
           </a:p>
@@ -2306,7 +2591,7 @@
           <a:p>
             <a:fld id="{86DD7938-682B-411C-B2F3-FC8B5E36A95A}" type="datetimeFigureOut">
               <a:rPr lang="en-US" smtClean="0"/>
-              <a:t>1/21/2023</a:t>
+              <a:t>1/27/2023</a:t>
             </a:fld>
             <a:endParaRPr lang="en-US"/>
           </a:p>
@@ -2419,7 +2704,7 @@
           <a:p>
             <a:fld id="{86DD7938-682B-411C-B2F3-FC8B5E36A95A}" type="datetimeFigureOut">
               <a:rPr lang="en-US" smtClean="0"/>
-              <a:t>1/21/2023</a:t>
+              <a:t>1/27/2023</a:t>
             </a:fld>
             <a:endParaRPr lang="en-US"/>
           </a:p>
@@ -2730,7 +3015,7 @@
           <a:p>
             <a:fld id="{86DD7938-682B-411C-B2F3-FC8B5E36A95A}" type="datetimeFigureOut">
               <a:rPr lang="en-US" smtClean="0"/>
-              <a:t>1/21/2023</a:t>
+              <a:t>1/27/2023</a:t>
             </a:fld>
             <a:endParaRPr lang="en-US"/>
           </a:p>
@@ -3018,7 +3303,7 @@
           <a:p>
             <a:fld id="{86DD7938-682B-411C-B2F3-FC8B5E36A95A}" type="datetimeFigureOut">
               <a:rPr lang="en-US" smtClean="0"/>
-              <a:t>1/21/2023</a:t>
+              <a:t>1/27/2023</a:t>
             </a:fld>
             <a:endParaRPr lang="en-US"/>
           </a:p>
@@ -3259,7 +3544,7 @@
           <a:p>
             <a:fld id="{86DD7938-682B-411C-B2F3-FC8B5E36A95A}" type="datetimeFigureOut">
               <a:rPr lang="en-US" smtClean="0"/>
-              <a:t>1/21/2023</a:t>
+              <a:t>1/27/2023</a:t>
             </a:fld>
             <a:endParaRPr lang="en-US"/>
           </a:p>
@@ -3678,2971 +3963,6 @@
       </p:grpSpPr>
       <p:graphicFrame>
         <p:nvGraphicFramePr>
-          <p:cNvPr id="9" name="Table 8">
-            <a:extLst>
-              <a:ext uri="{FF2B5EF4-FFF2-40B4-BE49-F238E27FC236}">
-                <a16:creationId xmlns:a16="http://schemas.microsoft.com/office/drawing/2014/main" id="{EFDFABE7-2D79-48E6-59EA-4438FF5DD377}"/>
-              </a:ext>
-            </a:extLst>
-          </p:cNvPr>
-          <p:cNvGraphicFramePr>
-            <a:graphicFrameLocks noGrp="1"/>
-          </p:cNvGraphicFramePr>
-          <p:nvPr>
-            <p:extLst>
-              <p:ext uri="{D42A27DB-BD31-4B8C-83A1-F6EECF244321}">
-                <p14:modId xmlns:p14="http://schemas.microsoft.com/office/powerpoint/2010/main" val="1874221228"/>
-              </p:ext>
-            </p:extLst>
-          </p:nvPr>
-        </p:nvGraphicFramePr>
-        <p:xfrm>
-          <a:off x="679142" y="3179316"/>
-          <a:ext cx="2095500" cy="3429000"/>
-        </p:xfrm>
-        <a:graphic>
-          <a:graphicData uri="http://schemas.openxmlformats.org/drawingml/2006/table">
-            <a:tbl>
-              <a:tblPr>
-                <a:tableStyleId>{5C22544A-7EE6-4342-B048-85BDC9FD1C3A}</a:tableStyleId>
-              </a:tblPr>
-              <a:tblGrid>
-                <a:gridCol w="1166632">
-                  <a:extLst>
-                    <a:ext uri="{9D8B030D-6E8A-4147-A177-3AD203B41FA5}">
-                      <a16:colId xmlns:a16="http://schemas.microsoft.com/office/drawing/2014/main" val="1195643663"/>
-                    </a:ext>
-                  </a:extLst>
-                </a:gridCol>
-                <a:gridCol w="637210">
-                  <a:extLst>
-                    <a:ext uri="{9D8B030D-6E8A-4147-A177-3AD203B41FA5}">
-                      <a16:colId xmlns:a16="http://schemas.microsoft.com/office/drawing/2014/main" val="3175362147"/>
-                    </a:ext>
-                  </a:extLst>
-                </a:gridCol>
-                <a:gridCol w="291658">
-                  <a:extLst>
-                    <a:ext uri="{9D8B030D-6E8A-4147-A177-3AD203B41FA5}">
-                      <a16:colId xmlns:a16="http://schemas.microsoft.com/office/drawing/2014/main" val="319489262"/>
-                    </a:ext>
-                  </a:extLst>
-                </a:gridCol>
-              </a:tblGrid>
-              <a:tr h="190500">
-                <a:tc>
-                  <a:txBody>
-                    <a:bodyPr/>
-                    <a:lstStyle/>
-                    <a:p>
-                      <a:pPr algn="l" fontAlgn="b"/>
-                      <a:r>
-                        <a:rPr lang="en-US" sz="1100" u="none" strike="noStrike">
-                          <a:effectLst/>
-                        </a:rPr>
-                        <a:t>Orders</a:t>
-                      </a:r>
-                      <a:endParaRPr lang="en-US" sz="1100" b="1" i="0" u="none" strike="noStrike">
-                        <a:solidFill>
-                          <a:srgbClr val="000000"/>
-                        </a:solidFill>
-                        <a:effectLst/>
-                        <a:latin typeface="Calibri" panose="020F0502020204030204" pitchFamily="34" charset="0"/>
-                      </a:endParaRPr>
-                    </a:p>
-                  </a:txBody>
-                  <a:tcPr marL="9525" marR="9525" marT="9525" marB="0" anchor="b"/>
-                </a:tc>
-                <a:tc>
-                  <a:txBody>
-                    <a:bodyPr/>
-                    <a:lstStyle/>
-                    <a:p>
-                      <a:pPr algn="l" fontAlgn="b"/>
-                      <a:endParaRPr lang="en-US" sz="1100" b="0" i="0" u="none" strike="noStrike">
-                        <a:solidFill>
-                          <a:srgbClr val="000000"/>
-                        </a:solidFill>
-                        <a:effectLst/>
-                        <a:latin typeface="Calibri" panose="020F0502020204030204" pitchFamily="34" charset="0"/>
-                      </a:endParaRPr>
-                    </a:p>
-                  </a:txBody>
-                  <a:tcPr marL="9525" marR="9525" marT="9525" marB="0" anchor="b"/>
-                </a:tc>
-                <a:tc>
-                  <a:txBody>
-                    <a:bodyPr/>
-                    <a:lstStyle/>
-                    <a:p>
-                      <a:pPr algn="l" fontAlgn="b"/>
-                      <a:endParaRPr lang="en-US" sz="1100" b="0" i="0" u="none" strike="noStrike">
-                        <a:solidFill>
-                          <a:srgbClr val="000000"/>
-                        </a:solidFill>
-                        <a:effectLst/>
-                        <a:latin typeface="Calibri" panose="020F0502020204030204" pitchFamily="34" charset="0"/>
-                      </a:endParaRPr>
-                    </a:p>
-                  </a:txBody>
-                  <a:tcPr marL="9525" marR="9525" marT="9525" marB="0" anchor="b"/>
-                </a:tc>
-                <a:extLst>
-                  <a:ext uri="{0D108BD9-81ED-4DB2-BD59-A6C34878D82A}">
-                    <a16:rowId xmlns:a16="http://schemas.microsoft.com/office/drawing/2014/main" val="693161674"/>
-                  </a:ext>
-                </a:extLst>
-              </a:tr>
-              <a:tr h="190500">
-                <a:tc>
-                  <a:txBody>
-                    <a:bodyPr/>
-                    <a:lstStyle/>
-                    <a:p>
-                      <a:pPr algn="l" fontAlgn="b"/>
-                      <a:r>
-                        <a:rPr lang="en-US" sz="800" u="none" strike="noStrike" dirty="0">
-                          <a:effectLst/>
-                        </a:rPr>
-                        <a:t>Column Name</a:t>
-                      </a:r>
-                      <a:endParaRPr lang="en-US" sz="800" b="1" i="0" u="none" strike="noStrike" dirty="0">
-                        <a:solidFill>
-                          <a:srgbClr val="000000"/>
-                        </a:solidFill>
-                        <a:effectLst/>
-                        <a:latin typeface="Calibri" panose="020F0502020204030204" pitchFamily="34" charset="0"/>
-                      </a:endParaRPr>
-                    </a:p>
-                  </a:txBody>
-                  <a:tcPr marL="9525" marR="9525" marT="9525" marB="0" anchor="b"/>
-                </a:tc>
-                <a:tc>
-                  <a:txBody>
-                    <a:bodyPr/>
-                    <a:lstStyle/>
-                    <a:p>
-                      <a:pPr algn="l" fontAlgn="b"/>
-                      <a:r>
-                        <a:rPr lang="en-US" sz="800" u="none" strike="noStrike">
-                          <a:effectLst/>
-                        </a:rPr>
-                        <a:t>Data Type</a:t>
-                      </a:r>
-                      <a:endParaRPr lang="en-US" sz="800" b="1" i="0" u="none" strike="noStrike">
-                        <a:solidFill>
-                          <a:srgbClr val="000000"/>
-                        </a:solidFill>
-                        <a:effectLst/>
-                        <a:latin typeface="Calibri" panose="020F0502020204030204" pitchFamily="34" charset="0"/>
-                      </a:endParaRPr>
-                    </a:p>
-                  </a:txBody>
-                  <a:tcPr marL="9525" marR="9525" marT="9525" marB="0" anchor="b"/>
-                </a:tc>
-                <a:tc>
-                  <a:txBody>
-                    <a:bodyPr/>
-                    <a:lstStyle/>
-                    <a:p>
-                      <a:pPr algn="l" fontAlgn="b"/>
-                      <a:r>
-                        <a:rPr lang="en-US" sz="800" u="none" strike="noStrike">
-                          <a:effectLst/>
-                        </a:rPr>
-                        <a:t>Nulls</a:t>
-                      </a:r>
-                      <a:endParaRPr lang="en-US" sz="800" b="1" i="0" u="none" strike="noStrike">
-                        <a:solidFill>
-                          <a:srgbClr val="000000"/>
-                        </a:solidFill>
-                        <a:effectLst/>
-                        <a:latin typeface="Calibri" panose="020F0502020204030204" pitchFamily="34" charset="0"/>
-                      </a:endParaRPr>
-                    </a:p>
-                  </a:txBody>
-                  <a:tcPr marL="9525" marR="9525" marT="9525" marB="0" anchor="b"/>
-                </a:tc>
-                <a:extLst>
-                  <a:ext uri="{0D108BD9-81ED-4DB2-BD59-A6C34878D82A}">
-                    <a16:rowId xmlns:a16="http://schemas.microsoft.com/office/drawing/2014/main" val="1985712408"/>
-                  </a:ext>
-                </a:extLst>
-              </a:tr>
-              <a:tr h="190500">
-                <a:tc>
-                  <a:txBody>
-                    <a:bodyPr/>
-                    <a:lstStyle/>
-                    <a:p>
-                      <a:pPr algn="l" fontAlgn="b"/>
-                      <a:r>
-                        <a:rPr lang="en-US" sz="800" u="none" strike="noStrike" dirty="0" err="1">
-                          <a:effectLst/>
-                          <a:highlight>
-                            <a:srgbClr val="FFFF00"/>
-                          </a:highlight>
-                        </a:rPr>
-                        <a:t>OrderID</a:t>
-                      </a:r>
-                      <a:endParaRPr lang="en-US" sz="800" b="0" i="0" u="none" strike="noStrike" dirty="0">
-                        <a:solidFill>
-                          <a:srgbClr val="000000"/>
-                        </a:solidFill>
-                        <a:effectLst/>
-                        <a:highlight>
-                          <a:srgbClr val="FFFF00"/>
-                        </a:highlight>
-                        <a:latin typeface="Calibri" panose="020F0502020204030204" pitchFamily="34" charset="0"/>
-                      </a:endParaRPr>
-                    </a:p>
-                  </a:txBody>
-                  <a:tcPr marL="9525" marR="9525" marT="9525" marB="0" anchor="b"/>
-                </a:tc>
-                <a:tc>
-                  <a:txBody>
-                    <a:bodyPr/>
-                    <a:lstStyle/>
-                    <a:p>
-                      <a:pPr algn="l" fontAlgn="b"/>
-                      <a:r>
-                        <a:rPr lang="en-US" sz="800" u="none" strike="noStrike">
-                          <a:effectLst/>
-                        </a:rPr>
-                        <a:t>int</a:t>
-                      </a:r>
-                      <a:endParaRPr lang="en-US" sz="800" b="0" i="0" u="none" strike="noStrike">
-                        <a:solidFill>
-                          <a:srgbClr val="000000"/>
-                        </a:solidFill>
-                        <a:effectLst/>
-                        <a:latin typeface="Calibri" panose="020F0502020204030204" pitchFamily="34" charset="0"/>
-                      </a:endParaRPr>
-                    </a:p>
-                  </a:txBody>
-                  <a:tcPr marL="9525" marR="9525" marT="9525" marB="0" anchor="b"/>
-                </a:tc>
-                <a:tc>
-                  <a:txBody>
-                    <a:bodyPr/>
-                    <a:lstStyle/>
-                    <a:p>
-                      <a:pPr algn="l" fontAlgn="b"/>
-                      <a:r>
-                        <a:rPr lang="en-US" sz="800" u="none" strike="noStrike">
-                          <a:effectLst/>
-                        </a:rPr>
-                        <a:t> </a:t>
-                      </a:r>
-                      <a:endParaRPr lang="en-US" sz="800" b="0" i="0" u="none" strike="noStrike">
-                        <a:solidFill>
-                          <a:srgbClr val="000000"/>
-                        </a:solidFill>
-                        <a:effectLst/>
-                        <a:latin typeface="Calibri" panose="020F0502020204030204" pitchFamily="34" charset="0"/>
-                      </a:endParaRPr>
-                    </a:p>
-                  </a:txBody>
-                  <a:tcPr marL="9525" marR="9525" marT="9525" marB="0" anchor="b"/>
-                </a:tc>
-                <a:extLst>
-                  <a:ext uri="{0D108BD9-81ED-4DB2-BD59-A6C34878D82A}">
-                    <a16:rowId xmlns:a16="http://schemas.microsoft.com/office/drawing/2014/main" val="2085735103"/>
-                  </a:ext>
-                </a:extLst>
-              </a:tr>
-              <a:tr h="190500">
-                <a:tc>
-                  <a:txBody>
-                    <a:bodyPr/>
-                    <a:lstStyle/>
-                    <a:p>
-                      <a:pPr algn="l" fontAlgn="b"/>
-                      <a:r>
-                        <a:rPr lang="en-US" sz="800" u="none" strike="noStrike">
-                          <a:effectLst/>
-                        </a:rPr>
-                        <a:t>CustomerID</a:t>
-                      </a:r>
-                      <a:endParaRPr lang="en-US" sz="800" b="0" i="0" u="none" strike="noStrike">
-                        <a:solidFill>
-                          <a:srgbClr val="000000"/>
-                        </a:solidFill>
-                        <a:effectLst/>
-                        <a:latin typeface="Calibri" panose="020F0502020204030204" pitchFamily="34" charset="0"/>
-                      </a:endParaRPr>
-                    </a:p>
-                  </a:txBody>
-                  <a:tcPr marL="9525" marR="9525" marT="9525" marB="0" anchor="b"/>
-                </a:tc>
-                <a:tc>
-                  <a:txBody>
-                    <a:bodyPr/>
-                    <a:lstStyle/>
-                    <a:p>
-                      <a:pPr algn="l" fontAlgn="b"/>
-                      <a:r>
-                        <a:rPr lang="en-US" sz="800" u="none" strike="noStrike">
-                          <a:effectLst/>
-                        </a:rPr>
-                        <a:t>int</a:t>
-                      </a:r>
-                      <a:endParaRPr lang="en-US" sz="800" b="0" i="0" u="none" strike="noStrike">
-                        <a:solidFill>
-                          <a:srgbClr val="000000"/>
-                        </a:solidFill>
-                        <a:effectLst/>
-                        <a:latin typeface="Calibri" panose="020F0502020204030204" pitchFamily="34" charset="0"/>
-                      </a:endParaRPr>
-                    </a:p>
-                  </a:txBody>
-                  <a:tcPr marL="9525" marR="9525" marT="9525" marB="0" anchor="b"/>
-                </a:tc>
-                <a:tc>
-                  <a:txBody>
-                    <a:bodyPr/>
-                    <a:lstStyle/>
-                    <a:p>
-                      <a:pPr algn="l" fontAlgn="b"/>
-                      <a:r>
-                        <a:rPr lang="en-US" sz="800" u="none" strike="noStrike">
-                          <a:effectLst/>
-                        </a:rPr>
-                        <a:t>x</a:t>
-                      </a:r>
-                      <a:endParaRPr lang="en-US" sz="800" b="0" i="0" u="none" strike="noStrike">
-                        <a:solidFill>
-                          <a:srgbClr val="000000"/>
-                        </a:solidFill>
-                        <a:effectLst/>
-                        <a:latin typeface="Calibri" panose="020F0502020204030204" pitchFamily="34" charset="0"/>
-                      </a:endParaRPr>
-                    </a:p>
-                  </a:txBody>
-                  <a:tcPr marL="9525" marR="9525" marT="9525" marB="0" anchor="b"/>
-                </a:tc>
-                <a:extLst>
-                  <a:ext uri="{0D108BD9-81ED-4DB2-BD59-A6C34878D82A}">
-                    <a16:rowId xmlns:a16="http://schemas.microsoft.com/office/drawing/2014/main" val="1635399440"/>
-                  </a:ext>
-                </a:extLst>
-              </a:tr>
-              <a:tr h="190500">
-                <a:tc>
-                  <a:txBody>
-                    <a:bodyPr/>
-                    <a:lstStyle/>
-                    <a:p>
-                      <a:pPr algn="l" fontAlgn="b"/>
-                      <a:r>
-                        <a:rPr lang="en-US" sz="800" u="none" strike="noStrike">
-                          <a:effectLst/>
-                        </a:rPr>
-                        <a:t>EmployeeID</a:t>
-                      </a:r>
-                      <a:endParaRPr lang="en-US" sz="800" b="0" i="0" u="none" strike="noStrike">
-                        <a:solidFill>
-                          <a:srgbClr val="000000"/>
-                        </a:solidFill>
-                        <a:effectLst/>
-                        <a:latin typeface="Calibri" panose="020F0502020204030204" pitchFamily="34" charset="0"/>
-                      </a:endParaRPr>
-                    </a:p>
-                  </a:txBody>
-                  <a:tcPr marL="9525" marR="9525" marT="9525" marB="0" anchor="b"/>
-                </a:tc>
-                <a:tc>
-                  <a:txBody>
-                    <a:bodyPr/>
-                    <a:lstStyle/>
-                    <a:p>
-                      <a:pPr algn="l" fontAlgn="b"/>
-                      <a:r>
-                        <a:rPr lang="en-US" sz="800" u="none" strike="noStrike">
-                          <a:effectLst/>
-                        </a:rPr>
-                        <a:t>int</a:t>
-                      </a:r>
-                      <a:endParaRPr lang="en-US" sz="800" b="0" i="0" u="none" strike="noStrike">
-                        <a:solidFill>
-                          <a:srgbClr val="000000"/>
-                        </a:solidFill>
-                        <a:effectLst/>
-                        <a:latin typeface="Calibri" panose="020F0502020204030204" pitchFamily="34" charset="0"/>
-                      </a:endParaRPr>
-                    </a:p>
-                  </a:txBody>
-                  <a:tcPr marL="9525" marR="9525" marT="9525" marB="0" anchor="b"/>
-                </a:tc>
-                <a:tc>
-                  <a:txBody>
-                    <a:bodyPr/>
-                    <a:lstStyle/>
-                    <a:p>
-                      <a:pPr algn="l" fontAlgn="b"/>
-                      <a:r>
-                        <a:rPr lang="en-US" sz="800" u="none" strike="noStrike">
-                          <a:effectLst/>
-                        </a:rPr>
-                        <a:t>x</a:t>
-                      </a:r>
-                      <a:endParaRPr lang="en-US" sz="800" b="0" i="0" u="none" strike="noStrike">
-                        <a:solidFill>
-                          <a:srgbClr val="000000"/>
-                        </a:solidFill>
-                        <a:effectLst/>
-                        <a:latin typeface="Calibri" panose="020F0502020204030204" pitchFamily="34" charset="0"/>
-                      </a:endParaRPr>
-                    </a:p>
-                  </a:txBody>
-                  <a:tcPr marL="9525" marR="9525" marT="9525" marB="0" anchor="b"/>
-                </a:tc>
-                <a:extLst>
-                  <a:ext uri="{0D108BD9-81ED-4DB2-BD59-A6C34878D82A}">
-                    <a16:rowId xmlns:a16="http://schemas.microsoft.com/office/drawing/2014/main" val="1977348680"/>
-                  </a:ext>
-                </a:extLst>
-              </a:tr>
-              <a:tr h="190500">
-                <a:tc>
-                  <a:txBody>
-                    <a:bodyPr/>
-                    <a:lstStyle/>
-                    <a:p>
-                      <a:pPr algn="l" fontAlgn="b"/>
-                      <a:r>
-                        <a:rPr lang="en-US" sz="800" u="none" strike="noStrike">
-                          <a:effectLst/>
-                        </a:rPr>
-                        <a:t>OrderDate</a:t>
-                      </a:r>
-                      <a:endParaRPr lang="en-US" sz="800" b="0" i="0" u="none" strike="noStrike">
-                        <a:solidFill>
-                          <a:srgbClr val="000000"/>
-                        </a:solidFill>
-                        <a:effectLst/>
-                        <a:latin typeface="Calibri" panose="020F0502020204030204" pitchFamily="34" charset="0"/>
-                      </a:endParaRPr>
-                    </a:p>
-                  </a:txBody>
-                  <a:tcPr marL="9525" marR="9525" marT="9525" marB="0" anchor="b"/>
-                </a:tc>
-                <a:tc>
-                  <a:txBody>
-                    <a:bodyPr/>
-                    <a:lstStyle/>
-                    <a:p>
-                      <a:pPr algn="l" fontAlgn="b"/>
-                      <a:r>
-                        <a:rPr lang="en-US" sz="800" u="none" strike="noStrike">
-                          <a:effectLst/>
-                        </a:rPr>
-                        <a:t>date</a:t>
-                      </a:r>
-                      <a:endParaRPr lang="en-US" sz="800" b="0" i="0" u="none" strike="noStrike">
-                        <a:solidFill>
-                          <a:srgbClr val="000000"/>
-                        </a:solidFill>
-                        <a:effectLst/>
-                        <a:latin typeface="Calibri" panose="020F0502020204030204" pitchFamily="34" charset="0"/>
-                      </a:endParaRPr>
-                    </a:p>
-                  </a:txBody>
-                  <a:tcPr marL="9525" marR="9525" marT="9525" marB="0" anchor="b"/>
-                </a:tc>
-                <a:tc>
-                  <a:txBody>
-                    <a:bodyPr/>
-                    <a:lstStyle/>
-                    <a:p>
-                      <a:pPr algn="l" fontAlgn="b"/>
-                      <a:r>
-                        <a:rPr lang="en-US" sz="800" u="none" strike="noStrike">
-                          <a:effectLst/>
-                        </a:rPr>
-                        <a:t>x</a:t>
-                      </a:r>
-                      <a:endParaRPr lang="en-US" sz="800" b="0" i="0" u="none" strike="noStrike">
-                        <a:solidFill>
-                          <a:srgbClr val="000000"/>
-                        </a:solidFill>
-                        <a:effectLst/>
-                        <a:latin typeface="Calibri" panose="020F0502020204030204" pitchFamily="34" charset="0"/>
-                      </a:endParaRPr>
-                    </a:p>
-                  </a:txBody>
-                  <a:tcPr marL="9525" marR="9525" marT="9525" marB="0" anchor="b"/>
-                </a:tc>
-                <a:extLst>
-                  <a:ext uri="{0D108BD9-81ED-4DB2-BD59-A6C34878D82A}">
-                    <a16:rowId xmlns:a16="http://schemas.microsoft.com/office/drawing/2014/main" val="2663251325"/>
-                  </a:ext>
-                </a:extLst>
-              </a:tr>
-              <a:tr h="190500">
-                <a:tc>
-                  <a:txBody>
-                    <a:bodyPr/>
-                    <a:lstStyle/>
-                    <a:p>
-                      <a:pPr algn="l" fontAlgn="b"/>
-                      <a:r>
-                        <a:rPr lang="en-US" sz="800" u="none" strike="noStrike">
-                          <a:effectLst/>
-                        </a:rPr>
-                        <a:t>ShipperID</a:t>
-                      </a:r>
-                      <a:endParaRPr lang="en-US" sz="800" b="0" i="0" u="none" strike="noStrike">
-                        <a:solidFill>
-                          <a:srgbClr val="000000"/>
-                        </a:solidFill>
-                        <a:effectLst/>
-                        <a:latin typeface="Calibri" panose="020F0502020204030204" pitchFamily="34" charset="0"/>
-                      </a:endParaRPr>
-                    </a:p>
-                  </a:txBody>
-                  <a:tcPr marL="9525" marR="9525" marT="9525" marB="0" anchor="b"/>
-                </a:tc>
-                <a:tc>
-                  <a:txBody>
-                    <a:bodyPr/>
-                    <a:lstStyle/>
-                    <a:p>
-                      <a:pPr algn="l" fontAlgn="b"/>
-                      <a:r>
-                        <a:rPr lang="en-US" sz="800" u="none" strike="noStrike">
-                          <a:effectLst/>
-                        </a:rPr>
-                        <a:t>int</a:t>
-                      </a:r>
-                      <a:endParaRPr lang="en-US" sz="800" b="0" i="0" u="none" strike="noStrike">
-                        <a:solidFill>
-                          <a:srgbClr val="000000"/>
-                        </a:solidFill>
-                        <a:effectLst/>
-                        <a:latin typeface="Calibri" panose="020F0502020204030204" pitchFamily="34" charset="0"/>
-                      </a:endParaRPr>
-                    </a:p>
-                  </a:txBody>
-                  <a:tcPr marL="9525" marR="9525" marT="9525" marB="0" anchor="b"/>
-                </a:tc>
-                <a:tc>
-                  <a:txBody>
-                    <a:bodyPr/>
-                    <a:lstStyle/>
-                    <a:p>
-                      <a:pPr algn="l" fontAlgn="b"/>
-                      <a:r>
-                        <a:rPr lang="en-US" sz="800" u="none" strike="noStrike">
-                          <a:effectLst/>
-                        </a:rPr>
-                        <a:t>x</a:t>
-                      </a:r>
-                      <a:endParaRPr lang="en-US" sz="800" b="0" i="0" u="none" strike="noStrike">
-                        <a:solidFill>
-                          <a:srgbClr val="000000"/>
-                        </a:solidFill>
-                        <a:effectLst/>
-                        <a:latin typeface="Calibri" panose="020F0502020204030204" pitchFamily="34" charset="0"/>
-                      </a:endParaRPr>
-                    </a:p>
-                  </a:txBody>
-                  <a:tcPr marL="9525" marR="9525" marT="9525" marB="0" anchor="b"/>
-                </a:tc>
-                <a:extLst>
-                  <a:ext uri="{0D108BD9-81ED-4DB2-BD59-A6C34878D82A}">
-                    <a16:rowId xmlns:a16="http://schemas.microsoft.com/office/drawing/2014/main" val="2785423658"/>
-                  </a:ext>
-                </a:extLst>
-              </a:tr>
-              <a:tr h="190500">
-                <a:tc>
-                  <a:txBody>
-                    <a:bodyPr/>
-                    <a:lstStyle/>
-                    <a:p>
-                      <a:pPr algn="l" fontAlgn="b"/>
-                      <a:r>
-                        <a:rPr lang="en-US" sz="800" u="none" strike="noStrike" dirty="0" err="1">
-                          <a:effectLst/>
-                        </a:rPr>
-                        <a:t>ShippedDate</a:t>
-                      </a:r>
-                      <a:endParaRPr lang="en-US" sz="800" b="0" i="0" u="none" strike="noStrike" dirty="0">
-                        <a:solidFill>
-                          <a:srgbClr val="000000"/>
-                        </a:solidFill>
-                        <a:effectLst/>
-                        <a:latin typeface="Calibri" panose="020F0502020204030204" pitchFamily="34" charset="0"/>
-                      </a:endParaRPr>
-                    </a:p>
-                  </a:txBody>
-                  <a:tcPr marL="9525" marR="9525" marT="9525" marB="0" anchor="b"/>
-                </a:tc>
-                <a:tc>
-                  <a:txBody>
-                    <a:bodyPr/>
-                    <a:lstStyle/>
-                    <a:p>
-                      <a:pPr algn="l" fontAlgn="b"/>
-                      <a:r>
-                        <a:rPr lang="en-US" sz="800" u="none" strike="noStrike">
-                          <a:effectLst/>
-                        </a:rPr>
-                        <a:t>date</a:t>
-                      </a:r>
-                      <a:endParaRPr lang="en-US" sz="800" b="0" i="0" u="none" strike="noStrike">
-                        <a:solidFill>
-                          <a:srgbClr val="000000"/>
-                        </a:solidFill>
-                        <a:effectLst/>
-                        <a:latin typeface="Calibri" panose="020F0502020204030204" pitchFamily="34" charset="0"/>
-                      </a:endParaRPr>
-                    </a:p>
-                  </a:txBody>
-                  <a:tcPr marL="9525" marR="9525" marT="9525" marB="0" anchor="b"/>
-                </a:tc>
-                <a:tc>
-                  <a:txBody>
-                    <a:bodyPr/>
-                    <a:lstStyle/>
-                    <a:p>
-                      <a:pPr algn="l" fontAlgn="b"/>
-                      <a:r>
-                        <a:rPr lang="en-US" sz="800" u="none" strike="noStrike">
-                          <a:effectLst/>
-                        </a:rPr>
-                        <a:t>x</a:t>
-                      </a:r>
-                      <a:endParaRPr lang="en-US" sz="800" b="0" i="0" u="none" strike="noStrike">
-                        <a:solidFill>
-                          <a:srgbClr val="000000"/>
-                        </a:solidFill>
-                        <a:effectLst/>
-                        <a:latin typeface="Calibri" panose="020F0502020204030204" pitchFamily="34" charset="0"/>
-                      </a:endParaRPr>
-                    </a:p>
-                  </a:txBody>
-                  <a:tcPr marL="9525" marR="9525" marT="9525" marB="0" anchor="b"/>
-                </a:tc>
-                <a:extLst>
-                  <a:ext uri="{0D108BD9-81ED-4DB2-BD59-A6C34878D82A}">
-                    <a16:rowId xmlns:a16="http://schemas.microsoft.com/office/drawing/2014/main" val="2597169432"/>
-                  </a:ext>
-                </a:extLst>
-              </a:tr>
-              <a:tr h="190500">
-                <a:tc>
-                  <a:txBody>
-                    <a:bodyPr/>
-                    <a:lstStyle/>
-                    <a:p>
-                      <a:pPr algn="l" fontAlgn="b"/>
-                      <a:r>
-                        <a:rPr lang="en-US" sz="800" u="none" strike="noStrike" dirty="0" err="1">
-                          <a:effectLst/>
-                        </a:rPr>
-                        <a:t>DeliveredDate</a:t>
-                      </a:r>
-                      <a:endParaRPr lang="en-US" sz="800" b="0" i="0" u="none" strike="noStrike" dirty="0">
-                        <a:solidFill>
-                          <a:srgbClr val="000000"/>
-                        </a:solidFill>
-                        <a:effectLst/>
-                        <a:latin typeface="Calibri" panose="020F0502020204030204" pitchFamily="34" charset="0"/>
-                      </a:endParaRPr>
-                    </a:p>
-                  </a:txBody>
-                  <a:tcPr marL="9525" marR="9525" marT="9525" marB="0" anchor="b"/>
-                </a:tc>
-                <a:tc>
-                  <a:txBody>
-                    <a:bodyPr/>
-                    <a:lstStyle/>
-                    <a:p>
-                      <a:pPr algn="l" fontAlgn="b"/>
-                      <a:r>
-                        <a:rPr lang="en-US" sz="800" u="none" strike="noStrike">
-                          <a:effectLst/>
-                        </a:rPr>
-                        <a:t>date</a:t>
-                      </a:r>
-                      <a:endParaRPr lang="en-US" sz="800" b="0" i="0" u="none" strike="noStrike">
-                        <a:solidFill>
-                          <a:srgbClr val="000000"/>
-                        </a:solidFill>
-                        <a:effectLst/>
-                        <a:latin typeface="Calibri" panose="020F0502020204030204" pitchFamily="34" charset="0"/>
-                      </a:endParaRPr>
-                    </a:p>
-                  </a:txBody>
-                  <a:tcPr marL="9525" marR="9525" marT="9525" marB="0" anchor="b"/>
-                </a:tc>
-                <a:tc>
-                  <a:txBody>
-                    <a:bodyPr/>
-                    <a:lstStyle/>
-                    <a:p>
-                      <a:pPr algn="l" fontAlgn="b"/>
-                      <a:r>
-                        <a:rPr lang="en-US" sz="800" u="none" strike="noStrike">
-                          <a:effectLst/>
-                        </a:rPr>
-                        <a:t>x</a:t>
-                      </a:r>
-                      <a:endParaRPr lang="en-US" sz="800" b="0" i="0" u="none" strike="noStrike">
-                        <a:solidFill>
-                          <a:srgbClr val="000000"/>
-                        </a:solidFill>
-                        <a:effectLst/>
-                        <a:latin typeface="Calibri" panose="020F0502020204030204" pitchFamily="34" charset="0"/>
-                      </a:endParaRPr>
-                    </a:p>
-                  </a:txBody>
-                  <a:tcPr marL="9525" marR="9525" marT="9525" marB="0" anchor="b"/>
-                </a:tc>
-                <a:extLst>
-                  <a:ext uri="{0D108BD9-81ED-4DB2-BD59-A6C34878D82A}">
-                    <a16:rowId xmlns:a16="http://schemas.microsoft.com/office/drawing/2014/main" val="2142035514"/>
-                  </a:ext>
-                </a:extLst>
-              </a:tr>
-              <a:tr h="190500">
-                <a:tc>
-                  <a:txBody>
-                    <a:bodyPr/>
-                    <a:lstStyle/>
-                    <a:p>
-                      <a:pPr algn="l" fontAlgn="b"/>
-                      <a:r>
-                        <a:rPr lang="en-US" sz="800" u="none" strike="noStrike" dirty="0" err="1">
-                          <a:effectLst/>
-                        </a:rPr>
-                        <a:t>OrderContactFirstName</a:t>
-                      </a:r>
-                      <a:endParaRPr lang="en-US" sz="800" b="0" i="0" u="none" strike="noStrike" dirty="0">
-                        <a:solidFill>
-                          <a:srgbClr val="000000"/>
-                        </a:solidFill>
-                        <a:effectLst/>
-                        <a:latin typeface="Calibri" panose="020F0502020204030204" pitchFamily="34" charset="0"/>
-                      </a:endParaRPr>
-                    </a:p>
-                  </a:txBody>
-                  <a:tcPr marL="9525" marR="9525" marT="9525" marB="0" anchor="b"/>
-                </a:tc>
-                <a:tc>
-                  <a:txBody>
-                    <a:bodyPr/>
-                    <a:lstStyle/>
-                    <a:p>
-                      <a:pPr algn="l" fontAlgn="b"/>
-                      <a:r>
-                        <a:rPr lang="en-US" sz="800" u="none" strike="noStrike">
-                          <a:effectLst/>
-                        </a:rPr>
-                        <a:t>nvarchar(25)</a:t>
-                      </a:r>
-                      <a:endParaRPr lang="en-US" sz="800" b="0" i="0" u="none" strike="noStrike">
-                        <a:solidFill>
-                          <a:srgbClr val="000000"/>
-                        </a:solidFill>
-                        <a:effectLst/>
-                        <a:latin typeface="Calibri" panose="020F0502020204030204" pitchFamily="34" charset="0"/>
-                      </a:endParaRPr>
-                    </a:p>
-                  </a:txBody>
-                  <a:tcPr marL="9525" marR="9525" marT="9525" marB="0" anchor="b"/>
-                </a:tc>
-                <a:tc>
-                  <a:txBody>
-                    <a:bodyPr/>
-                    <a:lstStyle/>
-                    <a:p>
-                      <a:pPr algn="l" fontAlgn="b"/>
-                      <a:r>
-                        <a:rPr lang="en-US" sz="800" u="none" strike="noStrike">
-                          <a:effectLst/>
-                        </a:rPr>
-                        <a:t>x</a:t>
-                      </a:r>
-                      <a:endParaRPr lang="en-US" sz="800" b="0" i="0" u="none" strike="noStrike">
-                        <a:solidFill>
-                          <a:srgbClr val="000000"/>
-                        </a:solidFill>
-                        <a:effectLst/>
-                        <a:latin typeface="Calibri" panose="020F0502020204030204" pitchFamily="34" charset="0"/>
-                      </a:endParaRPr>
-                    </a:p>
-                  </a:txBody>
-                  <a:tcPr marL="9525" marR="9525" marT="9525" marB="0" anchor="b"/>
-                </a:tc>
-                <a:extLst>
-                  <a:ext uri="{0D108BD9-81ED-4DB2-BD59-A6C34878D82A}">
-                    <a16:rowId xmlns:a16="http://schemas.microsoft.com/office/drawing/2014/main" val="1874191027"/>
-                  </a:ext>
-                </a:extLst>
-              </a:tr>
-              <a:tr h="190500">
-                <a:tc>
-                  <a:txBody>
-                    <a:bodyPr/>
-                    <a:lstStyle/>
-                    <a:p>
-                      <a:pPr algn="l" fontAlgn="b"/>
-                      <a:r>
-                        <a:rPr lang="en-US" sz="800" u="none" strike="noStrike" dirty="0" err="1">
-                          <a:effectLst/>
-                        </a:rPr>
-                        <a:t>OrderContactLastName</a:t>
-                      </a:r>
-                      <a:endParaRPr lang="en-US" sz="800" b="0" i="0" u="none" strike="noStrike" dirty="0">
-                        <a:solidFill>
-                          <a:srgbClr val="000000"/>
-                        </a:solidFill>
-                        <a:effectLst/>
-                        <a:latin typeface="Calibri" panose="020F0502020204030204" pitchFamily="34" charset="0"/>
-                      </a:endParaRPr>
-                    </a:p>
-                  </a:txBody>
-                  <a:tcPr marL="9525" marR="9525" marT="9525" marB="0" anchor="b"/>
-                </a:tc>
-                <a:tc>
-                  <a:txBody>
-                    <a:bodyPr/>
-                    <a:lstStyle/>
-                    <a:p>
-                      <a:pPr algn="l" fontAlgn="b"/>
-                      <a:r>
-                        <a:rPr lang="en-US" sz="800" u="none" strike="noStrike">
-                          <a:effectLst/>
-                        </a:rPr>
-                        <a:t>nvarchar(25)</a:t>
-                      </a:r>
-                      <a:endParaRPr lang="en-US" sz="800" b="0" i="0" u="none" strike="noStrike">
-                        <a:solidFill>
-                          <a:srgbClr val="000000"/>
-                        </a:solidFill>
-                        <a:effectLst/>
-                        <a:latin typeface="Calibri" panose="020F0502020204030204" pitchFamily="34" charset="0"/>
-                      </a:endParaRPr>
-                    </a:p>
-                  </a:txBody>
-                  <a:tcPr marL="9525" marR="9525" marT="9525" marB="0" anchor="b"/>
-                </a:tc>
-                <a:tc>
-                  <a:txBody>
-                    <a:bodyPr/>
-                    <a:lstStyle/>
-                    <a:p>
-                      <a:pPr algn="l" fontAlgn="b"/>
-                      <a:r>
-                        <a:rPr lang="en-US" sz="800" u="none" strike="noStrike">
-                          <a:effectLst/>
-                        </a:rPr>
-                        <a:t>x</a:t>
-                      </a:r>
-                      <a:endParaRPr lang="en-US" sz="800" b="0" i="0" u="none" strike="noStrike">
-                        <a:solidFill>
-                          <a:srgbClr val="000000"/>
-                        </a:solidFill>
-                        <a:effectLst/>
-                        <a:latin typeface="Calibri" panose="020F0502020204030204" pitchFamily="34" charset="0"/>
-                      </a:endParaRPr>
-                    </a:p>
-                  </a:txBody>
-                  <a:tcPr marL="9525" marR="9525" marT="9525" marB="0" anchor="b"/>
-                </a:tc>
-                <a:extLst>
-                  <a:ext uri="{0D108BD9-81ED-4DB2-BD59-A6C34878D82A}">
-                    <a16:rowId xmlns:a16="http://schemas.microsoft.com/office/drawing/2014/main" val="3052664687"/>
-                  </a:ext>
-                </a:extLst>
-              </a:tr>
-              <a:tr h="190500">
-                <a:tc>
-                  <a:txBody>
-                    <a:bodyPr/>
-                    <a:lstStyle/>
-                    <a:p>
-                      <a:pPr algn="l" fontAlgn="b"/>
-                      <a:r>
-                        <a:rPr lang="en-US" sz="800" u="none" strike="noStrike" dirty="0" err="1">
-                          <a:effectLst/>
-                        </a:rPr>
-                        <a:t>OrderAddress</a:t>
-                      </a:r>
-                      <a:endParaRPr lang="en-US" sz="800" b="0" i="0" u="none" strike="noStrike" dirty="0">
-                        <a:solidFill>
-                          <a:srgbClr val="000000"/>
-                        </a:solidFill>
-                        <a:effectLst/>
-                        <a:latin typeface="Calibri" panose="020F0502020204030204" pitchFamily="34" charset="0"/>
-                      </a:endParaRPr>
-                    </a:p>
-                  </a:txBody>
-                  <a:tcPr marL="9525" marR="9525" marT="9525" marB="0" anchor="b"/>
-                </a:tc>
-                <a:tc>
-                  <a:txBody>
-                    <a:bodyPr/>
-                    <a:lstStyle/>
-                    <a:p>
-                      <a:pPr algn="l" fontAlgn="b"/>
-                      <a:r>
-                        <a:rPr lang="en-US" sz="800" u="none" strike="noStrike">
-                          <a:effectLst/>
-                        </a:rPr>
-                        <a:t>nvarchar(40)</a:t>
-                      </a:r>
-                      <a:endParaRPr lang="en-US" sz="800" b="0" i="0" u="none" strike="noStrike">
-                        <a:solidFill>
-                          <a:srgbClr val="000000"/>
-                        </a:solidFill>
-                        <a:effectLst/>
-                        <a:latin typeface="Calibri" panose="020F0502020204030204" pitchFamily="34" charset="0"/>
-                      </a:endParaRPr>
-                    </a:p>
-                  </a:txBody>
-                  <a:tcPr marL="9525" marR="9525" marT="9525" marB="0" anchor="b"/>
-                </a:tc>
-                <a:tc>
-                  <a:txBody>
-                    <a:bodyPr/>
-                    <a:lstStyle/>
-                    <a:p>
-                      <a:pPr algn="l" fontAlgn="b"/>
-                      <a:r>
-                        <a:rPr lang="en-US" sz="800" u="none" strike="noStrike">
-                          <a:effectLst/>
-                        </a:rPr>
-                        <a:t>x</a:t>
-                      </a:r>
-                      <a:endParaRPr lang="en-US" sz="800" b="0" i="0" u="none" strike="noStrike">
-                        <a:solidFill>
-                          <a:srgbClr val="000000"/>
-                        </a:solidFill>
-                        <a:effectLst/>
-                        <a:latin typeface="Calibri" panose="020F0502020204030204" pitchFamily="34" charset="0"/>
-                      </a:endParaRPr>
-                    </a:p>
-                  </a:txBody>
-                  <a:tcPr marL="9525" marR="9525" marT="9525" marB="0" anchor="b"/>
-                </a:tc>
-                <a:extLst>
-                  <a:ext uri="{0D108BD9-81ED-4DB2-BD59-A6C34878D82A}">
-                    <a16:rowId xmlns:a16="http://schemas.microsoft.com/office/drawing/2014/main" val="748124911"/>
-                  </a:ext>
-                </a:extLst>
-              </a:tr>
-              <a:tr h="190500">
-                <a:tc>
-                  <a:txBody>
-                    <a:bodyPr/>
-                    <a:lstStyle/>
-                    <a:p>
-                      <a:pPr algn="l" fontAlgn="b"/>
-                      <a:r>
-                        <a:rPr lang="en-US" sz="800" u="none" strike="noStrike" dirty="0" err="1">
-                          <a:effectLst/>
-                        </a:rPr>
-                        <a:t>OrderCity</a:t>
-                      </a:r>
-                      <a:endParaRPr lang="en-US" sz="800" b="0" i="0" u="none" strike="noStrike" dirty="0">
-                        <a:solidFill>
-                          <a:srgbClr val="000000"/>
-                        </a:solidFill>
-                        <a:effectLst/>
-                        <a:latin typeface="Calibri" panose="020F0502020204030204" pitchFamily="34" charset="0"/>
-                      </a:endParaRPr>
-                    </a:p>
-                  </a:txBody>
-                  <a:tcPr marL="9525" marR="9525" marT="9525" marB="0" anchor="b"/>
-                </a:tc>
-                <a:tc>
-                  <a:txBody>
-                    <a:bodyPr/>
-                    <a:lstStyle/>
-                    <a:p>
-                      <a:pPr algn="l" fontAlgn="b"/>
-                      <a:r>
-                        <a:rPr lang="en-US" sz="800" u="none" strike="noStrike">
-                          <a:effectLst/>
-                        </a:rPr>
-                        <a:t>nvarchar(40)</a:t>
-                      </a:r>
-                      <a:endParaRPr lang="en-US" sz="800" b="0" i="0" u="none" strike="noStrike">
-                        <a:solidFill>
-                          <a:srgbClr val="000000"/>
-                        </a:solidFill>
-                        <a:effectLst/>
-                        <a:latin typeface="Calibri" panose="020F0502020204030204" pitchFamily="34" charset="0"/>
-                      </a:endParaRPr>
-                    </a:p>
-                  </a:txBody>
-                  <a:tcPr marL="9525" marR="9525" marT="9525" marB="0" anchor="b"/>
-                </a:tc>
-                <a:tc>
-                  <a:txBody>
-                    <a:bodyPr/>
-                    <a:lstStyle/>
-                    <a:p>
-                      <a:pPr algn="l" fontAlgn="b"/>
-                      <a:r>
-                        <a:rPr lang="en-US" sz="800" u="none" strike="noStrike">
-                          <a:effectLst/>
-                        </a:rPr>
-                        <a:t>x</a:t>
-                      </a:r>
-                      <a:endParaRPr lang="en-US" sz="800" b="0" i="0" u="none" strike="noStrike">
-                        <a:solidFill>
-                          <a:srgbClr val="000000"/>
-                        </a:solidFill>
-                        <a:effectLst/>
-                        <a:latin typeface="Calibri" panose="020F0502020204030204" pitchFamily="34" charset="0"/>
-                      </a:endParaRPr>
-                    </a:p>
-                  </a:txBody>
-                  <a:tcPr marL="9525" marR="9525" marT="9525" marB="0" anchor="b"/>
-                </a:tc>
-                <a:extLst>
-                  <a:ext uri="{0D108BD9-81ED-4DB2-BD59-A6C34878D82A}">
-                    <a16:rowId xmlns:a16="http://schemas.microsoft.com/office/drawing/2014/main" val="3025118781"/>
-                  </a:ext>
-                </a:extLst>
-              </a:tr>
-              <a:tr h="190500">
-                <a:tc>
-                  <a:txBody>
-                    <a:bodyPr/>
-                    <a:lstStyle/>
-                    <a:p>
-                      <a:pPr algn="l" fontAlgn="b"/>
-                      <a:r>
-                        <a:rPr lang="en-US" sz="800" u="none" strike="noStrike">
-                          <a:effectLst/>
-                        </a:rPr>
-                        <a:t>OrderState</a:t>
-                      </a:r>
-                      <a:endParaRPr lang="en-US" sz="800" b="0" i="0" u="none" strike="noStrike">
-                        <a:solidFill>
-                          <a:srgbClr val="000000"/>
-                        </a:solidFill>
-                        <a:effectLst/>
-                        <a:latin typeface="Calibri" panose="020F0502020204030204" pitchFamily="34" charset="0"/>
-                      </a:endParaRPr>
-                    </a:p>
-                  </a:txBody>
-                  <a:tcPr marL="9525" marR="9525" marT="9525" marB="0" anchor="b"/>
-                </a:tc>
-                <a:tc>
-                  <a:txBody>
-                    <a:bodyPr/>
-                    <a:lstStyle/>
-                    <a:p>
-                      <a:pPr algn="l" fontAlgn="b"/>
-                      <a:r>
-                        <a:rPr lang="en-US" sz="800" u="none" strike="noStrike">
-                          <a:effectLst/>
-                        </a:rPr>
-                        <a:t>nvarchar(2)</a:t>
-                      </a:r>
-                      <a:endParaRPr lang="en-US" sz="800" b="0" i="0" u="none" strike="noStrike">
-                        <a:solidFill>
-                          <a:srgbClr val="000000"/>
-                        </a:solidFill>
-                        <a:effectLst/>
-                        <a:latin typeface="Calibri" panose="020F0502020204030204" pitchFamily="34" charset="0"/>
-                      </a:endParaRPr>
-                    </a:p>
-                  </a:txBody>
-                  <a:tcPr marL="9525" marR="9525" marT="9525" marB="0" anchor="b"/>
-                </a:tc>
-                <a:tc>
-                  <a:txBody>
-                    <a:bodyPr/>
-                    <a:lstStyle/>
-                    <a:p>
-                      <a:pPr algn="l" fontAlgn="b"/>
-                      <a:r>
-                        <a:rPr lang="en-US" sz="800" u="none" strike="noStrike">
-                          <a:effectLst/>
-                        </a:rPr>
-                        <a:t>x</a:t>
-                      </a:r>
-                      <a:endParaRPr lang="en-US" sz="800" b="0" i="0" u="none" strike="noStrike">
-                        <a:solidFill>
-                          <a:srgbClr val="000000"/>
-                        </a:solidFill>
-                        <a:effectLst/>
-                        <a:latin typeface="Calibri" panose="020F0502020204030204" pitchFamily="34" charset="0"/>
-                      </a:endParaRPr>
-                    </a:p>
-                  </a:txBody>
-                  <a:tcPr marL="9525" marR="9525" marT="9525" marB="0" anchor="b"/>
-                </a:tc>
-                <a:extLst>
-                  <a:ext uri="{0D108BD9-81ED-4DB2-BD59-A6C34878D82A}">
-                    <a16:rowId xmlns:a16="http://schemas.microsoft.com/office/drawing/2014/main" val="1474432820"/>
-                  </a:ext>
-                </a:extLst>
-              </a:tr>
-              <a:tr h="190500">
-                <a:tc>
-                  <a:txBody>
-                    <a:bodyPr/>
-                    <a:lstStyle/>
-                    <a:p>
-                      <a:pPr algn="l" fontAlgn="b"/>
-                      <a:r>
-                        <a:rPr lang="en-US" sz="800" u="none" strike="noStrike">
-                          <a:effectLst/>
-                        </a:rPr>
-                        <a:t>OrderZip</a:t>
-                      </a:r>
-                      <a:endParaRPr lang="en-US" sz="800" b="0" i="0" u="none" strike="noStrike">
-                        <a:solidFill>
-                          <a:srgbClr val="000000"/>
-                        </a:solidFill>
-                        <a:effectLst/>
-                        <a:latin typeface="Calibri" panose="020F0502020204030204" pitchFamily="34" charset="0"/>
-                      </a:endParaRPr>
-                    </a:p>
-                  </a:txBody>
-                  <a:tcPr marL="9525" marR="9525" marT="9525" marB="0" anchor="b"/>
-                </a:tc>
-                <a:tc>
-                  <a:txBody>
-                    <a:bodyPr/>
-                    <a:lstStyle/>
-                    <a:p>
-                      <a:pPr algn="l" fontAlgn="b"/>
-                      <a:r>
-                        <a:rPr lang="en-US" sz="800" u="none" strike="noStrike">
-                          <a:effectLst/>
-                        </a:rPr>
-                        <a:t>nvarchar(10)</a:t>
-                      </a:r>
-                      <a:endParaRPr lang="en-US" sz="800" b="0" i="0" u="none" strike="noStrike">
-                        <a:solidFill>
-                          <a:srgbClr val="000000"/>
-                        </a:solidFill>
-                        <a:effectLst/>
-                        <a:latin typeface="Calibri" panose="020F0502020204030204" pitchFamily="34" charset="0"/>
-                      </a:endParaRPr>
-                    </a:p>
-                  </a:txBody>
-                  <a:tcPr marL="9525" marR="9525" marT="9525" marB="0" anchor="b"/>
-                </a:tc>
-                <a:tc>
-                  <a:txBody>
-                    <a:bodyPr/>
-                    <a:lstStyle/>
-                    <a:p>
-                      <a:pPr algn="l" fontAlgn="b"/>
-                      <a:r>
-                        <a:rPr lang="en-US" sz="800" u="none" strike="noStrike">
-                          <a:effectLst/>
-                        </a:rPr>
-                        <a:t>x</a:t>
-                      </a:r>
-                      <a:endParaRPr lang="en-US" sz="800" b="0" i="0" u="none" strike="noStrike">
-                        <a:solidFill>
-                          <a:srgbClr val="000000"/>
-                        </a:solidFill>
-                        <a:effectLst/>
-                        <a:latin typeface="Calibri" panose="020F0502020204030204" pitchFamily="34" charset="0"/>
-                      </a:endParaRPr>
-                    </a:p>
-                  </a:txBody>
-                  <a:tcPr marL="9525" marR="9525" marT="9525" marB="0" anchor="b"/>
-                </a:tc>
-                <a:extLst>
-                  <a:ext uri="{0D108BD9-81ED-4DB2-BD59-A6C34878D82A}">
-                    <a16:rowId xmlns:a16="http://schemas.microsoft.com/office/drawing/2014/main" val="1784225658"/>
-                  </a:ext>
-                </a:extLst>
-              </a:tr>
-              <a:tr h="190500">
-                <a:tc>
-                  <a:txBody>
-                    <a:bodyPr/>
-                    <a:lstStyle/>
-                    <a:p>
-                      <a:pPr algn="l" fontAlgn="b"/>
-                      <a:r>
-                        <a:rPr lang="en-US" sz="800" u="none" strike="noStrike">
-                          <a:effectLst/>
-                        </a:rPr>
-                        <a:t>OrderCountry</a:t>
-                      </a:r>
-                      <a:endParaRPr lang="en-US" sz="800" b="0" i="0" u="none" strike="noStrike">
-                        <a:solidFill>
-                          <a:srgbClr val="000000"/>
-                        </a:solidFill>
-                        <a:effectLst/>
-                        <a:latin typeface="Calibri" panose="020F0502020204030204" pitchFamily="34" charset="0"/>
-                      </a:endParaRPr>
-                    </a:p>
-                  </a:txBody>
-                  <a:tcPr marL="9525" marR="9525" marT="9525" marB="0" anchor="b"/>
-                </a:tc>
-                <a:tc>
-                  <a:txBody>
-                    <a:bodyPr/>
-                    <a:lstStyle/>
-                    <a:p>
-                      <a:pPr algn="l" fontAlgn="b"/>
-                      <a:r>
-                        <a:rPr lang="en-US" sz="800" u="none" strike="noStrike">
-                          <a:effectLst/>
-                        </a:rPr>
-                        <a:t>nvarchar(40)</a:t>
-                      </a:r>
-                      <a:endParaRPr lang="en-US" sz="800" b="0" i="0" u="none" strike="noStrike">
-                        <a:solidFill>
-                          <a:srgbClr val="000000"/>
-                        </a:solidFill>
-                        <a:effectLst/>
-                        <a:latin typeface="Calibri" panose="020F0502020204030204" pitchFamily="34" charset="0"/>
-                      </a:endParaRPr>
-                    </a:p>
-                  </a:txBody>
-                  <a:tcPr marL="9525" marR="9525" marT="9525" marB="0" anchor="b"/>
-                </a:tc>
-                <a:tc>
-                  <a:txBody>
-                    <a:bodyPr/>
-                    <a:lstStyle/>
-                    <a:p>
-                      <a:pPr algn="l" fontAlgn="b"/>
-                      <a:r>
-                        <a:rPr lang="en-US" sz="800" u="none" strike="noStrike">
-                          <a:effectLst/>
-                        </a:rPr>
-                        <a:t>x</a:t>
-                      </a:r>
-                      <a:endParaRPr lang="en-US" sz="800" b="0" i="0" u="none" strike="noStrike">
-                        <a:solidFill>
-                          <a:srgbClr val="000000"/>
-                        </a:solidFill>
-                        <a:effectLst/>
-                        <a:latin typeface="Calibri" panose="020F0502020204030204" pitchFamily="34" charset="0"/>
-                      </a:endParaRPr>
-                    </a:p>
-                  </a:txBody>
-                  <a:tcPr marL="9525" marR="9525" marT="9525" marB="0" anchor="b"/>
-                </a:tc>
-                <a:extLst>
-                  <a:ext uri="{0D108BD9-81ED-4DB2-BD59-A6C34878D82A}">
-                    <a16:rowId xmlns:a16="http://schemas.microsoft.com/office/drawing/2014/main" val="2072963471"/>
-                  </a:ext>
-                </a:extLst>
-              </a:tr>
-              <a:tr h="190500">
-                <a:tc>
-                  <a:txBody>
-                    <a:bodyPr/>
-                    <a:lstStyle/>
-                    <a:p>
-                      <a:pPr algn="l" fontAlgn="b"/>
-                      <a:r>
-                        <a:rPr lang="en-US" sz="800" u="none" strike="noStrike">
-                          <a:effectLst/>
-                        </a:rPr>
-                        <a:t>OrderRegion</a:t>
-                      </a:r>
-                      <a:endParaRPr lang="en-US" sz="800" b="0" i="0" u="none" strike="noStrike">
-                        <a:solidFill>
-                          <a:srgbClr val="000000"/>
-                        </a:solidFill>
-                        <a:effectLst/>
-                        <a:latin typeface="Calibri" panose="020F0502020204030204" pitchFamily="34" charset="0"/>
-                      </a:endParaRPr>
-                    </a:p>
-                  </a:txBody>
-                  <a:tcPr marL="9525" marR="9525" marT="9525" marB="0" anchor="b"/>
-                </a:tc>
-                <a:tc>
-                  <a:txBody>
-                    <a:bodyPr/>
-                    <a:lstStyle/>
-                    <a:p>
-                      <a:pPr algn="l" fontAlgn="b"/>
-                      <a:r>
-                        <a:rPr lang="en-US" sz="800" u="none" strike="noStrike">
-                          <a:effectLst/>
-                        </a:rPr>
-                        <a:t>nvarchar(40)</a:t>
-                      </a:r>
-                      <a:endParaRPr lang="en-US" sz="800" b="0" i="0" u="none" strike="noStrike">
-                        <a:solidFill>
-                          <a:srgbClr val="000000"/>
-                        </a:solidFill>
-                        <a:effectLst/>
-                        <a:latin typeface="Calibri" panose="020F0502020204030204" pitchFamily="34" charset="0"/>
-                      </a:endParaRPr>
-                    </a:p>
-                  </a:txBody>
-                  <a:tcPr marL="9525" marR="9525" marT="9525" marB="0" anchor="b"/>
-                </a:tc>
-                <a:tc>
-                  <a:txBody>
-                    <a:bodyPr/>
-                    <a:lstStyle/>
-                    <a:p>
-                      <a:pPr algn="l" fontAlgn="b"/>
-                      <a:r>
-                        <a:rPr lang="en-US" sz="800" u="none" strike="noStrike">
-                          <a:effectLst/>
-                        </a:rPr>
-                        <a:t>x</a:t>
-                      </a:r>
-                      <a:endParaRPr lang="en-US" sz="800" b="0" i="0" u="none" strike="noStrike">
-                        <a:solidFill>
-                          <a:srgbClr val="000000"/>
-                        </a:solidFill>
-                        <a:effectLst/>
-                        <a:latin typeface="Calibri" panose="020F0502020204030204" pitchFamily="34" charset="0"/>
-                      </a:endParaRPr>
-                    </a:p>
-                  </a:txBody>
-                  <a:tcPr marL="9525" marR="9525" marT="9525" marB="0" anchor="b"/>
-                </a:tc>
-                <a:extLst>
-                  <a:ext uri="{0D108BD9-81ED-4DB2-BD59-A6C34878D82A}">
-                    <a16:rowId xmlns:a16="http://schemas.microsoft.com/office/drawing/2014/main" val="1776364955"/>
-                  </a:ext>
-                </a:extLst>
-              </a:tr>
-              <a:tr h="190500">
-                <a:tc>
-                  <a:txBody>
-                    <a:bodyPr/>
-                    <a:lstStyle/>
-                    <a:p>
-                      <a:pPr algn="l" fontAlgn="b"/>
-                      <a:r>
-                        <a:rPr lang="en-US" sz="800" u="none" strike="noStrike">
-                          <a:effectLst/>
-                        </a:rPr>
-                        <a:t>OrderPhone</a:t>
-                      </a:r>
-                      <a:endParaRPr lang="en-US" sz="800" b="0" i="0" u="none" strike="noStrike">
-                        <a:solidFill>
-                          <a:srgbClr val="000000"/>
-                        </a:solidFill>
-                        <a:effectLst/>
-                        <a:latin typeface="Calibri" panose="020F0502020204030204" pitchFamily="34" charset="0"/>
-                      </a:endParaRPr>
-                    </a:p>
-                  </a:txBody>
-                  <a:tcPr marL="9525" marR="9525" marT="9525" marB="0" anchor="b"/>
-                </a:tc>
-                <a:tc>
-                  <a:txBody>
-                    <a:bodyPr/>
-                    <a:lstStyle/>
-                    <a:p>
-                      <a:pPr algn="l" fontAlgn="b"/>
-                      <a:r>
-                        <a:rPr lang="en-US" sz="800" u="none" strike="noStrike">
-                          <a:effectLst/>
-                        </a:rPr>
-                        <a:t>nvarchar(20)</a:t>
-                      </a:r>
-                      <a:endParaRPr lang="en-US" sz="800" b="0" i="0" u="none" strike="noStrike">
-                        <a:solidFill>
-                          <a:srgbClr val="000000"/>
-                        </a:solidFill>
-                        <a:effectLst/>
-                        <a:latin typeface="Calibri" panose="020F0502020204030204" pitchFamily="34" charset="0"/>
-                      </a:endParaRPr>
-                    </a:p>
-                  </a:txBody>
-                  <a:tcPr marL="9525" marR="9525" marT="9525" marB="0" anchor="b"/>
-                </a:tc>
-                <a:tc>
-                  <a:txBody>
-                    <a:bodyPr/>
-                    <a:lstStyle/>
-                    <a:p>
-                      <a:pPr algn="l" fontAlgn="b"/>
-                      <a:r>
-                        <a:rPr lang="en-US" sz="800" u="none" strike="noStrike" dirty="0">
-                          <a:effectLst/>
-                        </a:rPr>
-                        <a:t>x</a:t>
-                      </a:r>
-                      <a:endParaRPr lang="en-US" sz="800" b="0" i="0" u="none" strike="noStrike" dirty="0">
-                        <a:solidFill>
-                          <a:srgbClr val="000000"/>
-                        </a:solidFill>
-                        <a:effectLst/>
-                        <a:latin typeface="Calibri" panose="020F0502020204030204" pitchFamily="34" charset="0"/>
-                      </a:endParaRPr>
-                    </a:p>
-                  </a:txBody>
-                  <a:tcPr marL="9525" marR="9525" marT="9525" marB="0" anchor="b"/>
-                </a:tc>
-                <a:extLst>
-                  <a:ext uri="{0D108BD9-81ED-4DB2-BD59-A6C34878D82A}">
-                    <a16:rowId xmlns:a16="http://schemas.microsoft.com/office/drawing/2014/main" val="3765400763"/>
-                  </a:ext>
-                </a:extLst>
-              </a:tr>
-            </a:tbl>
-          </a:graphicData>
-        </a:graphic>
-      </p:graphicFrame>
-      <p:graphicFrame>
-        <p:nvGraphicFramePr>
-          <p:cNvPr id="10" name="Table 9">
-            <a:extLst>
-              <a:ext uri="{FF2B5EF4-FFF2-40B4-BE49-F238E27FC236}">
-                <a16:creationId xmlns:a16="http://schemas.microsoft.com/office/drawing/2014/main" id="{5894189F-8234-D6E5-B2E1-C33699B45D2D}"/>
-              </a:ext>
-            </a:extLst>
-          </p:cNvPr>
-          <p:cNvGraphicFramePr>
-            <a:graphicFrameLocks noGrp="1"/>
-          </p:cNvGraphicFramePr>
-          <p:nvPr>
-            <p:extLst>
-              <p:ext uri="{D42A27DB-BD31-4B8C-83A1-F6EECF244321}">
-                <p14:modId xmlns:p14="http://schemas.microsoft.com/office/powerpoint/2010/main" val="3998844290"/>
-              </p:ext>
-            </p:extLst>
-          </p:nvPr>
-        </p:nvGraphicFramePr>
-        <p:xfrm>
-          <a:off x="641043" y="380612"/>
-          <a:ext cx="2133599" cy="2476500"/>
-        </p:xfrm>
-        <a:graphic>
-          <a:graphicData uri="http://schemas.openxmlformats.org/drawingml/2006/table">
-            <a:tbl>
-              <a:tblPr>
-                <a:tableStyleId>{5C22544A-7EE6-4342-B048-85BDC9FD1C3A}</a:tableStyleId>
-              </a:tblPr>
-              <a:tblGrid>
-                <a:gridCol w="1206085">
-                  <a:extLst>
-                    <a:ext uri="{9D8B030D-6E8A-4147-A177-3AD203B41FA5}">
-                      <a16:colId xmlns:a16="http://schemas.microsoft.com/office/drawing/2014/main" val="643469167"/>
-                    </a:ext>
-                  </a:extLst>
-                </a:gridCol>
-                <a:gridCol w="636281">
-                  <a:extLst>
-                    <a:ext uri="{9D8B030D-6E8A-4147-A177-3AD203B41FA5}">
-                      <a16:colId xmlns:a16="http://schemas.microsoft.com/office/drawing/2014/main" val="2086104787"/>
-                    </a:ext>
-                  </a:extLst>
-                </a:gridCol>
-                <a:gridCol w="291233">
-                  <a:extLst>
-                    <a:ext uri="{9D8B030D-6E8A-4147-A177-3AD203B41FA5}">
-                      <a16:colId xmlns:a16="http://schemas.microsoft.com/office/drawing/2014/main" val="181793503"/>
-                    </a:ext>
-                  </a:extLst>
-                </a:gridCol>
-              </a:tblGrid>
-              <a:tr h="190500">
-                <a:tc>
-                  <a:txBody>
-                    <a:bodyPr/>
-                    <a:lstStyle/>
-                    <a:p>
-                      <a:pPr algn="l" fontAlgn="b"/>
-                      <a:r>
-                        <a:rPr lang="en-US" sz="1100" u="none" strike="noStrike">
-                          <a:effectLst/>
-                        </a:rPr>
-                        <a:t>Customers</a:t>
-                      </a:r>
-                      <a:endParaRPr lang="en-US" sz="1100" b="1" i="0" u="none" strike="noStrike">
-                        <a:solidFill>
-                          <a:srgbClr val="000000"/>
-                        </a:solidFill>
-                        <a:effectLst/>
-                        <a:latin typeface="Calibri" panose="020F0502020204030204" pitchFamily="34" charset="0"/>
-                      </a:endParaRPr>
-                    </a:p>
-                  </a:txBody>
-                  <a:tcPr marL="9525" marR="9525" marT="9525" marB="0" anchor="b"/>
-                </a:tc>
-                <a:tc>
-                  <a:txBody>
-                    <a:bodyPr/>
-                    <a:lstStyle/>
-                    <a:p>
-                      <a:pPr algn="l" fontAlgn="b"/>
-                      <a:endParaRPr lang="en-US" sz="800" b="0" i="0" u="none" strike="noStrike">
-                        <a:solidFill>
-                          <a:srgbClr val="000000"/>
-                        </a:solidFill>
-                        <a:effectLst/>
-                        <a:latin typeface="Calibri" panose="020F0502020204030204" pitchFamily="34" charset="0"/>
-                      </a:endParaRPr>
-                    </a:p>
-                  </a:txBody>
-                  <a:tcPr marL="9525" marR="9525" marT="9525" marB="0" anchor="b"/>
-                </a:tc>
-                <a:tc>
-                  <a:txBody>
-                    <a:bodyPr/>
-                    <a:lstStyle/>
-                    <a:p>
-                      <a:pPr algn="l" fontAlgn="b"/>
-                      <a:endParaRPr lang="en-US" sz="800" b="0" i="0" u="none" strike="noStrike">
-                        <a:solidFill>
-                          <a:srgbClr val="000000"/>
-                        </a:solidFill>
-                        <a:effectLst/>
-                        <a:latin typeface="Calibri" panose="020F0502020204030204" pitchFamily="34" charset="0"/>
-                      </a:endParaRPr>
-                    </a:p>
-                  </a:txBody>
-                  <a:tcPr marL="9525" marR="9525" marT="9525" marB="0" anchor="b"/>
-                </a:tc>
-                <a:extLst>
-                  <a:ext uri="{0D108BD9-81ED-4DB2-BD59-A6C34878D82A}">
-                    <a16:rowId xmlns:a16="http://schemas.microsoft.com/office/drawing/2014/main" val="2265305469"/>
-                  </a:ext>
-                </a:extLst>
-              </a:tr>
-              <a:tr h="190500">
-                <a:tc>
-                  <a:txBody>
-                    <a:bodyPr/>
-                    <a:lstStyle/>
-                    <a:p>
-                      <a:pPr algn="l" fontAlgn="b"/>
-                      <a:r>
-                        <a:rPr lang="en-US" sz="800" u="none" strike="noStrike">
-                          <a:effectLst/>
-                        </a:rPr>
-                        <a:t>Column Name</a:t>
-                      </a:r>
-                      <a:endParaRPr lang="en-US" sz="800" b="1" i="0" u="none" strike="noStrike">
-                        <a:solidFill>
-                          <a:srgbClr val="000000"/>
-                        </a:solidFill>
-                        <a:effectLst/>
-                        <a:latin typeface="Calibri" panose="020F0502020204030204" pitchFamily="34" charset="0"/>
-                      </a:endParaRPr>
-                    </a:p>
-                  </a:txBody>
-                  <a:tcPr marL="9525" marR="9525" marT="9525" marB="0" anchor="b"/>
-                </a:tc>
-                <a:tc>
-                  <a:txBody>
-                    <a:bodyPr/>
-                    <a:lstStyle/>
-                    <a:p>
-                      <a:pPr algn="l" fontAlgn="b"/>
-                      <a:r>
-                        <a:rPr lang="en-US" sz="800" u="none" strike="noStrike">
-                          <a:effectLst/>
-                        </a:rPr>
-                        <a:t>Data Type</a:t>
-                      </a:r>
-                      <a:endParaRPr lang="en-US" sz="800" b="1" i="0" u="none" strike="noStrike">
-                        <a:solidFill>
-                          <a:srgbClr val="000000"/>
-                        </a:solidFill>
-                        <a:effectLst/>
-                        <a:latin typeface="Calibri" panose="020F0502020204030204" pitchFamily="34" charset="0"/>
-                      </a:endParaRPr>
-                    </a:p>
-                  </a:txBody>
-                  <a:tcPr marL="9525" marR="9525" marT="9525" marB="0" anchor="b"/>
-                </a:tc>
-                <a:tc>
-                  <a:txBody>
-                    <a:bodyPr/>
-                    <a:lstStyle/>
-                    <a:p>
-                      <a:pPr algn="l" fontAlgn="b"/>
-                      <a:r>
-                        <a:rPr lang="en-US" sz="800" u="none" strike="noStrike">
-                          <a:effectLst/>
-                        </a:rPr>
-                        <a:t>Nulls</a:t>
-                      </a:r>
-                      <a:endParaRPr lang="en-US" sz="800" b="1" i="0" u="none" strike="noStrike">
-                        <a:solidFill>
-                          <a:srgbClr val="000000"/>
-                        </a:solidFill>
-                        <a:effectLst/>
-                        <a:latin typeface="Calibri" panose="020F0502020204030204" pitchFamily="34" charset="0"/>
-                      </a:endParaRPr>
-                    </a:p>
-                  </a:txBody>
-                  <a:tcPr marL="9525" marR="9525" marT="9525" marB="0" anchor="b"/>
-                </a:tc>
-                <a:extLst>
-                  <a:ext uri="{0D108BD9-81ED-4DB2-BD59-A6C34878D82A}">
-                    <a16:rowId xmlns:a16="http://schemas.microsoft.com/office/drawing/2014/main" val="551340487"/>
-                  </a:ext>
-                </a:extLst>
-              </a:tr>
-              <a:tr h="190500">
-                <a:tc>
-                  <a:txBody>
-                    <a:bodyPr/>
-                    <a:lstStyle/>
-                    <a:p>
-                      <a:pPr algn="l" fontAlgn="b"/>
-                      <a:r>
-                        <a:rPr lang="en-US" sz="800" u="none" strike="noStrike" dirty="0" err="1">
-                          <a:effectLst/>
-                          <a:highlight>
-                            <a:srgbClr val="FFFF00"/>
-                          </a:highlight>
-                        </a:rPr>
-                        <a:t>CustomerID</a:t>
-                      </a:r>
-                      <a:endParaRPr lang="en-US" sz="800" b="0" i="0" u="none" strike="noStrike" dirty="0">
-                        <a:solidFill>
-                          <a:srgbClr val="000000"/>
-                        </a:solidFill>
-                        <a:effectLst/>
-                        <a:highlight>
-                          <a:srgbClr val="FFFF00"/>
-                        </a:highlight>
-                        <a:latin typeface="Calibri" panose="020F0502020204030204" pitchFamily="34" charset="0"/>
-                      </a:endParaRPr>
-                    </a:p>
-                  </a:txBody>
-                  <a:tcPr marL="9525" marR="9525" marT="9525" marB="0" anchor="b"/>
-                </a:tc>
-                <a:tc>
-                  <a:txBody>
-                    <a:bodyPr/>
-                    <a:lstStyle/>
-                    <a:p>
-                      <a:pPr algn="l" fontAlgn="b"/>
-                      <a:r>
-                        <a:rPr lang="en-US" sz="800" u="none" strike="noStrike">
-                          <a:effectLst/>
-                        </a:rPr>
-                        <a:t>int</a:t>
-                      </a:r>
-                      <a:endParaRPr lang="en-US" sz="800" b="0" i="0" u="none" strike="noStrike">
-                        <a:solidFill>
-                          <a:srgbClr val="000000"/>
-                        </a:solidFill>
-                        <a:effectLst/>
-                        <a:latin typeface="Calibri" panose="020F0502020204030204" pitchFamily="34" charset="0"/>
-                      </a:endParaRPr>
-                    </a:p>
-                  </a:txBody>
-                  <a:tcPr marL="9525" marR="9525" marT="9525" marB="0" anchor="b"/>
-                </a:tc>
-                <a:tc>
-                  <a:txBody>
-                    <a:bodyPr/>
-                    <a:lstStyle/>
-                    <a:p>
-                      <a:pPr algn="l" fontAlgn="b"/>
-                      <a:r>
-                        <a:rPr lang="en-US" sz="800" u="none" strike="noStrike">
-                          <a:effectLst/>
-                        </a:rPr>
-                        <a:t> </a:t>
-                      </a:r>
-                      <a:endParaRPr lang="en-US" sz="800" b="0" i="0" u="none" strike="noStrike">
-                        <a:solidFill>
-                          <a:srgbClr val="000000"/>
-                        </a:solidFill>
-                        <a:effectLst/>
-                        <a:latin typeface="Calibri" panose="020F0502020204030204" pitchFamily="34" charset="0"/>
-                      </a:endParaRPr>
-                    </a:p>
-                  </a:txBody>
-                  <a:tcPr marL="9525" marR="9525" marT="9525" marB="0" anchor="b"/>
-                </a:tc>
-                <a:extLst>
-                  <a:ext uri="{0D108BD9-81ED-4DB2-BD59-A6C34878D82A}">
-                    <a16:rowId xmlns:a16="http://schemas.microsoft.com/office/drawing/2014/main" val="2942306459"/>
-                  </a:ext>
-                </a:extLst>
-              </a:tr>
-              <a:tr h="190500">
-                <a:tc>
-                  <a:txBody>
-                    <a:bodyPr/>
-                    <a:lstStyle/>
-                    <a:p>
-                      <a:pPr algn="l" fontAlgn="b"/>
-                      <a:r>
-                        <a:rPr lang="en-US" sz="800" u="none" strike="noStrike">
-                          <a:effectLst/>
-                        </a:rPr>
-                        <a:t>CustomerCompanyName</a:t>
-                      </a:r>
-                      <a:endParaRPr lang="en-US" sz="800" b="0" i="0" u="none" strike="noStrike">
-                        <a:solidFill>
-                          <a:srgbClr val="000000"/>
-                        </a:solidFill>
-                        <a:effectLst/>
-                        <a:latin typeface="Calibri" panose="020F0502020204030204" pitchFamily="34" charset="0"/>
-                      </a:endParaRPr>
-                    </a:p>
-                  </a:txBody>
-                  <a:tcPr marL="9525" marR="9525" marT="9525" marB="0" anchor="b"/>
-                </a:tc>
-                <a:tc>
-                  <a:txBody>
-                    <a:bodyPr/>
-                    <a:lstStyle/>
-                    <a:p>
-                      <a:pPr algn="l" fontAlgn="b"/>
-                      <a:r>
-                        <a:rPr lang="en-US" sz="800" u="none" strike="noStrike">
-                          <a:effectLst/>
-                        </a:rPr>
-                        <a:t>nvarchar(50)</a:t>
-                      </a:r>
-                      <a:endParaRPr lang="en-US" sz="800" b="0" i="0" u="none" strike="noStrike">
-                        <a:solidFill>
-                          <a:srgbClr val="000000"/>
-                        </a:solidFill>
-                        <a:effectLst/>
-                        <a:latin typeface="Calibri" panose="020F0502020204030204" pitchFamily="34" charset="0"/>
-                      </a:endParaRPr>
-                    </a:p>
-                  </a:txBody>
-                  <a:tcPr marL="9525" marR="9525" marT="9525" marB="0" anchor="b"/>
-                </a:tc>
-                <a:tc>
-                  <a:txBody>
-                    <a:bodyPr/>
-                    <a:lstStyle/>
-                    <a:p>
-                      <a:pPr algn="l" fontAlgn="b"/>
-                      <a:r>
-                        <a:rPr lang="en-US" sz="800" u="none" strike="noStrike">
-                          <a:effectLst/>
-                        </a:rPr>
-                        <a:t> </a:t>
-                      </a:r>
-                      <a:endParaRPr lang="en-US" sz="800" b="0" i="0" u="none" strike="noStrike">
-                        <a:solidFill>
-                          <a:srgbClr val="000000"/>
-                        </a:solidFill>
-                        <a:effectLst/>
-                        <a:latin typeface="Calibri" panose="020F0502020204030204" pitchFamily="34" charset="0"/>
-                      </a:endParaRPr>
-                    </a:p>
-                  </a:txBody>
-                  <a:tcPr marL="9525" marR="9525" marT="9525" marB="0" anchor="b"/>
-                </a:tc>
-                <a:extLst>
-                  <a:ext uri="{0D108BD9-81ED-4DB2-BD59-A6C34878D82A}">
-                    <a16:rowId xmlns:a16="http://schemas.microsoft.com/office/drawing/2014/main" val="3239434585"/>
-                  </a:ext>
-                </a:extLst>
-              </a:tr>
-              <a:tr h="190500">
-                <a:tc>
-                  <a:txBody>
-                    <a:bodyPr/>
-                    <a:lstStyle/>
-                    <a:p>
-                      <a:pPr algn="l" fontAlgn="b"/>
-                      <a:r>
-                        <a:rPr lang="en-US" sz="800" u="none" strike="noStrike">
-                          <a:effectLst/>
-                        </a:rPr>
-                        <a:t>CustomerFirstName</a:t>
-                      </a:r>
-                      <a:endParaRPr lang="en-US" sz="800" b="0" i="0" u="none" strike="noStrike">
-                        <a:solidFill>
-                          <a:srgbClr val="000000"/>
-                        </a:solidFill>
-                        <a:effectLst/>
-                        <a:latin typeface="Calibri" panose="020F0502020204030204" pitchFamily="34" charset="0"/>
-                      </a:endParaRPr>
-                    </a:p>
-                  </a:txBody>
-                  <a:tcPr marL="9525" marR="9525" marT="9525" marB="0" anchor="b"/>
-                </a:tc>
-                <a:tc>
-                  <a:txBody>
-                    <a:bodyPr/>
-                    <a:lstStyle/>
-                    <a:p>
-                      <a:pPr algn="l" fontAlgn="b"/>
-                      <a:r>
-                        <a:rPr lang="en-US" sz="800" u="none" strike="noStrike">
-                          <a:effectLst/>
-                        </a:rPr>
-                        <a:t>nvarchar(25)</a:t>
-                      </a:r>
-                      <a:endParaRPr lang="en-US" sz="800" b="0" i="0" u="none" strike="noStrike">
-                        <a:solidFill>
-                          <a:srgbClr val="000000"/>
-                        </a:solidFill>
-                        <a:effectLst/>
-                        <a:latin typeface="Calibri" panose="020F0502020204030204" pitchFamily="34" charset="0"/>
-                      </a:endParaRPr>
-                    </a:p>
-                  </a:txBody>
-                  <a:tcPr marL="9525" marR="9525" marT="9525" marB="0" anchor="b"/>
-                </a:tc>
-                <a:tc>
-                  <a:txBody>
-                    <a:bodyPr/>
-                    <a:lstStyle/>
-                    <a:p>
-                      <a:pPr algn="l" fontAlgn="b"/>
-                      <a:r>
-                        <a:rPr lang="en-US" sz="800" u="none" strike="noStrike">
-                          <a:effectLst/>
-                        </a:rPr>
-                        <a:t>x</a:t>
-                      </a:r>
-                      <a:endParaRPr lang="en-US" sz="800" b="0" i="0" u="none" strike="noStrike">
-                        <a:solidFill>
-                          <a:srgbClr val="000000"/>
-                        </a:solidFill>
-                        <a:effectLst/>
-                        <a:latin typeface="Calibri" panose="020F0502020204030204" pitchFamily="34" charset="0"/>
-                      </a:endParaRPr>
-                    </a:p>
-                  </a:txBody>
-                  <a:tcPr marL="9525" marR="9525" marT="9525" marB="0" anchor="b"/>
-                </a:tc>
-                <a:extLst>
-                  <a:ext uri="{0D108BD9-81ED-4DB2-BD59-A6C34878D82A}">
-                    <a16:rowId xmlns:a16="http://schemas.microsoft.com/office/drawing/2014/main" val="2277329476"/>
-                  </a:ext>
-                </a:extLst>
-              </a:tr>
-              <a:tr h="190500">
-                <a:tc>
-                  <a:txBody>
-                    <a:bodyPr/>
-                    <a:lstStyle/>
-                    <a:p>
-                      <a:pPr algn="l" fontAlgn="b"/>
-                      <a:r>
-                        <a:rPr lang="en-US" sz="800" u="none" strike="noStrike">
-                          <a:effectLst/>
-                        </a:rPr>
-                        <a:t>CustomerLastName</a:t>
-                      </a:r>
-                      <a:endParaRPr lang="en-US" sz="800" b="0" i="0" u="none" strike="noStrike">
-                        <a:solidFill>
-                          <a:srgbClr val="000000"/>
-                        </a:solidFill>
-                        <a:effectLst/>
-                        <a:latin typeface="Calibri" panose="020F0502020204030204" pitchFamily="34" charset="0"/>
-                      </a:endParaRPr>
-                    </a:p>
-                  </a:txBody>
-                  <a:tcPr marL="9525" marR="9525" marT="9525" marB="0" anchor="b"/>
-                </a:tc>
-                <a:tc>
-                  <a:txBody>
-                    <a:bodyPr/>
-                    <a:lstStyle/>
-                    <a:p>
-                      <a:pPr algn="l" fontAlgn="b"/>
-                      <a:r>
-                        <a:rPr lang="en-US" sz="800" u="none" strike="noStrike">
-                          <a:effectLst/>
-                        </a:rPr>
-                        <a:t>nvarchar(25)</a:t>
-                      </a:r>
-                      <a:endParaRPr lang="en-US" sz="800" b="0" i="0" u="none" strike="noStrike">
-                        <a:solidFill>
-                          <a:srgbClr val="000000"/>
-                        </a:solidFill>
-                        <a:effectLst/>
-                        <a:latin typeface="Calibri" panose="020F0502020204030204" pitchFamily="34" charset="0"/>
-                      </a:endParaRPr>
-                    </a:p>
-                  </a:txBody>
-                  <a:tcPr marL="9525" marR="9525" marT="9525" marB="0" anchor="b"/>
-                </a:tc>
-                <a:tc>
-                  <a:txBody>
-                    <a:bodyPr/>
-                    <a:lstStyle/>
-                    <a:p>
-                      <a:pPr algn="l" fontAlgn="b"/>
-                      <a:r>
-                        <a:rPr lang="en-US" sz="800" u="none" strike="noStrike">
-                          <a:effectLst/>
-                        </a:rPr>
-                        <a:t>x</a:t>
-                      </a:r>
-                      <a:endParaRPr lang="en-US" sz="800" b="0" i="0" u="none" strike="noStrike">
-                        <a:solidFill>
-                          <a:srgbClr val="000000"/>
-                        </a:solidFill>
-                        <a:effectLst/>
-                        <a:latin typeface="Calibri" panose="020F0502020204030204" pitchFamily="34" charset="0"/>
-                      </a:endParaRPr>
-                    </a:p>
-                  </a:txBody>
-                  <a:tcPr marL="9525" marR="9525" marT="9525" marB="0" anchor="b"/>
-                </a:tc>
-                <a:extLst>
-                  <a:ext uri="{0D108BD9-81ED-4DB2-BD59-A6C34878D82A}">
-                    <a16:rowId xmlns:a16="http://schemas.microsoft.com/office/drawing/2014/main" val="2294482066"/>
-                  </a:ext>
-                </a:extLst>
-              </a:tr>
-              <a:tr h="190500">
-                <a:tc>
-                  <a:txBody>
-                    <a:bodyPr/>
-                    <a:lstStyle/>
-                    <a:p>
-                      <a:pPr algn="l" fontAlgn="b"/>
-                      <a:r>
-                        <a:rPr lang="en-US" sz="800" u="none" strike="noStrike">
-                          <a:effectLst/>
-                        </a:rPr>
-                        <a:t>CustomerAddress</a:t>
-                      </a:r>
-                      <a:endParaRPr lang="en-US" sz="800" b="0" i="0" u="none" strike="noStrike">
-                        <a:solidFill>
-                          <a:srgbClr val="000000"/>
-                        </a:solidFill>
-                        <a:effectLst/>
-                        <a:latin typeface="Calibri" panose="020F0502020204030204" pitchFamily="34" charset="0"/>
-                      </a:endParaRPr>
-                    </a:p>
-                  </a:txBody>
-                  <a:tcPr marL="9525" marR="9525" marT="9525" marB="0" anchor="b"/>
-                </a:tc>
-                <a:tc>
-                  <a:txBody>
-                    <a:bodyPr/>
-                    <a:lstStyle/>
-                    <a:p>
-                      <a:pPr algn="l" fontAlgn="b"/>
-                      <a:r>
-                        <a:rPr lang="en-US" sz="800" u="none" strike="noStrike">
-                          <a:effectLst/>
-                        </a:rPr>
-                        <a:t>nvarchar(40)</a:t>
-                      </a:r>
-                      <a:endParaRPr lang="en-US" sz="800" b="0" i="0" u="none" strike="noStrike">
-                        <a:solidFill>
-                          <a:srgbClr val="000000"/>
-                        </a:solidFill>
-                        <a:effectLst/>
-                        <a:latin typeface="Calibri" panose="020F0502020204030204" pitchFamily="34" charset="0"/>
-                      </a:endParaRPr>
-                    </a:p>
-                  </a:txBody>
-                  <a:tcPr marL="9525" marR="9525" marT="9525" marB="0" anchor="b"/>
-                </a:tc>
-                <a:tc>
-                  <a:txBody>
-                    <a:bodyPr/>
-                    <a:lstStyle/>
-                    <a:p>
-                      <a:pPr algn="l" fontAlgn="b"/>
-                      <a:r>
-                        <a:rPr lang="en-US" sz="800" u="none" strike="noStrike">
-                          <a:effectLst/>
-                        </a:rPr>
-                        <a:t>x</a:t>
-                      </a:r>
-                      <a:endParaRPr lang="en-US" sz="800" b="0" i="0" u="none" strike="noStrike">
-                        <a:solidFill>
-                          <a:srgbClr val="000000"/>
-                        </a:solidFill>
-                        <a:effectLst/>
-                        <a:latin typeface="Calibri" panose="020F0502020204030204" pitchFamily="34" charset="0"/>
-                      </a:endParaRPr>
-                    </a:p>
-                  </a:txBody>
-                  <a:tcPr marL="9525" marR="9525" marT="9525" marB="0" anchor="b"/>
-                </a:tc>
-                <a:extLst>
-                  <a:ext uri="{0D108BD9-81ED-4DB2-BD59-A6C34878D82A}">
-                    <a16:rowId xmlns:a16="http://schemas.microsoft.com/office/drawing/2014/main" val="3619523054"/>
-                  </a:ext>
-                </a:extLst>
-              </a:tr>
-              <a:tr h="190500">
-                <a:tc>
-                  <a:txBody>
-                    <a:bodyPr/>
-                    <a:lstStyle/>
-                    <a:p>
-                      <a:pPr algn="l" fontAlgn="b"/>
-                      <a:r>
-                        <a:rPr lang="en-US" sz="800" u="none" strike="noStrike">
-                          <a:effectLst/>
-                        </a:rPr>
-                        <a:t>CustomerCity</a:t>
-                      </a:r>
-                      <a:endParaRPr lang="en-US" sz="800" b="0" i="0" u="none" strike="noStrike">
-                        <a:solidFill>
-                          <a:srgbClr val="000000"/>
-                        </a:solidFill>
-                        <a:effectLst/>
-                        <a:latin typeface="Calibri" panose="020F0502020204030204" pitchFamily="34" charset="0"/>
-                      </a:endParaRPr>
-                    </a:p>
-                  </a:txBody>
-                  <a:tcPr marL="9525" marR="9525" marT="9525" marB="0" anchor="b"/>
-                </a:tc>
-                <a:tc>
-                  <a:txBody>
-                    <a:bodyPr/>
-                    <a:lstStyle/>
-                    <a:p>
-                      <a:pPr algn="l" fontAlgn="b"/>
-                      <a:r>
-                        <a:rPr lang="en-US" sz="800" u="none" strike="noStrike">
-                          <a:effectLst/>
-                        </a:rPr>
-                        <a:t>nvarchar(40)</a:t>
-                      </a:r>
-                      <a:endParaRPr lang="en-US" sz="800" b="0" i="0" u="none" strike="noStrike">
-                        <a:solidFill>
-                          <a:srgbClr val="000000"/>
-                        </a:solidFill>
-                        <a:effectLst/>
-                        <a:latin typeface="Calibri" panose="020F0502020204030204" pitchFamily="34" charset="0"/>
-                      </a:endParaRPr>
-                    </a:p>
-                  </a:txBody>
-                  <a:tcPr marL="9525" marR="9525" marT="9525" marB="0" anchor="b"/>
-                </a:tc>
-                <a:tc>
-                  <a:txBody>
-                    <a:bodyPr/>
-                    <a:lstStyle/>
-                    <a:p>
-                      <a:pPr algn="l" fontAlgn="b"/>
-                      <a:r>
-                        <a:rPr lang="en-US" sz="800" u="none" strike="noStrike">
-                          <a:effectLst/>
-                        </a:rPr>
-                        <a:t>x</a:t>
-                      </a:r>
-                      <a:endParaRPr lang="en-US" sz="800" b="0" i="0" u="none" strike="noStrike">
-                        <a:solidFill>
-                          <a:srgbClr val="000000"/>
-                        </a:solidFill>
-                        <a:effectLst/>
-                        <a:latin typeface="Calibri" panose="020F0502020204030204" pitchFamily="34" charset="0"/>
-                      </a:endParaRPr>
-                    </a:p>
-                  </a:txBody>
-                  <a:tcPr marL="9525" marR="9525" marT="9525" marB="0" anchor="b"/>
-                </a:tc>
-                <a:extLst>
-                  <a:ext uri="{0D108BD9-81ED-4DB2-BD59-A6C34878D82A}">
-                    <a16:rowId xmlns:a16="http://schemas.microsoft.com/office/drawing/2014/main" val="2249685774"/>
-                  </a:ext>
-                </a:extLst>
-              </a:tr>
-              <a:tr h="190500">
-                <a:tc>
-                  <a:txBody>
-                    <a:bodyPr/>
-                    <a:lstStyle/>
-                    <a:p>
-                      <a:pPr algn="l" fontAlgn="b"/>
-                      <a:r>
-                        <a:rPr lang="en-US" sz="800" u="none" strike="noStrike">
-                          <a:effectLst/>
-                        </a:rPr>
-                        <a:t>CustomerState</a:t>
-                      </a:r>
-                      <a:endParaRPr lang="en-US" sz="800" b="0" i="0" u="none" strike="noStrike">
-                        <a:solidFill>
-                          <a:srgbClr val="000000"/>
-                        </a:solidFill>
-                        <a:effectLst/>
-                        <a:latin typeface="Calibri" panose="020F0502020204030204" pitchFamily="34" charset="0"/>
-                      </a:endParaRPr>
-                    </a:p>
-                  </a:txBody>
-                  <a:tcPr marL="9525" marR="9525" marT="9525" marB="0" anchor="b"/>
-                </a:tc>
-                <a:tc>
-                  <a:txBody>
-                    <a:bodyPr/>
-                    <a:lstStyle/>
-                    <a:p>
-                      <a:pPr algn="l" fontAlgn="b"/>
-                      <a:r>
-                        <a:rPr lang="en-US" sz="800" u="none" strike="noStrike">
-                          <a:effectLst/>
-                        </a:rPr>
-                        <a:t>nvarchar(2)</a:t>
-                      </a:r>
-                      <a:endParaRPr lang="en-US" sz="800" b="0" i="0" u="none" strike="noStrike">
-                        <a:solidFill>
-                          <a:srgbClr val="000000"/>
-                        </a:solidFill>
-                        <a:effectLst/>
-                        <a:latin typeface="Calibri" panose="020F0502020204030204" pitchFamily="34" charset="0"/>
-                      </a:endParaRPr>
-                    </a:p>
-                  </a:txBody>
-                  <a:tcPr marL="9525" marR="9525" marT="9525" marB="0" anchor="b"/>
-                </a:tc>
-                <a:tc>
-                  <a:txBody>
-                    <a:bodyPr/>
-                    <a:lstStyle/>
-                    <a:p>
-                      <a:pPr algn="l" fontAlgn="b"/>
-                      <a:r>
-                        <a:rPr lang="en-US" sz="800" u="none" strike="noStrike">
-                          <a:effectLst/>
-                        </a:rPr>
-                        <a:t>x</a:t>
-                      </a:r>
-                      <a:endParaRPr lang="en-US" sz="800" b="0" i="0" u="none" strike="noStrike">
-                        <a:solidFill>
-                          <a:srgbClr val="000000"/>
-                        </a:solidFill>
-                        <a:effectLst/>
-                        <a:latin typeface="Calibri" panose="020F0502020204030204" pitchFamily="34" charset="0"/>
-                      </a:endParaRPr>
-                    </a:p>
-                  </a:txBody>
-                  <a:tcPr marL="9525" marR="9525" marT="9525" marB="0" anchor="b"/>
-                </a:tc>
-                <a:extLst>
-                  <a:ext uri="{0D108BD9-81ED-4DB2-BD59-A6C34878D82A}">
-                    <a16:rowId xmlns:a16="http://schemas.microsoft.com/office/drawing/2014/main" val="125863230"/>
-                  </a:ext>
-                </a:extLst>
-              </a:tr>
-              <a:tr h="190500">
-                <a:tc>
-                  <a:txBody>
-                    <a:bodyPr/>
-                    <a:lstStyle/>
-                    <a:p>
-                      <a:pPr algn="l" fontAlgn="b"/>
-                      <a:r>
-                        <a:rPr lang="en-US" sz="800" u="none" strike="noStrike">
-                          <a:effectLst/>
-                        </a:rPr>
-                        <a:t>CustomerZip</a:t>
-                      </a:r>
-                      <a:endParaRPr lang="en-US" sz="800" b="0" i="0" u="none" strike="noStrike">
-                        <a:solidFill>
-                          <a:srgbClr val="000000"/>
-                        </a:solidFill>
-                        <a:effectLst/>
-                        <a:latin typeface="Calibri" panose="020F0502020204030204" pitchFamily="34" charset="0"/>
-                      </a:endParaRPr>
-                    </a:p>
-                  </a:txBody>
-                  <a:tcPr marL="9525" marR="9525" marT="9525" marB="0" anchor="b"/>
-                </a:tc>
-                <a:tc>
-                  <a:txBody>
-                    <a:bodyPr/>
-                    <a:lstStyle/>
-                    <a:p>
-                      <a:pPr algn="l" fontAlgn="b"/>
-                      <a:r>
-                        <a:rPr lang="en-US" sz="800" u="none" strike="noStrike">
-                          <a:effectLst/>
-                        </a:rPr>
-                        <a:t>nvarchar(10)</a:t>
-                      </a:r>
-                      <a:endParaRPr lang="en-US" sz="800" b="0" i="0" u="none" strike="noStrike">
-                        <a:solidFill>
-                          <a:srgbClr val="000000"/>
-                        </a:solidFill>
-                        <a:effectLst/>
-                        <a:latin typeface="Calibri" panose="020F0502020204030204" pitchFamily="34" charset="0"/>
-                      </a:endParaRPr>
-                    </a:p>
-                  </a:txBody>
-                  <a:tcPr marL="9525" marR="9525" marT="9525" marB="0" anchor="b"/>
-                </a:tc>
-                <a:tc>
-                  <a:txBody>
-                    <a:bodyPr/>
-                    <a:lstStyle/>
-                    <a:p>
-                      <a:pPr algn="l" fontAlgn="b"/>
-                      <a:r>
-                        <a:rPr lang="en-US" sz="800" u="none" strike="noStrike">
-                          <a:effectLst/>
-                        </a:rPr>
-                        <a:t>x</a:t>
-                      </a:r>
-                      <a:endParaRPr lang="en-US" sz="800" b="0" i="0" u="none" strike="noStrike">
-                        <a:solidFill>
-                          <a:srgbClr val="000000"/>
-                        </a:solidFill>
-                        <a:effectLst/>
-                        <a:latin typeface="Calibri" panose="020F0502020204030204" pitchFamily="34" charset="0"/>
-                      </a:endParaRPr>
-                    </a:p>
-                  </a:txBody>
-                  <a:tcPr marL="9525" marR="9525" marT="9525" marB="0" anchor="b"/>
-                </a:tc>
-                <a:extLst>
-                  <a:ext uri="{0D108BD9-81ED-4DB2-BD59-A6C34878D82A}">
-                    <a16:rowId xmlns:a16="http://schemas.microsoft.com/office/drawing/2014/main" val="2198395823"/>
-                  </a:ext>
-                </a:extLst>
-              </a:tr>
-              <a:tr h="190500">
-                <a:tc>
-                  <a:txBody>
-                    <a:bodyPr/>
-                    <a:lstStyle/>
-                    <a:p>
-                      <a:pPr algn="l" fontAlgn="b"/>
-                      <a:r>
-                        <a:rPr lang="en-US" sz="800" u="none" strike="noStrike">
-                          <a:effectLst/>
-                        </a:rPr>
-                        <a:t>CustomerCountry</a:t>
-                      </a:r>
-                      <a:endParaRPr lang="en-US" sz="800" b="0" i="0" u="none" strike="noStrike">
-                        <a:solidFill>
-                          <a:srgbClr val="000000"/>
-                        </a:solidFill>
-                        <a:effectLst/>
-                        <a:latin typeface="Calibri" panose="020F0502020204030204" pitchFamily="34" charset="0"/>
-                      </a:endParaRPr>
-                    </a:p>
-                  </a:txBody>
-                  <a:tcPr marL="9525" marR="9525" marT="9525" marB="0" anchor="b"/>
-                </a:tc>
-                <a:tc>
-                  <a:txBody>
-                    <a:bodyPr/>
-                    <a:lstStyle/>
-                    <a:p>
-                      <a:pPr algn="l" fontAlgn="b"/>
-                      <a:r>
-                        <a:rPr lang="en-US" sz="800" u="none" strike="noStrike">
-                          <a:effectLst/>
-                        </a:rPr>
-                        <a:t>nvarchar(40)</a:t>
-                      </a:r>
-                      <a:endParaRPr lang="en-US" sz="800" b="0" i="0" u="none" strike="noStrike">
-                        <a:solidFill>
-                          <a:srgbClr val="000000"/>
-                        </a:solidFill>
-                        <a:effectLst/>
-                        <a:latin typeface="Calibri" panose="020F0502020204030204" pitchFamily="34" charset="0"/>
-                      </a:endParaRPr>
-                    </a:p>
-                  </a:txBody>
-                  <a:tcPr marL="9525" marR="9525" marT="9525" marB="0" anchor="b"/>
-                </a:tc>
-                <a:tc>
-                  <a:txBody>
-                    <a:bodyPr/>
-                    <a:lstStyle/>
-                    <a:p>
-                      <a:pPr algn="l" fontAlgn="b"/>
-                      <a:r>
-                        <a:rPr lang="en-US" sz="800" u="none" strike="noStrike">
-                          <a:effectLst/>
-                        </a:rPr>
-                        <a:t>x</a:t>
-                      </a:r>
-                      <a:endParaRPr lang="en-US" sz="800" b="0" i="0" u="none" strike="noStrike">
-                        <a:solidFill>
-                          <a:srgbClr val="000000"/>
-                        </a:solidFill>
-                        <a:effectLst/>
-                        <a:latin typeface="Calibri" panose="020F0502020204030204" pitchFamily="34" charset="0"/>
-                      </a:endParaRPr>
-                    </a:p>
-                  </a:txBody>
-                  <a:tcPr marL="9525" marR="9525" marT="9525" marB="0" anchor="b"/>
-                </a:tc>
-                <a:extLst>
-                  <a:ext uri="{0D108BD9-81ED-4DB2-BD59-A6C34878D82A}">
-                    <a16:rowId xmlns:a16="http://schemas.microsoft.com/office/drawing/2014/main" val="3711665814"/>
-                  </a:ext>
-                </a:extLst>
-              </a:tr>
-              <a:tr h="190500">
-                <a:tc>
-                  <a:txBody>
-                    <a:bodyPr/>
-                    <a:lstStyle/>
-                    <a:p>
-                      <a:pPr algn="l" fontAlgn="b"/>
-                      <a:r>
-                        <a:rPr lang="en-US" sz="800" u="none" strike="noStrike">
-                          <a:effectLst/>
-                        </a:rPr>
-                        <a:t>CustomerRegion</a:t>
-                      </a:r>
-                      <a:endParaRPr lang="en-US" sz="800" b="0" i="0" u="none" strike="noStrike">
-                        <a:solidFill>
-                          <a:srgbClr val="000000"/>
-                        </a:solidFill>
-                        <a:effectLst/>
-                        <a:latin typeface="Calibri" panose="020F0502020204030204" pitchFamily="34" charset="0"/>
-                      </a:endParaRPr>
-                    </a:p>
-                  </a:txBody>
-                  <a:tcPr marL="9525" marR="9525" marT="9525" marB="0" anchor="b"/>
-                </a:tc>
-                <a:tc>
-                  <a:txBody>
-                    <a:bodyPr/>
-                    <a:lstStyle/>
-                    <a:p>
-                      <a:pPr algn="l" fontAlgn="b"/>
-                      <a:r>
-                        <a:rPr lang="en-US" sz="800" u="none" strike="noStrike">
-                          <a:effectLst/>
-                        </a:rPr>
-                        <a:t>nvarchar(40)</a:t>
-                      </a:r>
-                      <a:endParaRPr lang="en-US" sz="800" b="0" i="0" u="none" strike="noStrike">
-                        <a:solidFill>
-                          <a:srgbClr val="000000"/>
-                        </a:solidFill>
-                        <a:effectLst/>
-                        <a:latin typeface="Calibri" panose="020F0502020204030204" pitchFamily="34" charset="0"/>
-                      </a:endParaRPr>
-                    </a:p>
-                  </a:txBody>
-                  <a:tcPr marL="9525" marR="9525" marT="9525" marB="0" anchor="b"/>
-                </a:tc>
-                <a:tc>
-                  <a:txBody>
-                    <a:bodyPr/>
-                    <a:lstStyle/>
-                    <a:p>
-                      <a:pPr algn="l" fontAlgn="b"/>
-                      <a:r>
-                        <a:rPr lang="en-US" sz="800" u="none" strike="noStrike">
-                          <a:effectLst/>
-                        </a:rPr>
-                        <a:t>x</a:t>
-                      </a:r>
-                      <a:endParaRPr lang="en-US" sz="800" b="0" i="0" u="none" strike="noStrike">
-                        <a:solidFill>
-                          <a:srgbClr val="000000"/>
-                        </a:solidFill>
-                        <a:effectLst/>
-                        <a:latin typeface="Calibri" panose="020F0502020204030204" pitchFamily="34" charset="0"/>
-                      </a:endParaRPr>
-                    </a:p>
-                  </a:txBody>
-                  <a:tcPr marL="9525" marR="9525" marT="9525" marB="0" anchor="b"/>
-                </a:tc>
-                <a:extLst>
-                  <a:ext uri="{0D108BD9-81ED-4DB2-BD59-A6C34878D82A}">
-                    <a16:rowId xmlns:a16="http://schemas.microsoft.com/office/drawing/2014/main" val="2233798524"/>
-                  </a:ext>
-                </a:extLst>
-              </a:tr>
-              <a:tr h="190500">
-                <a:tc>
-                  <a:txBody>
-                    <a:bodyPr/>
-                    <a:lstStyle/>
-                    <a:p>
-                      <a:pPr algn="l" fontAlgn="b"/>
-                      <a:r>
-                        <a:rPr lang="en-US" sz="800" u="none" strike="noStrike">
-                          <a:effectLst/>
-                        </a:rPr>
-                        <a:t>CustomerPhone</a:t>
-                      </a:r>
-                      <a:endParaRPr lang="en-US" sz="800" b="0" i="0" u="none" strike="noStrike">
-                        <a:solidFill>
-                          <a:srgbClr val="000000"/>
-                        </a:solidFill>
-                        <a:effectLst/>
-                        <a:latin typeface="Calibri" panose="020F0502020204030204" pitchFamily="34" charset="0"/>
-                      </a:endParaRPr>
-                    </a:p>
-                  </a:txBody>
-                  <a:tcPr marL="9525" marR="9525" marT="9525" marB="0" anchor="b"/>
-                </a:tc>
-                <a:tc>
-                  <a:txBody>
-                    <a:bodyPr/>
-                    <a:lstStyle/>
-                    <a:p>
-                      <a:pPr algn="l" fontAlgn="b"/>
-                      <a:r>
-                        <a:rPr lang="en-US" sz="800" u="none" strike="noStrike">
-                          <a:effectLst/>
-                        </a:rPr>
-                        <a:t>nvarchar(20)</a:t>
-                      </a:r>
-                      <a:endParaRPr lang="en-US" sz="800" b="0" i="0" u="none" strike="noStrike">
-                        <a:solidFill>
-                          <a:srgbClr val="000000"/>
-                        </a:solidFill>
-                        <a:effectLst/>
-                        <a:latin typeface="Calibri" panose="020F0502020204030204" pitchFamily="34" charset="0"/>
-                      </a:endParaRPr>
-                    </a:p>
-                  </a:txBody>
-                  <a:tcPr marL="9525" marR="9525" marT="9525" marB="0" anchor="b"/>
-                </a:tc>
-                <a:tc>
-                  <a:txBody>
-                    <a:bodyPr/>
-                    <a:lstStyle/>
-                    <a:p>
-                      <a:pPr algn="l" fontAlgn="b"/>
-                      <a:r>
-                        <a:rPr lang="en-US" sz="800" u="none" strike="noStrike" dirty="0">
-                          <a:effectLst/>
-                        </a:rPr>
-                        <a:t>x</a:t>
-                      </a:r>
-                      <a:endParaRPr lang="en-US" sz="800" b="0" i="0" u="none" strike="noStrike" dirty="0">
-                        <a:solidFill>
-                          <a:srgbClr val="000000"/>
-                        </a:solidFill>
-                        <a:effectLst/>
-                        <a:latin typeface="Calibri" panose="020F0502020204030204" pitchFamily="34" charset="0"/>
-                      </a:endParaRPr>
-                    </a:p>
-                  </a:txBody>
-                  <a:tcPr marL="9525" marR="9525" marT="9525" marB="0" anchor="b"/>
-                </a:tc>
-                <a:extLst>
-                  <a:ext uri="{0D108BD9-81ED-4DB2-BD59-A6C34878D82A}">
-                    <a16:rowId xmlns:a16="http://schemas.microsoft.com/office/drawing/2014/main" val="1102182700"/>
-                  </a:ext>
-                </a:extLst>
-              </a:tr>
-            </a:tbl>
-          </a:graphicData>
-        </a:graphic>
-      </p:graphicFrame>
-      <p:graphicFrame>
-        <p:nvGraphicFramePr>
-          <p:cNvPr id="11" name="Table 10">
-            <a:extLst>
-              <a:ext uri="{FF2B5EF4-FFF2-40B4-BE49-F238E27FC236}">
-                <a16:creationId xmlns:a16="http://schemas.microsoft.com/office/drawing/2014/main" id="{92A2A16E-9CB0-9D59-602C-1BED47801376}"/>
-              </a:ext>
-            </a:extLst>
-          </p:cNvPr>
-          <p:cNvGraphicFramePr>
-            <a:graphicFrameLocks noGrp="1"/>
-          </p:cNvGraphicFramePr>
-          <p:nvPr>
-            <p:extLst>
-              <p:ext uri="{D42A27DB-BD31-4B8C-83A1-F6EECF244321}">
-                <p14:modId xmlns:p14="http://schemas.microsoft.com/office/powerpoint/2010/main" val="417349855"/>
-              </p:ext>
-            </p:extLst>
-          </p:nvPr>
-        </p:nvGraphicFramePr>
-        <p:xfrm>
-          <a:off x="3315218" y="5448599"/>
-          <a:ext cx="1549400" cy="1143000"/>
-        </p:xfrm>
-        <a:graphic>
-          <a:graphicData uri="http://schemas.openxmlformats.org/drawingml/2006/table">
-            <a:tbl>
-              <a:tblPr>
-                <a:tableStyleId>{5C22544A-7EE6-4342-B048-85BDC9FD1C3A}</a:tableStyleId>
-              </a:tblPr>
-              <a:tblGrid>
-                <a:gridCol w="762000">
-                  <a:extLst>
-                    <a:ext uri="{9D8B030D-6E8A-4147-A177-3AD203B41FA5}">
-                      <a16:colId xmlns:a16="http://schemas.microsoft.com/office/drawing/2014/main" val="256490861"/>
-                    </a:ext>
-                  </a:extLst>
-                </a:gridCol>
-                <a:gridCol w="495300">
-                  <a:extLst>
-                    <a:ext uri="{9D8B030D-6E8A-4147-A177-3AD203B41FA5}">
-                      <a16:colId xmlns:a16="http://schemas.microsoft.com/office/drawing/2014/main" val="2562538423"/>
-                    </a:ext>
-                  </a:extLst>
-                </a:gridCol>
-                <a:gridCol w="292100">
-                  <a:extLst>
-                    <a:ext uri="{9D8B030D-6E8A-4147-A177-3AD203B41FA5}">
-                      <a16:colId xmlns:a16="http://schemas.microsoft.com/office/drawing/2014/main" val="642696658"/>
-                    </a:ext>
-                  </a:extLst>
-                </a:gridCol>
-              </a:tblGrid>
-              <a:tr h="190500">
-                <a:tc>
-                  <a:txBody>
-                    <a:bodyPr/>
-                    <a:lstStyle/>
-                    <a:p>
-                      <a:pPr algn="l" fontAlgn="b"/>
-                      <a:r>
-                        <a:rPr lang="en-US" sz="1100" u="none" strike="noStrike">
-                          <a:effectLst/>
-                        </a:rPr>
-                        <a:t>OrderDetail</a:t>
-                      </a:r>
-                      <a:endParaRPr lang="en-US" sz="1100" b="1" i="0" u="none" strike="noStrike">
-                        <a:solidFill>
-                          <a:srgbClr val="000000"/>
-                        </a:solidFill>
-                        <a:effectLst/>
-                        <a:latin typeface="Calibri" panose="020F0502020204030204" pitchFamily="34" charset="0"/>
-                      </a:endParaRPr>
-                    </a:p>
-                  </a:txBody>
-                  <a:tcPr marL="9525" marR="9525" marT="9525" marB="0" anchor="b"/>
-                </a:tc>
-                <a:tc>
-                  <a:txBody>
-                    <a:bodyPr/>
-                    <a:lstStyle/>
-                    <a:p>
-                      <a:pPr algn="l" fontAlgn="b"/>
-                      <a:endParaRPr lang="en-US" sz="1100" b="0" i="0" u="none" strike="noStrike">
-                        <a:solidFill>
-                          <a:srgbClr val="000000"/>
-                        </a:solidFill>
-                        <a:effectLst/>
-                        <a:latin typeface="Calibri" panose="020F0502020204030204" pitchFamily="34" charset="0"/>
-                      </a:endParaRPr>
-                    </a:p>
-                  </a:txBody>
-                  <a:tcPr marL="9525" marR="9525" marT="9525" marB="0" anchor="b"/>
-                </a:tc>
-                <a:tc>
-                  <a:txBody>
-                    <a:bodyPr/>
-                    <a:lstStyle/>
-                    <a:p>
-                      <a:pPr algn="l" fontAlgn="b"/>
-                      <a:endParaRPr lang="en-US" sz="1100" b="0" i="0" u="none" strike="noStrike">
-                        <a:solidFill>
-                          <a:srgbClr val="000000"/>
-                        </a:solidFill>
-                        <a:effectLst/>
-                        <a:latin typeface="Calibri" panose="020F0502020204030204" pitchFamily="34" charset="0"/>
-                      </a:endParaRPr>
-                    </a:p>
-                  </a:txBody>
-                  <a:tcPr marL="9525" marR="9525" marT="9525" marB="0" anchor="b"/>
-                </a:tc>
-                <a:extLst>
-                  <a:ext uri="{0D108BD9-81ED-4DB2-BD59-A6C34878D82A}">
-                    <a16:rowId xmlns:a16="http://schemas.microsoft.com/office/drawing/2014/main" val="3266475801"/>
-                  </a:ext>
-                </a:extLst>
-              </a:tr>
-              <a:tr h="190500">
-                <a:tc>
-                  <a:txBody>
-                    <a:bodyPr/>
-                    <a:lstStyle/>
-                    <a:p>
-                      <a:pPr algn="l" fontAlgn="b"/>
-                      <a:r>
-                        <a:rPr lang="en-US" sz="800" u="none" strike="noStrike">
-                          <a:effectLst/>
-                        </a:rPr>
-                        <a:t>Column Name</a:t>
-                      </a:r>
-                      <a:endParaRPr lang="en-US" sz="800" b="1" i="0" u="none" strike="noStrike">
-                        <a:solidFill>
-                          <a:srgbClr val="000000"/>
-                        </a:solidFill>
-                        <a:effectLst/>
-                        <a:latin typeface="Calibri" panose="020F0502020204030204" pitchFamily="34" charset="0"/>
-                      </a:endParaRPr>
-                    </a:p>
-                  </a:txBody>
-                  <a:tcPr marL="9525" marR="9525" marT="9525" marB="0" anchor="b"/>
-                </a:tc>
-                <a:tc>
-                  <a:txBody>
-                    <a:bodyPr/>
-                    <a:lstStyle/>
-                    <a:p>
-                      <a:pPr algn="l" fontAlgn="b"/>
-                      <a:r>
-                        <a:rPr lang="en-US" sz="800" u="none" strike="noStrike">
-                          <a:effectLst/>
-                        </a:rPr>
-                        <a:t>Data Type</a:t>
-                      </a:r>
-                      <a:endParaRPr lang="en-US" sz="800" b="1" i="0" u="none" strike="noStrike">
-                        <a:solidFill>
-                          <a:srgbClr val="000000"/>
-                        </a:solidFill>
-                        <a:effectLst/>
-                        <a:latin typeface="Calibri" panose="020F0502020204030204" pitchFamily="34" charset="0"/>
-                      </a:endParaRPr>
-                    </a:p>
-                  </a:txBody>
-                  <a:tcPr marL="9525" marR="9525" marT="9525" marB="0" anchor="b"/>
-                </a:tc>
-                <a:tc>
-                  <a:txBody>
-                    <a:bodyPr/>
-                    <a:lstStyle/>
-                    <a:p>
-                      <a:pPr algn="l" fontAlgn="b"/>
-                      <a:r>
-                        <a:rPr lang="en-US" sz="800" u="none" strike="noStrike">
-                          <a:effectLst/>
-                        </a:rPr>
-                        <a:t>Nulls</a:t>
-                      </a:r>
-                      <a:endParaRPr lang="en-US" sz="800" b="1" i="0" u="none" strike="noStrike">
-                        <a:solidFill>
-                          <a:srgbClr val="000000"/>
-                        </a:solidFill>
-                        <a:effectLst/>
-                        <a:latin typeface="Calibri" panose="020F0502020204030204" pitchFamily="34" charset="0"/>
-                      </a:endParaRPr>
-                    </a:p>
-                  </a:txBody>
-                  <a:tcPr marL="9525" marR="9525" marT="9525" marB="0" anchor="b"/>
-                </a:tc>
-                <a:extLst>
-                  <a:ext uri="{0D108BD9-81ED-4DB2-BD59-A6C34878D82A}">
-                    <a16:rowId xmlns:a16="http://schemas.microsoft.com/office/drawing/2014/main" val="1806984070"/>
-                  </a:ext>
-                </a:extLst>
-              </a:tr>
-              <a:tr h="190500">
-                <a:tc>
-                  <a:txBody>
-                    <a:bodyPr/>
-                    <a:lstStyle/>
-                    <a:p>
-                      <a:pPr algn="l" fontAlgn="b"/>
-                      <a:r>
-                        <a:rPr lang="en-US" sz="800" u="none" strike="noStrike" dirty="0" err="1">
-                          <a:effectLst/>
-                          <a:highlight>
-                            <a:srgbClr val="FFFF00"/>
-                          </a:highlight>
-                        </a:rPr>
-                        <a:t>OrderID</a:t>
-                      </a:r>
-                      <a:endParaRPr lang="en-US" sz="800" b="0" i="0" u="none" strike="noStrike" dirty="0">
-                        <a:solidFill>
-                          <a:srgbClr val="000000"/>
-                        </a:solidFill>
-                        <a:effectLst/>
-                        <a:highlight>
-                          <a:srgbClr val="FFFF00"/>
-                        </a:highlight>
-                        <a:latin typeface="Calibri" panose="020F0502020204030204" pitchFamily="34" charset="0"/>
-                      </a:endParaRPr>
-                    </a:p>
-                  </a:txBody>
-                  <a:tcPr marL="9525" marR="9525" marT="9525" marB="0" anchor="b"/>
-                </a:tc>
-                <a:tc>
-                  <a:txBody>
-                    <a:bodyPr/>
-                    <a:lstStyle/>
-                    <a:p>
-                      <a:pPr algn="l" fontAlgn="b"/>
-                      <a:r>
-                        <a:rPr lang="en-US" sz="800" u="none" strike="noStrike">
-                          <a:effectLst/>
-                        </a:rPr>
-                        <a:t>int</a:t>
-                      </a:r>
-                      <a:endParaRPr lang="en-US" sz="800" b="0" i="0" u="none" strike="noStrike">
-                        <a:solidFill>
-                          <a:srgbClr val="000000"/>
-                        </a:solidFill>
-                        <a:effectLst/>
-                        <a:latin typeface="Calibri" panose="020F0502020204030204" pitchFamily="34" charset="0"/>
-                      </a:endParaRPr>
-                    </a:p>
-                  </a:txBody>
-                  <a:tcPr marL="9525" marR="9525" marT="9525" marB="0" anchor="b"/>
-                </a:tc>
-                <a:tc>
-                  <a:txBody>
-                    <a:bodyPr/>
-                    <a:lstStyle/>
-                    <a:p>
-                      <a:pPr algn="l" fontAlgn="b"/>
-                      <a:r>
-                        <a:rPr lang="en-US" sz="800" u="none" strike="noStrike">
-                          <a:effectLst/>
-                        </a:rPr>
-                        <a:t> </a:t>
-                      </a:r>
-                      <a:endParaRPr lang="en-US" sz="800" b="0" i="0" u="none" strike="noStrike">
-                        <a:solidFill>
-                          <a:srgbClr val="000000"/>
-                        </a:solidFill>
-                        <a:effectLst/>
-                        <a:latin typeface="Calibri" panose="020F0502020204030204" pitchFamily="34" charset="0"/>
-                      </a:endParaRPr>
-                    </a:p>
-                  </a:txBody>
-                  <a:tcPr marL="9525" marR="9525" marT="9525" marB="0" anchor="b"/>
-                </a:tc>
-                <a:extLst>
-                  <a:ext uri="{0D108BD9-81ED-4DB2-BD59-A6C34878D82A}">
-                    <a16:rowId xmlns:a16="http://schemas.microsoft.com/office/drawing/2014/main" val="153050716"/>
-                  </a:ext>
-                </a:extLst>
-              </a:tr>
-              <a:tr h="190500">
-                <a:tc>
-                  <a:txBody>
-                    <a:bodyPr/>
-                    <a:lstStyle/>
-                    <a:p>
-                      <a:pPr algn="l" fontAlgn="b"/>
-                      <a:r>
-                        <a:rPr lang="en-US" sz="800" u="none" strike="noStrike">
-                          <a:effectLst/>
-                        </a:rPr>
-                        <a:t>ProductID</a:t>
-                      </a:r>
-                      <a:endParaRPr lang="en-US" sz="800" b="0" i="0" u="none" strike="noStrike">
-                        <a:solidFill>
-                          <a:srgbClr val="000000"/>
-                        </a:solidFill>
-                        <a:effectLst/>
-                        <a:latin typeface="Calibri" panose="020F0502020204030204" pitchFamily="34" charset="0"/>
-                      </a:endParaRPr>
-                    </a:p>
-                  </a:txBody>
-                  <a:tcPr marL="9525" marR="9525" marT="9525" marB="0" anchor="b"/>
-                </a:tc>
-                <a:tc>
-                  <a:txBody>
-                    <a:bodyPr/>
-                    <a:lstStyle/>
-                    <a:p>
-                      <a:pPr algn="l" fontAlgn="b"/>
-                      <a:r>
-                        <a:rPr lang="en-US" sz="800" u="none" strike="noStrike">
-                          <a:effectLst/>
-                        </a:rPr>
-                        <a:t>int</a:t>
-                      </a:r>
-                      <a:endParaRPr lang="en-US" sz="800" b="0" i="0" u="none" strike="noStrike">
-                        <a:solidFill>
-                          <a:srgbClr val="000000"/>
-                        </a:solidFill>
-                        <a:effectLst/>
-                        <a:latin typeface="Calibri" panose="020F0502020204030204" pitchFamily="34" charset="0"/>
-                      </a:endParaRPr>
-                    </a:p>
-                  </a:txBody>
-                  <a:tcPr marL="9525" marR="9525" marT="9525" marB="0" anchor="b"/>
-                </a:tc>
-                <a:tc>
-                  <a:txBody>
-                    <a:bodyPr/>
-                    <a:lstStyle/>
-                    <a:p>
-                      <a:pPr algn="l" fontAlgn="b"/>
-                      <a:r>
-                        <a:rPr lang="en-US" sz="800" u="none" strike="noStrike">
-                          <a:effectLst/>
-                        </a:rPr>
-                        <a:t> </a:t>
-                      </a:r>
-                      <a:endParaRPr lang="en-US" sz="800" b="0" i="0" u="none" strike="noStrike">
-                        <a:solidFill>
-                          <a:srgbClr val="000000"/>
-                        </a:solidFill>
-                        <a:effectLst/>
-                        <a:latin typeface="Calibri" panose="020F0502020204030204" pitchFamily="34" charset="0"/>
-                      </a:endParaRPr>
-                    </a:p>
-                  </a:txBody>
-                  <a:tcPr marL="9525" marR="9525" marT="9525" marB="0" anchor="b"/>
-                </a:tc>
-                <a:extLst>
-                  <a:ext uri="{0D108BD9-81ED-4DB2-BD59-A6C34878D82A}">
-                    <a16:rowId xmlns:a16="http://schemas.microsoft.com/office/drawing/2014/main" val="2442698022"/>
-                  </a:ext>
-                </a:extLst>
-              </a:tr>
-              <a:tr h="190500">
-                <a:tc>
-                  <a:txBody>
-                    <a:bodyPr/>
-                    <a:lstStyle/>
-                    <a:p>
-                      <a:pPr algn="l" fontAlgn="b"/>
-                      <a:r>
-                        <a:rPr lang="en-US" sz="800" u="none" strike="noStrike">
-                          <a:effectLst/>
-                        </a:rPr>
-                        <a:t>UnitPrice</a:t>
-                      </a:r>
-                      <a:endParaRPr lang="en-US" sz="800" b="0" i="0" u="none" strike="noStrike">
-                        <a:solidFill>
-                          <a:srgbClr val="000000"/>
-                        </a:solidFill>
-                        <a:effectLst/>
-                        <a:latin typeface="Calibri" panose="020F0502020204030204" pitchFamily="34" charset="0"/>
-                      </a:endParaRPr>
-                    </a:p>
-                  </a:txBody>
-                  <a:tcPr marL="9525" marR="9525" marT="9525" marB="0" anchor="b"/>
-                </a:tc>
-                <a:tc>
-                  <a:txBody>
-                    <a:bodyPr/>
-                    <a:lstStyle/>
-                    <a:p>
-                      <a:pPr algn="l" fontAlgn="b"/>
-                      <a:r>
-                        <a:rPr lang="en-US" sz="800" u="none" strike="noStrike">
-                          <a:effectLst/>
-                        </a:rPr>
-                        <a:t>money</a:t>
-                      </a:r>
-                      <a:endParaRPr lang="en-US" sz="800" b="0" i="0" u="none" strike="noStrike">
-                        <a:solidFill>
-                          <a:srgbClr val="000000"/>
-                        </a:solidFill>
-                        <a:effectLst/>
-                        <a:latin typeface="Calibri" panose="020F0502020204030204" pitchFamily="34" charset="0"/>
-                      </a:endParaRPr>
-                    </a:p>
-                  </a:txBody>
-                  <a:tcPr marL="9525" marR="9525" marT="9525" marB="0" anchor="b"/>
-                </a:tc>
-                <a:tc>
-                  <a:txBody>
-                    <a:bodyPr/>
-                    <a:lstStyle/>
-                    <a:p>
-                      <a:pPr algn="l" fontAlgn="b"/>
-                      <a:r>
-                        <a:rPr lang="en-US" sz="800" u="none" strike="noStrike">
-                          <a:effectLst/>
-                        </a:rPr>
-                        <a:t> </a:t>
-                      </a:r>
-                      <a:endParaRPr lang="en-US" sz="800" b="0" i="0" u="none" strike="noStrike">
-                        <a:solidFill>
-                          <a:srgbClr val="000000"/>
-                        </a:solidFill>
-                        <a:effectLst/>
-                        <a:latin typeface="Calibri" panose="020F0502020204030204" pitchFamily="34" charset="0"/>
-                      </a:endParaRPr>
-                    </a:p>
-                  </a:txBody>
-                  <a:tcPr marL="9525" marR="9525" marT="9525" marB="0" anchor="b"/>
-                </a:tc>
-                <a:extLst>
-                  <a:ext uri="{0D108BD9-81ED-4DB2-BD59-A6C34878D82A}">
-                    <a16:rowId xmlns:a16="http://schemas.microsoft.com/office/drawing/2014/main" val="4266244081"/>
-                  </a:ext>
-                </a:extLst>
-              </a:tr>
-              <a:tr h="190500">
-                <a:tc>
-                  <a:txBody>
-                    <a:bodyPr/>
-                    <a:lstStyle/>
-                    <a:p>
-                      <a:pPr algn="l" fontAlgn="b"/>
-                      <a:r>
-                        <a:rPr lang="en-US" sz="800" u="none" strike="noStrike">
-                          <a:effectLst/>
-                        </a:rPr>
-                        <a:t>Quantity</a:t>
-                      </a:r>
-                      <a:endParaRPr lang="en-US" sz="800" b="0" i="0" u="none" strike="noStrike">
-                        <a:solidFill>
-                          <a:srgbClr val="000000"/>
-                        </a:solidFill>
-                        <a:effectLst/>
-                        <a:latin typeface="Calibri" panose="020F0502020204030204" pitchFamily="34" charset="0"/>
-                      </a:endParaRPr>
-                    </a:p>
-                  </a:txBody>
-                  <a:tcPr marL="9525" marR="9525" marT="9525" marB="0" anchor="b"/>
-                </a:tc>
-                <a:tc>
-                  <a:txBody>
-                    <a:bodyPr/>
-                    <a:lstStyle/>
-                    <a:p>
-                      <a:pPr algn="l" fontAlgn="b"/>
-                      <a:r>
-                        <a:rPr lang="en-US" sz="800" u="none" strike="noStrike">
-                          <a:effectLst/>
-                        </a:rPr>
-                        <a:t>int</a:t>
-                      </a:r>
-                      <a:endParaRPr lang="en-US" sz="800" b="0" i="0" u="none" strike="noStrike">
-                        <a:solidFill>
-                          <a:srgbClr val="000000"/>
-                        </a:solidFill>
-                        <a:effectLst/>
-                        <a:latin typeface="Calibri" panose="020F0502020204030204" pitchFamily="34" charset="0"/>
-                      </a:endParaRPr>
-                    </a:p>
-                  </a:txBody>
-                  <a:tcPr marL="9525" marR="9525" marT="9525" marB="0" anchor="b"/>
-                </a:tc>
-                <a:tc>
-                  <a:txBody>
-                    <a:bodyPr/>
-                    <a:lstStyle/>
-                    <a:p>
-                      <a:pPr algn="l" fontAlgn="b"/>
-                      <a:r>
-                        <a:rPr lang="en-US" sz="800" u="none" strike="noStrike" dirty="0">
-                          <a:effectLst/>
-                        </a:rPr>
-                        <a:t> </a:t>
-                      </a:r>
-                      <a:endParaRPr lang="en-US" sz="800" b="0" i="0" u="none" strike="noStrike" dirty="0">
-                        <a:solidFill>
-                          <a:srgbClr val="000000"/>
-                        </a:solidFill>
-                        <a:effectLst/>
-                        <a:latin typeface="Calibri" panose="020F0502020204030204" pitchFamily="34" charset="0"/>
-                      </a:endParaRPr>
-                    </a:p>
-                  </a:txBody>
-                  <a:tcPr marL="9525" marR="9525" marT="9525" marB="0" anchor="b"/>
-                </a:tc>
-                <a:extLst>
-                  <a:ext uri="{0D108BD9-81ED-4DB2-BD59-A6C34878D82A}">
-                    <a16:rowId xmlns:a16="http://schemas.microsoft.com/office/drawing/2014/main" val="2264917035"/>
-                  </a:ext>
-                </a:extLst>
-              </a:tr>
-            </a:tbl>
-          </a:graphicData>
-        </a:graphic>
-      </p:graphicFrame>
-      <p:graphicFrame>
-        <p:nvGraphicFramePr>
           <p:cNvPr id="12" name="Table 11">
             <a:extLst>
               <a:ext uri="{FF2B5EF4-FFF2-40B4-BE49-F238E27FC236}">
@@ -6656,13 +3976,13 @@
           <p:nvPr>
             <p:extLst>
               <p:ext uri="{D42A27DB-BD31-4B8C-83A1-F6EECF244321}">
-                <p14:modId xmlns:p14="http://schemas.microsoft.com/office/powerpoint/2010/main" val="754049748"/>
+                <p14:modId xmlns:p14="http://schemas.microsoft.com/office/powerpoint/2010/main" val="3699132369"/>
               </p:ext>
             </p:extLst>
           </p:nvPr>
         </p:nvGraphicFramePr>
         <p:xfrm>
-          <a:off x="3315218" y="3560316"/>
+          <a:off x="4873101" y="4020127"/>
           <a:ext cx="1638300" cy="1333500"/>
         </p:xfrm>
         <a:graphic>
@@ -7152,12 +4472,12 @@
                     <a:p>
                       <a:pPr algn="l" fontAlgn="b"/>
                       <a:r>
-                        <a:rPr lang="en-US" sz="800" u="none" strike="noStrike">
+                        <a:rPr lang="en-US" sz="800" u="none" strike="noStrike" dirty="0">
                           <a:effectLst/>
                         </a:rPr>
                         <a:t>Phone</a:t>
                       </a:r>
-                      <a:endParaRPr lang="en-US" sz="800" b="0" i="0" u="none" strike="noStrike">
+                      <a:endParaRPr lang="en-US" sz="800" b="0" i="0" u="none" strike="noStrike" dirty="0">
                         <a:solidFill>
                           <a:srgbClr val="000000"/>
                         </a:solidFill>
@@ -7239,13 +4559,13 @@
           <p:nvPr>
             <p:extLst>
               <p:ext uri="{D42A27DB-BD31-4B8C-83A1-F6EECF244321}">
-                <p14:modId xmlns:p14="http://schemas.microsoft.com/office/powerpoint/2010/main" val="471002206"/>
+                <p14:modId xmlns:p14="http://schemas.microsoft.com/office/powerpoint/2010/main" val="2097801963"/>
               </p:ext>
             </p:extLst>
           </p:nvPr>
         </p:nvGraphicFramePr>
         <p:xfrm>
-          <a:off x="3315218" y="2380862"/>
+          <a:off x="4678712" y="5549641"/>
           <a:ext cx="2031999" cy="952500"/>
         </p:xfrm>
         <a:graphic>
@@ -7285,12 +4605,12 @@
                     <a:p>
                       <a:pPr algn="l" fontAlgn="b"/>
                       <a:r>
-                        <a:rPr lang="en-US" sz="1100" u="none" strike="noStrike">
+                        <a:rPr lang="en-US" sz="1100" u="none" strike="noStrike" dirty="0">
                           <a:effectLst/>
                         </a:rPr>
                         <a:t>Shippers</a:t>
                       </a:r>
-                      <a:endParaRPr lang="en-US" sz="1100" b="1" i="0" u="none" strike="noStrike">
+                      <a:endParaRPr lang="en-US" sz="1100" b="1" i="0" u="none" strike="noStrike" dirty="0">
                         <a:solidFill>
                           <a:srgbClr val="000000"/>
                         </a:solidFill>
@@ -7670,13 +4990,13 @@
           <p:nvPr>
             <p:extLst>
               <p:ext uri="{D42A27DB-BD31-4B8C-83A1-F6EECF244321}">
-                <p14:modId xmlns:p14="http://schemas.microsoft.com/office/powerpoint/2010/main" val="3698824444"/>
+                <p14:modId xmlns:p14="http://schemas.microsoft.com/office/powerpoint/2010/main" val="4248111308"/>
               </p:ext>
             </p:extLst>
           </p:nvPr>
         </p:nvGraphicFramePr>
         <p:xfrm>
-          <a:off x="3315218" y="455645"/>
+          <a:off x="4788912" y="455645"/>
           <a:ext cx="2235200" cy="1524000"/>
         </p:xfrm>
         <a:graphic>
@@ -7885,12 +5205,12 @@
                     <a:p>
                       <a:pPr algn="l" fontAlgn="b"/>
                       <a:r>
-                        <a:rPr lang="en-US" sz="800" u="none" strike="noStrike">
+                        <a:rPr lang="en-US" sz="800" u="none" strike="noStrike" dirty="0">
                           <a:effectLst/>
                         </a:rPr>
                         <a:t>int</a:t>
                       </a:r>
-                      <a:endParaRPr lang="en-US" sz="800" b="0" i="0" u="none" strike="noStrike">
+                      <a:endParaRPr lang="en-US" sz="800" b="0" i="0" u="none" strike="noStrike" dirty="0">
                         <a:solidFill>
                           <a:srgbClr val="000000"/>
                         </a:solidFill>
@@ -8307,437 +5627,6 @@
                 <a:extLst>
                   <a:ext uri="{0D108BD9-81ED-4DB2-BD59-A6C34878D82A}">
                     <a16:rowId xmlns:a16="http://schemas.microsoft.com/office/drawing/2014/main" val="2062842786"/>
-                  </a:ext>
-                </a:extLst>
-              </a:tr>
-            </a:tbl>
-          </a:graphicData>
-        </a:graphic>
-      </p:graphicFrame>
-      <p:graphicFrame>
-        <p:nvGraphicFramePr>
-          <p:cNvPr id="15" name="Table 14">
-            <a:extLst>
-              <a:ext uri="{FF2B5EF4-FFF2-40B4-BE49-F238E27FC236}">
-                <a16:creationId xmlns:a16="http://schemas.microsoft.com/office/drawing/2014/main" id="{36A8EF3B-137E-E4CF-F634-5D3F62E1D11E}"/>
-              </a:ext>
-            </a:extLst>
-          </p:cNvPr>
-          <p:cNvGraphicFramePr>
-            <a:graphicFrameLocks noGrp="1"/>
-          </p:cNvGraphicFramePr>
-          <p:nvPr>
-            <p:extLst>
-              <p:ext uri="{D42A27DB-BD31-4B8C-83A1-F6EECF244321}">
-                <p14:modId xmlns:p14="http://schemas.microsoft.com/office/powerpoint/2010/main" val="1727826698"/>
-              </p:ext>
-            </p:extLst>
-          </p:nvPr>
-        </p:nvGraphicFramePr>
-        <p:xfrm>
-          <a:off x="6228054" y="468430"/>
-          <a:ext cx="1993900" cy="952500"/>
-        </p:xfrm>
-        <a:graphic>
-          <a:graphicData uri="http://schemas.openxmlformats.org/drawingml/2006/table">
-            <a:tbl>
-              <a:tblPr>
-                <a:tableStyleId>{5C22544A-7EE6-4342-B048-85BDC9FD1C3A}</a:tableStyleId>
-              </a:tblPr>
-              <a:tblGrid>
-                <a:gridCol w="1003300">
-                  <a:extLst>
-                    <a:ext uri="{9D8B030D-6E8A-4147-A177-3AD203B41FA5}">
-                      <a16:colId xmlns:a16="http://schemas.microsoft.com/office/drawing/2014/main" val="212019901"/>
-                    </a:ext>
-                  </a:extLst>
-                </a:gridCol>
-                <a:gridCol w="698500">
-                  <a:extLst>
-                    <a:ext uri="{9D8B030D-6E8A-4147-A177-3AD203B41FA5}">
-                      <a16:colId xmlns:a16="http://schemas.microsoft.com/office/drawing/2014/main" val="3714125571"/>
-                    </a:ext>
-                  </a:extLst>
-                </a:gridCol>
-                <a:gridCol w="292100">
-                  <a:extLst>
-                    <a:ext uri="{9D8B030D-6E8A-4147-A177-3AD203B41FA5}">
-                      <a16:colId xmlns:a16="http://schemas.microsoft.com/office/drawing/2014/main" val="3616004071"/>
-                    </a:ext>
-                  </a:extLst>
-                </a:gridCol>
-              </a:tblGrid>
-              <a:tr h="190500">
-                <a:tc>
-                  <a:txBody>
-                    <a:bodyPr/>
-                    <a:lstStyle/>
-                    <a:p>
-                      <a:pPr algn="l" fontAlgn="b"/>
-                      <a:r>
-                        <a:rPr lang="en-US" sz="1100" u="none" strike="noStrike">
-                          <a:effectLst/>
-                        </a:rPr>
-                        <a:t>Categories</a:t>
-                      </a:r>
-                      <a:endParaRPr lang="en-US" sz="1100" b="1" i="0" u="none" strike="noStrike">
-                        <a:solidFill>
-                          <a:srgbClr val="000000"/>
-                        </a:solidFill>
-                        <a:effectLst/>
-                        <a:latin typeface="Calibri" panose="020F0502020204030204" pitchFamily="34" charset="0"/>
-                      </a:endParaRPr>
-                    </a:p>
-                  </a:txBody>
-                  <a:tcPr marL="9525" marR="9525" marT="9525" marB="0" anchor="b"/>
-                </a:tc>
-                <a:tc>
-                  <a:txBody>
-                    <a:bodyPr/>
-                    <a:lstStyle/>
-                    <a:p>
-                      <a:pPr algn="l" fontAlgn="b"/>
-                      <a:endParaRPr lang="en-US" sz="1100" b="0" i="0" u="none" strike="noStrike">
-                        <a:solidFill>
-                          <a:srgbClr val="000000"/>
-                        </a:solidFill>
-                        <a:effectLst/>
-                        <a:latin typeface="Calibri" panose="020F0502020204030204" pitchFamily="34" charset="0"/>
-                      </a:endParaRPr>
-                    </a:p>
-                  </a:txBody>
-                  <a:tcPr marL="9525" marR="9525" marT="9525" marB="0" anchor="b"/>
-                </a:tc>
-                <a:tc>
-                  <a:txBody>
-                    <a:bodyPr/>
-                    <a:lstStyle/>
-                    <a:p>
-                      <a:pPr algn="l" fontAlgn="b"/>
-                      <a:endParaRPr lang="en-US" sz="1100" b="0" i="0" u="none" strike="noStrike">
-                        <a:solidFill>
-                          <a:srgbClr val="000000"/>
-                        </a:solidFill>
-                        <a:effectLst/>
-                        <a:latin typeface="Calibri" panose="020F0502020204030204" pitchFamily="34" charset="0"/>
-                      </a:endParaRPr>
-                    </a:p>
-                  </a:txBody>
-                  <a:tcPr marL="9525" marR="9525" marT="9525" marB="0" anchor="b"/>
-                </a:tc>
-                <a:extLst>
-                  <a:ext uri="{0D108BD9-81ED-4DB2-BD59-A6C34878D82A}">
-                    <a16:rowId xmlns:a16="http://schemas.microsoft.com/office/drawing/2014/main" val="902592733"/>
-                  </a:ext>
-                </a:extLst>
-              </a:tr>
-              <a:tr h="190500">
-                <a:tc>
-                  <a:txBody>
-                    <a:bodyPr/>
-                    <a:lstStyle/>
-                    <a:p>
-                      <a:pPr algn="l" fontAlgn="b"/>
-                      <a:r>
-                        <a:rPr lang="en-US" sz="800" u="none" strike="noStrike">
-                          <a:effectLst/>
-                        </a:rPr>
-                        <a:t>Column Name</a:t>
-                      </a:r>
-                      <a:endParaRPr lang="en-US" sz="800" b="1" i="0" u="none" strike="noStrike">
-                        <a:solidFill>
-                          <a:srgbClr val="000000"/>
-                        </a:solidFill>
-                        <a:effectLst/>
-                        <a:latin typeface="Calibri" panose="020F0502020204030204" pitchFamily="34" charset="0"/>
-                      </a:endParaRPr>
-                    </a:p>
-                  </a:txBody>
-                  <a:tcPr marL="9525" marR="9525" marT="9525" marB="0" anchor="b"/>
-                </a:tc>
-                <a:tc>
-                  <a:txBody>
-                    <a:bodyPr/>
-                    <a:lstStyle/>
-                    <a:p>
-                      <a:pPr algn="l" fontAlgn="b"/>
-                      <a:r>
-                        <a:rPr lang="en-US" sz="800" u="none" strike="noStrike">
-                          <a:effectLst/>
-                        </a:rPr>
-                        <a:t>Data Type</a:t>
-                      </a:r>
-                      <a:endParaRPr lang="en-US" sz="800" b="1" i="0" u="none" strike="noStrike">
-                        <a:solidFill>
-                          <a:srgbClr val="000000"/>
-                        </a:solidFill>
-                        <a:effectLst/>
-                        <a:latin typeface="Calibri" panose="020F0502020204030204" pitchFamily="34" charset="0"/>
-                      </a:endParaRPr>
-                    </a:p>
-                  </a:txBody>
-                  <a:tcPr marL="9525" marR="9525" marT="9525" marB="0" anchor="b"/>
-                </a:tc>
-                <a:tc>
-                  <a:txBody>
-                    <a:bodyPr/>
-                    <a:lstStyle/>
-                    <a:p>
-                      <a:pPr algn="l" fontAlgn="b"/>
-                      <a:r>
-                        <a:rPr lang="en-US" sz="800" u="none" strike="noStrike">
-                          <a:effectLst/>
-                        </a:rPr>
-                        <a:t>Nulls</a:t>
-                      </a:r>
-                      <a:endParaRPr lang="en-US" sz="800" b="1" i="0" u="none" strike="noStrike">
-                        <a:solidFill>
-                          <a:srgbClr val="000000"/>
-                        </a:solidFill>
-                        <a:effectLst/>
-                        <a:latin typeface="Calibri" panose="020F0502020204030204" pitchFamily="34" charset="0"/>
-                      </a:endParaRPr>
-                    </a:p>
-                  </a:txBody>
-                  <a:tcPr marL="9525" marR="9525" marT="9525" marB="0" anchor="b"/>
-                </a:tc>
-                <a:extLst>
-                  <a:ext uri="{0D108BD9-81ED-4DB2-BD59-A6C34878D82A}">
-                    <a16:rowId xmlns:a16="http://schemas.microsoft.com/office/drawing/2014/main" val="1215734246"/>
-                  </a:ext>
-                </a:extLst>
-              </a:tr>
-              <a:tr h="190500">
-                <a:tc>
-                  <a:txBody>
-                    <a:bodyPr/>
-                    <a:lstStyle/>
-                    <a:p>
-                      <a:pPr algn="l" fontAlgn="b"/>
-                      <a:r>
-                        <a:rPr lang="en-US" sz="800" u="none" strike="noStrike" dirty="0" err="1">
-                          <a:effectLst/>
-                          <a:highlight>
-                            <a:srgbClr val="FFFF00"/>
-                          </a:highlight>
-                        </a:rPr>
-                        <a:t>CategoryID</a:t>
-                      </a:r>
-                      <a:endParaRPr lang="en-US" sz="800" b="0" i="0" u="none" strike="noStrike" dirty="0">
-                        <a:solidFill>
-                          <a:srgbClr val="000000"/>
-                        </a:solidFill>
-                        <a:effectLst/>
-                        <a:highlight>
-                          <a:srgbClr val="FFFF00"/>
-                        </a:highlight>
-                        <a:latin typeface="Calibri" panose="020F0502020204030204" pitchFamily="34" charset="0"/>
-                      </a:endParaRPr>
-                    </a:p>
-                  </a:txBody>
-                  <a:tcPr marL="9525" marR="9525" marT="9525" marB="0" anchor="b"/>
-                </a:tc>
-                <a:tc>
-                  <a:txBody>
-                    <a:bodyPr/>
-                    <a:lstStyle/>
-                    <a:p>
-                      <a:pPr algn="l" fontAlgn="b"/>
-                      <a:r>
-                        <a:rPr lang="en-US" sz="800" u="none" strike="noStrike">
-                          <a:effectLst/>
-                        </a:rPr>
-                        <a:t>int</a:t>
-                      </a:r>
-                      <a:endParaRPr lang="en-US" sz="800" b="0" i="0" u="none" strike="noStrike">
-                        <a:solidFill>
-                          <a:srgbClr val="000000"/>
-                        </a:solidFill>
-                        <a:effectLst/>
-                        <a:latin typeface="Calibri" panose="020F0502020204030204" pitchFamily="34" charset="0"/>
-                      </a:endParaRPr>
-                    </a:p>
-                  </a:txBody>
-                  <a:tcPr marL="9525" marR="9525" marT="9525" marB="0" anchor="b"/>
-                </a:tc>
-                <a:tc>
-                  <a:txBody>
-                    <a:bodyPr/>
-                    <a:lstStyle/>
-                    <a:p>
-                      <a:pPr algn="l" fontAlgn="b"/>
-                      <a:r>
-                        <a:rPr lang="en-US" sz="800" u="none" strike="noStrike">
-                          <a:effectLst/>
-                        </a:rPr>
-                        <a:t> </a:t>
-                      </a:r>
-                      <a:endParaRPr lang="en-US" sz="800" b="0" i="0" u="none" strike="noStrike">
-                        <a:solidFill>
-                          <a:srgbClr val="000000"/>
-                        </a:solidFill>
-                        <a:effectLst/>
-                        <a:latin typeface="Calibri" panose="020F0502020204030204" pitchFamily="34" charset="0"/>
-                      </a:endParaRPr>
-                    </a:p>
-                  </a:txBody>
-                  <a:tcPr marL="9525" marR="9525" marT="9525" marB="0" anchor="b"/>
-                </a:tc>
-                <a:extLst>
-                  <a:ext uri="{0D108BD9-81ED-4DB2-BD59-A6C34878D82A}">
-                    <a16:rowId xmlns:a16="http://schemas.microsoft.com/office/drawing/2014/main" val="529495646"/>
-                  </a:ext>
-                </a:extLst>
-              </a:tr>
-              <a:tr h="190500">
-                <a:tc>
-                  <a:txBody>
-                    <a:bodyPr/>
-                    <a:lstStyle/>
-                    <a:p>
-                      <a:pPr algn="l" fontAlgn="b"/>
-                      <a:r>
-                        <a:rPr lang="en-US" sz="800" u="none" strike="noStrike">
-                          <a:effectLst/>
-                        </a:rPr>
-                        <a:t>CategoryName</a:t>
-                      </a:r>
-                      <a:endParaRPr lang="en-US" sz="800" b="0" i="0" u="none" strike="noStrike">
-                        <a:solidFill>
-                          <a:srgbClr val="000000"/>
-                        </a:solidFill>
-                        <a:effectLst/>
-                        <a:latin typeface="Calibri" panose="020F0502020204030204" pitchFamily="34" charset="0"/>
-                      </a:endParaRPr>
-                    </a:p>
-                  </a:txBody>
-                  <a:tcPr marL="9525" marR="9525" marT="9525" marB="0" anchor="b"/>
-                </a:tc>
-                <a:tc>
-                  <a:txBody>
-                    <a:bodyPr/>
-                    <a:lstStyle/>
-                    <a:p>
-                      <a:pPr algn="l" fontAlgn="b"/>
-                      <a:r>
-                        <a:rPr lang="en-US" sz="800" u="none" strike="noStrike">
-                          <a:effectLst/>
-                        </a:rPr>
-                        <a:t>nvarchar(40)</a:t>
-                      </a:r>
-                      <a:endParaRPr lang="en-US" sz="800" b="0" i="0" u="none" strike="noStrike">
-                        <a:solidFill>
-                          <a:srgbClr val="000000"/>
-                        </a:solidFill>
-                        <a:effectLst/>
-                        <a:latin typeface="Calibri" panose="020F0502020204030204" pitchFamily="34" charset="0"/>
-                      </a:endParaRPr>
-                    </a:p>
-                  </a:txBody>
-                  <a:tcPr marL="9525" marR="9525" marT="9525" marB="0" anchor="b"/>
-                </a:tc>
-                <a:tc>
-                  <a:txBody>
-                    <a:bodyPr/>
-                    <a:lstStyle/>
-                    <a:p>
-                      <a:pPr algn="l" fontAlgn="b"/>
-                      <a:r>
-                        <a:rPr lang="en-US" sz="800" u="none" strike="noStrike">
-                          <a:effectLst/>
-                        </a:rPr>
-                        <a:t> </a:t>
-                      </a:r>
-                      <a:endParaRPr lang="en-US" sz="800" b="0" i="0" u="none" strike="noStrike">
-                        <a:solidFill>
-                          <a:srgbClr val="000000"/>
-                        </a:solidFill>
-                        <a:effectLst/>
-                        <a:latin typeface="Calibri" panose="020F0502020204030204" pitchFamily="34" charset="0"/>
-                      </a:endParaRPr>
-                    </a:p>
-                  </a:txBody>
-                  <a:tcPr marL="9525" marR="9525" marT="9525" marB="0" anchor="b"/>
-                </a:tc>
-                <a:extLst>
-                  <a:ext uri="{0D108BD9-81ED-4DB2-BD59-A6C34878D82A}">
-                    <a16:rowId xmlns:a16="http://schemas.microsoft.com/office/drawing/2014/main" val="1855119697"/>
-                  </a:ext>
-                </a:extLst>
-              </a:tr>
-              <a:tr h="190500">
-                <a:tc>
-                  <a:txBody>
-                    <a:bodyPr/>
-                    <a:lstStyle/>
-                    <a:p>
-                      <a:pPr algn="l" fontAlgn="b"/>
-                      <a:r>
-                        <a:rPr lang="en-US" sz="800" u="none" strike="noStrike">
-                          <a:effectLst/>
-                        </a:rPr>
-                        <a:t>CategoryDescription</a:t>
-                      </a:r>
-                      <a:endParaRPr lang="en-US" sz="800" b="0" i="0" u="none" strike="noStrike">
-                        <a:solidFill>
-                          <a:srgbClr val="000000"/>
-                        </a:solidFill>
-                        <a:effectLst/>
-                        <a:latin typeface="Calibri" panose="020F0502020204030204" pitchFamily="34" charset="0"/>
-                      </a:endParaRPr>
-                    </a:p>
-                  </a:txBody>
-                  <a:tcPr marL="9525" marR="9525" marT="9525" marB="0" anchor="b"/>
-                </a:tc>
-                <a:tc>
-                  <a:txBody>
-                    <a:bodyPr/>
-                    <a:lstStyle/>
-                    <a:p>
-                      <a:pPr algn="l" fontAlgn="b"/>
-                      <a:r>
-                        <a:rPr lang="en-US" sz="800" u="none" strike="noStrike">
-                          <a:effectLst/>
-                        </a:rPr>
-                        <a:t>nvarchar(100)</a:t>
-                      </a:r>
-                      <a:endParaRPr lang="en-US" sz="800" b="0" i="0" u="none" strike="noStrike">
-                        <a:solidFill>
-                          <a:srgbClr val="000000"/>
-                        </a:solidFill>
-                        <a:effectLst/>
-                        <a:latin typeface="Calibri" panose="020F0502020204030204" pitchFamily="34" charset="0"/>
-                      </a:endParaRPr>
-                    </a:p>
-                  </a:txBody>
-                  <a:tcPr marL="9525" marR="9525" marT="9525" marB="0" anchor="b"/>
-                </a:tc>
-                <a:tc>
-                  <a:txBody>
-                    <a:bodyPr/>
-                    <a:lstStyle/>
-                    <a:p>
-                      <a:pPr algn="l" fontAlgn="b"/>
-                      <a:r>
-                        <a:rPr lang="en-US" sz="800" u="none" strike="noStrike" dirty="0">
-                          <a:effectLst/>
-                        </a:rPr>
-                        <a:t>x</a:t>
-                      </a:r>
-                      <a:endParaRPr lang="en-US" sz="800" b="0" i="0" u="none" strike="noStrike" dirty="0">
-                        <a:solidFill>
-                          <a:srgbClr val="000000"/>
-                        </a:solidFill>
-                        <a:effectLst/>
-                        <a:latin typeface="Calibri" panose="020F0502020204030204" pitchFamily="34" charset="0"/>
-                      </a:endParaRPr>
-                    </a:p>
-                  </a:txBody>
-                  <a:tcPr marL="9525" marR="9525" marT="9525" marB="0" anchor="b"/>
-                </a:tc>
-                <a:extLst>
-                  <a:ext uri="{0D108BD9-81ED-4DB2-BD59-A6C34878D82A}">
-                    <a16:rowId xmlns:a16="http://schemas.microsoft.com/office/drawing/2014/main" val="1102496380"/>
                   </a:ext>
                 </a:extLst>
               </a:tr>
@@ -8760,13 +5649,13 @@
           <p:nvPr>
             <p:extLst>
               <p:ext uri="{D42A27DB-BD31-4B8C-83A1-F6EECF244321}">
-                <p14:modId xmlns:p14="http://schemas.microsoft.com/office/powerpoint/2010/main" val="2909312598"/>
+                <p14:modId xmlns:p14="http://schemas.microsoft.com/office/powerpoint/2010/main" val="1512982271"/>
               </p:ext>
             </p:extLst>
           </p:nvPr>
         </p:nvGraphicFramePr>
         <p:xfrm>
-          <a:off x="6228054" y="2322066"/>
+          <a:off x="7701748" y="2322066"/>
           <a:ext cx="2209800" cy="2476500"/>
         </p:xfrm>
         <a:graphic>
@@ -9798,7 +6687,7 @@
         </p:nvCxnSpPr>
         <p:spPr>
           <a:xfrm>
-            <a:off x="5550418" y="1287262"/>
+            <a:off x="7024112" y="1287262"/>
             <a:ext cx="237823" cy="0"/>
           </a:xfrm>
           <a:prstGeom prst="line">
@@ -9837,7 +6726,7 @@
         </p:nvCxnSpPr>
         <p:spPr>
           <a:xfrm>
-            <a:off x="5788241" y="1287262"/>
+            <a:off x="7261935" y="1287262"/>
             <a:ext cx="0" cy="1569850"/>
           </a:xfrm>
           <a:prstGeom prst="line">
@@ -9873,7 +6762,7 @@
         </p:nvCxnSpPr>
         <p:spPr>
           <a:xfrm>
-            <a:off x="5788241" y="2857112"/>
+            <a:off x="7261935" y="2857112"/>
             <a:ext cx="439813" cy="0"/>
           </a:xfrm>
           <a:prstGeom prst="straightConnector1">
@@ -9900,117 +6789,6 @@
       </p:cxnSp>
       <p:cxnSp>
         <p:nvCxnSpPr>
-          <p:cNvPr id="26" name="Straight Connector 25">
-            <a:extLst>
-              <a:ext uri="{FF2B5EF4-FFF2-40B4-BE49-F238E27FC236}">
-                <a16:creationId xmlns:a16="http://schemas.microsoft.com/office/drawing/2014/main" id="{36205A55-85B5-AF11-A18A-3CF5DCC72F1A}"/>
-              </a:ext>
-            </a:extLst>
-          </p:cNvPr>
-          <p:cNvCxnSpPr/>
-          <p:nvPr/>
-        </p:nvCxnSpPr>
-        <p:spPr>
-          <a:xfrm flipH="1">
-            <a:off x="6008147" y="944680"/>
-            <a:ext cx="219907" cy="0"/>
-          </a:xfrm>
-          <a:prstGeom prst="line">
-            <a:avLst/>
-          </a:prstGeom>
-        </p:spPr>
-        <p:style>
-          <a:lnRef idx="1">
-            <a:schemeClr val="accent1"/>
-          </a:lnRef>
-          <a:fillRef idx="0">
-            <a:schemeClr val="accent1"/>
-          </a:fillRef>
-          <a:effectRef idx="0">
-            <a:schemeClr val="accent1"/>
-          </a:effectRef>
-          <a:fontRef idx="minor">
-            <a:schemeClr val="tx1"/>
-          </a:fontRef>
-        </p:style>
-      </p:cxnSp>
-      <p:cxnSp>
-        <p:nvCxnSpPr>
-          <p:cNvPr id="28" name="Straight Connector 27">
-            <a:extLst>
-              <a:ext uri="{FF2B5EF4-FFF2-40B4-BE49-F238E27FC236}">
-                <a16:creationId xmlns:a16="http://schemas.microsoft.com/office/drawing/2014/main" id="{98040A93-A81D-9371-2DCE-A0784CB5BB84}"/>
-              </a:ext>
-            </a:extLst>
-          </p:cNvPr>
-          <p:cNvCxnSpPr/>
-          <p:nvPr/>
-        </p:nvCxnSpPr>
-        <p:spPr>
-          <a:xfrm>
-            <a:off x="6008147" y="944680"/>
-            <a:ext cx="0" cy="570084"/>
-          </a:xfrm>
-          <a:prstGeom prst="line">
-            <a:avLst/>
-          </a:prstGeom>
-        </p:spPr>
-        <p:style>
-          <a:lnRef idx="1">
-            <a:schemeClr val="accent1"/>
-          </a:lnRef>
-          <a:fillRef idx="0">
-            <a:schemeClr val="accent1"/>
-          </a:fillRef>
-          <a:effectRef idx="0">
-            <a:schemeClr val="accent1"/>
-          </a:effectRef>
-          <a:fontRef idx="minor">
-            <a:schemeClr val="tx1"/>
-          </a:fontRef>
-        </p:style>
-      </p:cxnSp>
-      <p:cxnSp>
-        <p:nvCxnSpPr>
-          <p:cNvPr id="31" name="Straight Arrow Connector 30">
-            <a:extLst>
-              <a:ext uri="{FF2B5EF4-FFF2-40B4-BE49-F238E27FC236}">
-                <a16:creationId xmlns:a16="http://schemas.microsoft.com/office/drawing/2014/main" id="{123C63F1-8967-DB04-9FCD-046978093624}"/>
-              </a:ext>
-            </a:extLst>
-          </p:cNvPr>
-          <p:cNvCxnSpPr/>
-          <p:nvPr/>
-        </p:nvCxnSpPr>
-        <p:spPr>
-          <a:xfrm flipH="1">
-            <a:off x="5550418" y="1514764"/>
-            <a:ext cx="457729" cy="0"/>
-          </a:xfrm>
-          <a:prstGeom prst="straightConnector1">
-            <a:avLst/>
-          </a:prstGeom>
-          <a:ln>
-            <a:tailEnd type="triangle"/>
-          </a:ln>
-        </p:spPr>
-        <p:style>
-          <a:lnRef idx="1">
-            <a:schemeClr val="accent1"/>
-          </a:lnRef>
-          <a:fillRef idx="0">
-            <a:schemeClr val="accent1"/>
-          </a:fillRef>
-          <a:effectRef idx="0">
-            <a:schemeClr val="accent1"/>
-          </a:effectRef>
-          <a:fontRef idx="minor">
-            <a:schemeClr val="tx1"/>
-          </a:fontRef>
-        </p:style>
-      </p:cxnSp>
-      <p:cxnSp>
-        <p:nvCxnSpPr>
           <p:cNvPr id="33" name="Straight Connector 32">
             <a:extLst>
               <a:ext uri="{FF2B5EF4-FFF2-40B4-BE49-F238E27FC236}">
@@ -10018,13 +6796,15 @@
               </a:ext>
             </a:extLst>
           </p:cNvPr>
-          <p:cNvCxnSpPr/>
+          <p:cNvCxnSpPr>
+            <a:cxnSpLocks/>
+          </p:cNvCxnSpPr>
           <p:nvPr/>
         </p:nvCxnSpPr>
         <p:spPr>
           <a:xfrm flipH="1">
-            <a:off x="286327" y="877455"/>
-            <a:ext cx="354716" cy="0"/>
+            <a:off x="1760021" y="770923"/>
+            <a:ext cx="314699" cy="0"/>
           </a:xfrm>
           <a:prstGeom prst="line">
             <a:avLst/>
@@ -10054,13 +6834,15 @@
               </a:ext>
             </a:extLst>
           </p:cNvPr>
-          <p:cNvCxnSpPr/>
+          <p:cNvCxnSpPr>
+            <a:cxnSpLocks/>
+          </p:cNvCxnSpPr>
           <p:nvPr/>
         </p:nvCxnSpPr>
         <p:spPr>
           <a:xfrm>
-            <a:off x="286327" y="877455"/>
-            <a:ext cx="0" cy="3029527"/>
+            <a:off x="1760021" y="770923"/>
+            <a:ext cx="0" cy="3553309"/>
           </a:xfrm>
           <a:prstGeom prst="line">
             <a:avLst/>
@@ -10095,7 +6877,7 @@
         </p:nvCxnSpPr>
         <p:spPr>
           <a:xfrm>
-            <a:off x="286327" y="3906982"/>
+            <a:off x="1760021" y="4324232"/>
             <a:ext cx="392815" cy="0"/>
           </a:xfrm>
           <a:prstGeom prst="straightConnector1">
@@ -10129,128 +6911,17 @@
               </a:ext>
             </a:extLst>
           </p:cNvPr>
-          <p:cNvCxnSpPr/>
+          <p:cNvCxnSpPr>
+            <a:cxnSpLocks/>
+          </p:cNvCxnSpPr>
           <p:nvPr/>
         </p:nvCxnSpPr>
         <p:spPr>
           <a:xfrm flipH="1">
-            <a:off x="2774642" y="4082473"/>
-            <a:ext cx="540576" cy="0"/>
+            <a:off x="3943747" y="4508602"/>
+            <a:ext cx="929354" cy="0"/>
           </a:xfrm>
           <a:prstGeom prst="line">
-            <a:avLst/>
-          </a:prstGeom>
-          <a:ln>
-            <a:tailEnd type="triangle"/>
-          </a:ln>
-        </p:spPr>
-        <p:style>
-          <a:lnRef idx="1">
-            <a:schemeClr val="accent1"/>
-          </a:lnRef>
-          <a:fillRef idx="0">
-            <a:schemeClr val="accent1"/>
-          </a:fillRef>
-          <a:effectRef idx="0">
-            <a:schemeClr val="accent1"/>
-          </a:effectRef>
-          <a:fontRef idx="minor">
-            <a:schemeClr val="tx1"/>
-          </a:fontRef>
-        </p:style>
-      </p:cxnSp>
-      <p:cxnSp>
-        <p:nvCxnSpPr>
-          <p:cNvPr id="41" name="Straight Connector 40">
-            <a:extLst>
-              <a:ext uri="{FF2B5EF4-FFF2-40B4-BE49-F238E27FC236}">
-                <a16:creationId xmlns:a16="http://schemas.microsoft.com/office/drawing/2014/main" id="{CD9258A1-2EEA-92A6-28B3-2DCECF5AD1F6}"/>
-              </a:ext>
-            </a:extLst>
-          </p:cNvPr>
-          <p:cNvCxnSpPr/>
-          <p:nvPr/>
-        </p:nvCxnSpPr>
-        <p:spPr>
-          <a:xfrm>
-            <a:off x="2774642" y="3639127"/>
-            <a:ext cx="199467" cy="0"/>
-          </a:xfrm>
-          <a:prstGeom prst="line">
-            <a:avLst/>
-          </a:prstGeom>
-        </p:spPr>
-        <p:style>
-          <a:lnRef idx="1">
-            <a:schemeClr val="accent1"/>
-          </a:lnRef>
-          <a:fillRef idx="0">
-            <a:schemeClr val="accent1"/>
-          </a:fillRef>
-          <a:effectRef idx="0">
-            <a:schemeClr val="accent1"/>
-          </a:effectRef>
-          <a:fontRef idx="minor">
-            <a:schemeClr val="tx1"/>
-          </a:fontRef>
-        </p:style>
-      </p:cxnSp>
-      <p:cxnSp>
-        <p:nvCxnSpPr>
-          <p:cNvPr id="43" name="Straight Connector 42">
-            <a:extLst>
-              <a:ext uri="{FF2B5EF4-FFF2-40B4-BE49-F238E27FC236}">
-                <a16:creationId xmlns:a16="http://schemas.microsoft.com/office/drawing/2014/main" id="{8A797470-68D5-45D0-7A40-8DCF97726F4F}"/>
-              </a:ext>
-            </a:extLst>
-          </p:cNvPr>
-          <p:cNvCxnSpPr/>
-          <p:nvPr/>
-        </p:nvCxnSpPr>
-        <p:spPr>
-          <a:xfrm>
-            <a:off x="2974109" y="3639127"/>
-            <a:ext cx="0" cy="2318328"/>
-          </a:xfrm>
-          <a:prstGeom prst="line">
-            <a:avLst/>
-          </a:prstGeom>
-        </p:spPr>
-        <p:style>
-          <a:lnRef idx="1">
-            <a:schemeClr val="accent1"/>
-          </a:lnRef>
-          <a:fillRef idx="0">
-            <a:schemeClr val="accent1"/>
-          </a:fillRef>
-          <a:effectRef idx="0">
-            <a:schemeClr val="accent1"/>
-          </a:effectRef>
-          <a:fontRef idx="minor">
-            <a:schemeClr val="tx1"/>
-          </a:fontRef>
-        </p:style>
-      </p:cxnSp>
-      <p:cxnSp>
-        <p:nvCxnSpPr>
-          <p:cNvPr id="45" name="Straight Arrow Connector 44">
-            <a:extLst>
-              <a:ext uri="{FF2B5EF4-FFF2-40B4-BE49-F238E27FC236}">
-                <a16:creationId xmlns:a16="http://schemas.microsoft.com/office/drawing/2014/main" id="{3ADFC7D1-D03C-32BF-1710-FF2BB64817A7}"/>
-              </a:ext>
-            </a:extLst>
-          </p:cNvPr>
-          <p:cNvCxnSpPr>
-            <a:endCxn id="11" idx="1"/>
-          </p:cNvCxnSpPr>
-          <p:nvPr/>
-        </p:nvCxnSpPr>
-        <p:spPr>
-          <a:xfrm>
-            <a:off x="2974109" y="5957455"/>
-            <a:ext cx="341109" cy="62644"/>
-          </a:xfrm>
-          <a:prstGeom prst="straightConnector1">
             <a:avLst/>
           </a:prstGeom>
           <a:ln>
@@ -10286,7 +6957,7 @@
         </p:nvCxnSpPr>
         <p:spPr>
           <a:xfrm flipH="1">
-            <a:off x="3205018" y="944680"/>
+            <a:off x="4678712" y="944680"/>
             <a:ext cx="110200" cy="0"/>
           </a:xfrm>
           <a:prstGeom prst="line">
@@ -10317,13 +6988,15 @@
               </a:ext>
             </a:extLst>
           </p:cNvPr>
-          <p:cNvCxnSpPr/>
+          <p:cNvCxnSpPr>
+            <a:cxnSpLocks/>
+          </p:cNvCxnSpPr>
           <p:nvPr/>
         </p:nvCxnSpPr>
         <p:spPr>
           <a:xfrm>
-            <a:off x="3205018" y="944680"/>
-            <a:ext cx="0" cy="5215975"/>
+            <a:off x="4678712" y="944680"/>
+            <a:ext cx="0" cy="3919835"/>
           </a:xfrm>
           <a:prstGeom prst="line">
             <a:avLst/>
@@ -10353,13 +7026,15 @@
               </a:ext>
             </a:extLst>
           </p:cNvPr>
-          <p:cNvCxnSpPr/>
+          <p:cNvCxnSpPr>
+            <a:cxnSpLocks/>
+          </p:cNvCxnSpPr>
           <p:nvPr/>
         </p:nvCxnSpPr>
         <p:spPr>
-          <a:xfrm>
-            <a:off x="3205018" y="6160655"/>
-            <a:ext cx="110200" cy="0"/>
+          <a:xfrm flipH="1">
+            <a:off x="3924109" y="4864515"/>
+            <a:ext cx="754603" cy="0"/>
           </a:xfrm>
           <a:prstGeom prst="straightConnector1">
             <a:avLst/>
@@ -10383,96 +7058,2003 @@
           </a:fontRef>
         </p:style>
       </p:cxnSp>
-      <p:cxnSp>
-        <p:nvCxnSpPr>
-          <p:cNvPr id="53" name="Straight Connector 52">
+      <p:graphicFrame>
+        <p:nvGraphicFramePr>
+          <p:cNvPr id="5" name="Table 4">
             <a:extLst>
               <a:ext uri="{FF2B5EF4-FFF2-40B4-BE49-F238E27FC236}">
-                <a16:creationId xmlns:a16="http://schemas.microsoft.com/office/drawing/2014/main" id="{02C5225E-6C82-8A05-97C9-5B76E5D5C70F}"/>
+                <a16:creationId xmlns:a16="http://schemas.microsoft.com/office/drawing/2014/main" id="{78529694-931D-8B24-7C9C-85DCAD10DA65}"/>
               </a:ext>
             </a:extLst>
           </p:cNvPr>
-          <p:cNvCxnSpPr/>
+          <p:cNvGraphicFramePr>
+            <a:graphicFrameLocks noGrp="1"/>
+          </p:cNvGraphicFramePr>
+          <p:nvPr>
+            <p:extLst>
+              <p:ext uri="{D42A27DB-BD31-4B8C-83A1-F6EECF244321}">
+                <p14:modId xmlns:p14="http://schemas.microsoft.com/office/powerpoint/2010/main" val="1126156991"/>
+              </p:ext>
+            </p:extLst>
+          </p:nvPr>
+        </p:nvGraphicFramePr>
+        <p:xfrm>
+          <a:off x="2084022" y="282411"/>
+          <a:ext cx="2400301" cy="2667000"/>
+        </p:xfrm>
+        <a:graphic>
+          <a:graphicData uri="http://schemas.openxmlformats.org/drawingml/2006/table">
+            <a:tbl>
+              <a:tblPr>
+                <a:tableStyleId>{5C22544A-7EE6-4342-B048-85BDC9FD1C3A}</a:tableStyleId>
+              </a:tblPr>
+              <a:tblGrid>
+                <a:gridCol w="1204894">
+                  <a:extLst>
+                    <a:ext uri="{9D8B030D-6E8A-4147-A177-3AD203B41FA5}">
+                      <a16:colId xmlns:a16="http://schemas.microsoft.com/office/drawing/2014/main" val="1906428006"/>
+                    </a:ext>
+                  </a:extLst>
+                </a:gridCol>
+                <a:gridCol w="635653">
+                  <a:extLst>
+                    <a:ext uri="{9D8B030D-6E8A-4147-A177-3AD203B41FA5}">
+                      <a16:colId xmlns:a16="http://schemas.microsoft.com/office/drawing/2014/main" val="1990284536"/>
+                    </a:ext>
+                  </a:extLst>
+                </a:gridCol>
+                <a:gridCol w="559754">
+                  <a:extLst>
+                    <a:ext uri="{9D8B030D-6E8A-4147-A177-3AD203B41FA5}">
+                      <a16:colId xmlns:a16="http://schemas.microsoft.com/office/drawing/2014/main" val="3197117472"/>
+                    </a:ext>
+                  </a:extLst>
+                </a:gridCol>
+              </a:tblGrid>
+              <a:tr h="190500">
+                <a:tc>
+                  <a:txBody>
+                    <a:bodyPr/>
+                    <a:lstStyle/>
+                    <a:p>
+                      <a:pPr algn="l" fontAlgn="b"/>
+                      <a:r>
+                        <a:rPr lang="en-US" sz="1000" u="none" strike="noStrike">
+                          <a:effectLst/>
+                        </a:rPr>
+                        <a:t>Customers</a:t>
+                      </a:r>
+                      <a:endParaRPr lang="en-US" sz="1000" b="0" i="0" u="none" strike="noStrike">
+                        <a:solidFill>
+                          <a:srgbClr val="000000"/>
+                        </a:solidFill>
+                        <a:effectLst/>
+                        <a:latin typeface="Calibri" panose="020F0502020204030204" pitchFamily="34" charset="0"/>
+                      </a:endParaRPr>
+                    </a:p>
+                  </a:txBody>
+                  <a:tcPr marL="9525" marR="9525" marT="9525" marB="0" anchor="b"/>
+                </a:tc>
+                <a:tc>
+                  <a:txBody>
+                    <a:bodyPr/>
+                    <a:lstStyle/>
+                    <a:p>
+                      <a:pPr algn="l" fontAlgn="b"/>
+                      <a:endParaRPr lang="en-US" sz="800" b="0" i="0" u="none" strike="noStrike">
+                        <a:solidFill>
+                          <a:srgbClr val="000000"/>
+                        </a:solidFill>
+                        <a:effectLst/>
+                        <a:latin typeface="Calibri" panose="020F0502020204030204" pitchFamily="34" charset="0"/>
+                      </a:endParaRPr>
+                    </a:p>
+                  </a:txBody>
+                  <a:tcPr marL="9525" marR="9525" marT="9525" marB="0" anchor="b"/>
+                </a:tc>
+                <a:tc>
+                  <a:txBody>
+                    <a:bodyPr/>
+                    <a:lstStyle/>
+                    <a:p>
+                      <a:pPr algn="l" fontAlgn="b"/>
+                      <a:endParaRPr lang="en-US" sz="800" b="0" i="0" u="none" strike="noStrike">
+                        <a:solidFill>
+                          <a:srgbClr val="000000"/>
+                        </a:solidFill>
+                        <a:effectLst/>
+                        <a:latin typeface="Calibri" panose="020F0502020204030204" pitchFamily="34" charset="0"/>
+                      </a:endParaRPr>
+                    </a:p>
+                  </a:txBody>
+                  <a:tcPr marL="9525" marR="9525" marT="9525" marB="0" anchor="b"/>
+                </a:tc>
+                <a:extLst>
+                  <a:ext uri="{0D108BD9-81ED-4DB2-BD59-A6C34878D82A}">
+                    <a16:rowId xmlns:a16="http://schemas.microsoft.com/office/drawing/2014/main" val="3665769372"/>
+                  </a:ext>
+                </a:extLst>
+              </a:tr>
+              <a:tr h="190500">
+                <a:tc>
+                  <a:txBody>
+                    <a:bodyPr/>
+                    <a:lstStyle/>
+                    <a:p>
+                      <a:pPr algn="l" fontAlgn="b"/>
+                      <a:r>
+                        <a:rPr lang="en-US" sz="800" u="none" strike="noStrike">
+                          <a:effectLst/>
+                        </a:rPr>
+                        <a:t>Column Name</a:t>
+                      </a:r>
+                      <a:endParaRPr lang="en-US" sz="800" b="1" i="0" u="none" strike="noStrike">
+                        <a:solidFill>
+                          <a:srgbClr val="000000"/>
+                        </a:solidFill>
+                        <a:effectLst/>
+                        <a:latin typeface="Calibri" panose="020F0502020204030204" pitchFamily="34" charset="0"/>
+                      </a:endParaRPr>
+                    </a:p>
+                  </a:txBody>
+                  <a:tcPr marL="9525" marR="9525" marT="9525" marB="0" anchor="b"/>
+                </a:tc>
+                <a:tc>
+                  <a:txBody>
+                    <a:bodyPr/>
+                    <a:lstStyle/>
+                    <a:p>
+                      <a:pPr algn="l" fontAlgn="b"/>
+                      <a:r>
+                        <a:rPr lang="en-US" sz="800" u="none" strike="noStrike">
+                          <a:effectLst/>
+                        </a:rPr>
+                        <a:t>Data Type</a:t>
+                      </a:r>
+                      <a:endParaRPr lang="en-US" sz="800" b="1" i="0" u="none" strike="noStrike">
+                        <a:solidFill>
+                          <a:srgbClr val="000000"/>
+                        </a:solidFill>
+                        <a:effectLst/>
+                        <a:latin typeface="Calibri" panose="020F0502020204030204" pitchFamily="34" charset="0"/>
+                      </a:endParaRPr>
+                    </a:p>
+                  </a:txBody>
+                  <a:tcPr marL="9525" marR="9525" marT="9525" marB="0" anchor="b"/>
+                </a:tc>
+                <a:tc>
+                  <a:txBody>
+                    <a:bodyPr/>
+                    <a:lstStyle/>
+                    <a:p>
+                      <a:pPr algn="l" fontAlgn="b"/>
+                      <a:r>
+                        <a:rPr lang="en-US" sz="800" u="none" strike="noStrike">
+                          <a:effectLst/>
+                        </a:rPr>
+                        <a:t>Allow Nulls</a:t>
+                      </a:r>
+                      <a:endParaRPr lang="en-US" sz="800" b="1" i="0" u="none" strike="noStrike">
+                        <a:solidFill>
+                          <a:srgbClr val="000000"/>
+                        </a:solidFill>
+                        <a:effectLst/>
+                        <a:latin typeface="Calibri" panose="020F0502020204030204" pitchFamily="34" charset="0"/>
+                      </a:endParaRPr>
+                    </a:p>
+                  </a:txBody>
+                  <a:tcPr marL="9525" marR="9525" marT="9525" marB="0" anchor="b"/>
+                </a:tc>
+                <a:extLst>
+                  <a:ext uri="{0D108BD9-81ED-4DB2-BD59-A6C34878D82A}">
+                    <a16:rowId xmlns:a16="http://schemas.microsoft.com/office/drawing/2014/main" val="3458386947"/>
+                  </a:ext>
+                </a:extLst>
+              </a:tr>
+              <a:tr h="190500">
+                <a:tc>
+                  <a:txBody>
+                    <a:bodyPr/>
+                    <a:lstStyle/>
+                    <a:p>
+                      <a:pPr algn="l" fontAlgn="b"/>
+                      <a:r>
+                        <a:rPr lang="en-US" sz="800" u="none" strike="noStrike" dirty="0" err="1">
+                          <a:effectLst/>
+                          <a:highlight>
+                            <a:srgbClr val="FFFF00"/>
+                          </a:highlight>
+                        </a:rPr>
+                        <a:t>CustomerID</a:t>
+                      </a:r>
+                      <a:endParaRPr lang="en-US" sz="800" b="0" i="0" u="none" strike="noStrike" dirty="0">
+                        <a:solidFill>
+                          <a:srgbClr val="000000"/>
+                        </a:solidFill>
+                        <a:effectLst/>
+                        <a:highlight>
+                          <a:srgbClr val="FFFF00"/>
+                        </a:highlight>
+                        <a:latin typeface="Calibri" panose="020F0502020204030204" pitchFamily="34" charset="0"/>
+                      </a:endParaRPr>
+                    </a:p>
+                  </a:txBody>
+                  <a:tcPr marL="9525" marR="9525" marT="9525" marB="0" anchor="b"/>
+                </a:tc>
+                <a:tc>
+                  <a:txBody>
+                    <a:bodyPr/>
+                    <a:lstStyle/>
+                    <a:p>
+                      <a:pPr algn="l" fontAlgn="b"/>
+                      <a:r>
+                        <a:rPr lang="en-US" sz="800" u="none" strike="noStrike">
+                          <a:effectLst/>
+                        </a:rPr>
+                        <a:t>int</a:t>
+                      </a:r>
+                      <a:endParaRPr lang="en-US" sz="800" b="0" i="0" u="none" strike="noStrike">
+                        <a:solidFill>
+                          <a:srgbClr val="000000"/>
+                        </a:solidFill>
+                        <a:effectLst/>
+                        <a:latin typeface="Calibri" panose="020F0502020204030204" pitchFamily="34" charset="0"/>
+                      </a:endParaRPr>
+                    </a:p>
+                  </a:txBody>
+                  <a:tcPr marL="9525" marR="9525" marT="9525" marB="0" anchor="b"/>
+                </a:tc>
+                <a:tc>
+                  <a:txBody>
+                    <a:bodyPr/>
+                    <a:lstStyle/>
+                    <a:p>
+                      <a:pPr algn="l" fontAlgn="b"/>
+                      <a:endParaRPr lang="en-US" sz="800" b="0" i="0" u="none" strike="noStrike">
+                        <a:solidFill>
+                          <a:srgbClr val="000000"/>
+                        </a:solidFill>
+                        <a:effectLst/>
+                        <a:latin typeface="Calibri" panose="020F0502020204030204" pitchFamily="34" charset="0"/>
+                      </a:endParaRPr>
+                    </a:p>
+                  </a:txBody>
+                  <a:tcPr marL="9525" marR="9525" marT="9525" marB="0" anchor="b"/>
+                </a:tc>
+                <a:extLst>
+                  <a:ext uri="{0D108BD9-81ED-4DB2-BD59-A6C34878D82A}">
+                    <a16:rowId xmlns:a16="http://schemas.microsoft.com/office/drawing/2014/main" val="4261342"/>
+                  </a:ext>
+                </a:extLst>
+              </a:tr>
+              <a:tr h="190500">
+                <a:tc>
+                  <a:txBody>
+                    <a:bodyPr/>
+                    <a:lstStyle/>
+                    <a:p>
+                      <a:pPr algn="l" fontAlgn="b"/>
+                      <a:r>
+                        <a:rPr lang="en-US" sz="800" u="none" strike="noStrike">
+                          <a:effectLst/>
+                        </a:rPr>
+                        <a:t>CustomerCompanyName</a:t>
+                      </a:r>
+                      <a:endParaRPr lang="en-US" sz="800" b="0" i="0" u="none" strike="noStrike">
+                        <a:solidFill>
+                          <a:srgbClr val="000000"/>
+                        </a:solidFill>
+                        <a:effectLst/>
+                        <a:latin typeface="Calibri" panose="020F0502020204030204" pitchFamily="34" charset="0"/>
+                      </a:endParaRPr>
+                    </a:p>
+                  </a:txBody>
+                  <a:tcPr marL="9525" marR="9525" marT="9525" marB="0" anchor="b"/>
+                </a:tc>
+                <a:tc gridSpan="2">
+                  <a:txBody>
+                    <a:bodyPr/>
+                    <a:lstStyle/>
+                    <a:p>
+                      <a:pPr algn="l" fontAlgn="b"/>
+                      <a:r>
+                        <a:rPr lang="en-US" sz="800" u="none" strike="noStrike">
+                          <a:effectLst/>
+                        </a:rPr>
+                        <a:t>nvarchar(50)</a:t>
+                      </a:r>
+                      <a:endParaRPr lang="en-US" sz="800" b="0" i="0" u="none" strike="noStrike">
+                        <a:solidFill>
+                          <a:srgbClr val="000000"/>
+                        </a:solidFill>
+                        <a:effectLst/>
+                        <a:latin typeface="Calibri" panose="020F0502020204030204" pitchFamily="34" charset="0"/>
+                      </a:endParaRPr>
+                    </a:p>
+                  </a:txBody>
+                  <a:tcPr marL="9525" marR="9525" marT="9525" marB="0" anchor="b"/>
+                </a:tc>
+                <a:tc hMerge="1">
+                  <a:txBody>
+                    <a:bodyPr/>
+                    <a:lstStyle/>
+                    <a:p>
+                      <a:endParaRPr lang="en-US"/>
+                    </a:p>
+                  </a:txBody>
+                  <a:tcPr/>
+                </a:tc>
+                <a:extLst>
+                  <a:ext uri="{0D108BD9-81ED-4DB2-BD59-A6C34878D82A}">
+                    <a16:rowId xmlns:a16="http://schemas.microsoft.com/office/drawing/2014/main" val="1898740378"/>
+                  </a:ext>
+                </a:extLst>
+              </a:tr>
+              <a:tr h="190500">
+                <a:tc>
+                  <a:txBody>
+                    <a:bodyPr/>
+                    <a:lstStyle/>
+                    <a:p>
+                      <a:pPr algn="l" fontAlgn="b"/>
+                      <a:r>
+                        <a:rPr lang="en-US" sz="800" u="none" strike="noStrike">
+                          <a:effectLst/>
+                        </a:rPr>
+                        <a:t>CustomerFirstName</a:t>
+                      </a:r>
+                      <a:endParaRPr lang="en-US" sz="800" b="0" i="0" u="none" strike="noStrike">
+                        <a:solidFill>
+                          <a:srgbClr val="000000"/>
+                        </a:solidFill>
+                        <a:effectLst/>
+                        <a:latin typeface="Calibri" panose="020F0502020204030204" pitchFamily="34" charset="0"/>
+                      </a:endParaRPr>
+                    </a:p>
+                  </a:txBody>
+                  <a:tcPr marL="9525" marR="9525" marT="9525" marB="0" anchor="b"/>
+                </a:tc>
+                <a:tc>
+                  <a:txBody>
+                    <a:bodyPr/>
+                    <a:lstStyle/>
+                    <a:p>
+                      <a:pPr algn="l" fontAlgn="b"/>
+                      <a:r>
+                        <a:rPr lang="en-US" sz="800" u="none" strike="noStrike">
+                          <a:effectLst/>
+                        </a:rPr>
+                        <a:t>nvarchar(25)</a:t>
+                      </a:r>
+                      <a:endParaRPr lang="en-US" sz="800" b="0" i="0" u="none" strike="noStrike">
+                        <a:solidFill>
+                          <a:srgbClr val="000000"/>
+                        </a:solidFill>
+                        <a:effectLst/>
+                        <a:latin typeface="Calibri" panose="020F0502020204030204" pitchFamily="34" charset="0"/>
+                      </a:endParaRPr>
+                    </a:p>
+                  </a:txBody>
+                  <a:tcPr marL="9525" marR="9525" marT="9525" marB="0" anchor="b"/>
+                </a:tc>
+                <a:tc>
+                  <a:txBody>
+                    <a:bodyPr/>
+                    <a:lstStyle/>
+                    <a:p>
+                      <a:pPr algn="l" fontAlgn="b"/>
+                      <a:r>
+                        <a:rPr lang="en-US" sz="800" u="none" strike="noStrike">
+                          <a:effectLst/>
+                        </a:rPr>
+                        <a:t>x</a:t>
+                      </a:r>
+                      <a:endParaRPr lang="en-US" sz="800" b="0" i="0" u="none" strike="noStrike">
+                        <a:solidFill>
+                          <a:srgbClr val="000000"/>
+                        </a:solidFill>
+                        <a:effectLst/>
+                        <a:latin typeface="Calibri" panose="020F0502020204030204" pitchFamily="34" charset="0"/>
+                      </a:endParaRPr>
+                    </a:p>
+                  </a:txBody>
+                  <a:tcPr marL="9525" marR="9525" marT="9525" marB="0" anchor="b"/>
+                </a:tc>
+                <a:extLst>
+                  <a:ext uri="{0D108BD9-81ED-4DB2-BD59-A6C34878D82A}">
+                    <a16:rowId xmlns:a16="http://schemas.microsoft.com/office/drawing/2014/main" val="2210943905"/>
+                  </a:ext>
+                </a:extLst>
+              </a:tr>
+              <a:tr h="190500">
+                <a:tc>
+                  <a:txBody>
+                    <a:bodyPr/>
+                    <a:lstStyle/>
+                    <a:p>
+                      <a:pPr algn="l" fontAlgn="b"/>
+                      <a:r>
+                        <a:rPr lang="en-US" sz="800" u="none" strike="noStrike">
+                          <a:effectLst/>
+                        </a:rPr>
+                        <a:t>CustomerLastName</a:t>
+                      </a:r>
+                      <a:endParaRPr lang="en-US" sz="800" b="0" i="0" u="none" strike="noStrike">
+                        <a:solidFill>
+                          <a:srgbClr val="000000"/>
+                        </a:solidFill>
+                        <a:effectLst/>
+                        <a:latin typeface="Calibri" panose="020F0502020204030204" pitchFamily="34" charset="0"/>
+                      </a:endParaRPr>
+                    </a:p>
+                  </a:txBody>
+                  <a:tcPr marL="9525" marR="9525" marT="9525" marB="0" anchor="b"/>
+                </a:tc>
+                <a:tc>
+                  <a:txBody>
+                    <a:bodyPr/>
+                    <a:lstStyle/>
+                    <a:p>
+                      <a:pPr algn="l" fontAlgn="b"/>
+                      <a:r>
+                        <a:rPr lang="en-US" sz="800" u="none" strike="noStrike">
+                          <a:effectLst/>
+                        </a:rPr>
+                        <a:t>nvarchar(25)</a:t>
+                      </a:r>
+                      <a:endParaRPr lang="en-US" sz="800" b="0" i="0" u="none" strike="noStrike">
+                        <a:solidFill>
+                          <a:srgbClr val="000000"/>
+                        </a:solidFill>
+                        <a:effectLst/>
+                        <a:latin typeface="Calibri" panose="020F0502020204030204" pitchFamily="34" charset="0"/>
+                      </a:endParaRPr>
+                    </a:p>
+                  </a:txBody>
+                  <a:tcPr marL="9525" marR="9525" marT="9525" marB="0" anchor="b"/>
+                </a:tc>
+                <a:tc>
+                  <a:txBody>
+                    <a:bodyPr/>
+                    <a:lstStyle/>
+                    <a:p>
+                      <a:pPr algn="l" fontAlgn="b"/>
+                      <a:r>
+                        <a:rPr lang="en-US" sz="800" u="none" strike="noStrike">
+                          <a:effectLst/>
+                        </a:rPr>
+                        <a:t>x</a:t>
+                      </a:r>
+                      <a:endParaRPr lang="en-US" sz="800" b="0" i="0" u="none" strike="noStrike">
+                        <a:solidFill>
+                          <a:srgbClr val="000000"/>
+                        </a:solidFill>
+                        <a:effectLst/>
+                        <a:latin typeface="Calibri" panose="020F0502020204030204" pitchFamily="34" charset="0"/>
+                      </a:endParaRPr>
+                    </a:p>
+                  </a:txBody>
+                  <a:tcPr marL="9525" marR="9525" marT="9525" marB="0" anchor="b"/>
+                </a:tc>
+                <a:extLst>
+                  <a:ext uri="{0D108BD9-81ED-4DB2-BD59-A6C34878D82A}">
+                    <a16:rowId xmlns:a16="http://schemas.microsoft.com/office/drawing/2014/main" val="3035301274"/>
+                  </a:ext>
+                </a:extLst>
+              </a:tr>
+              <a:tr h="190500">
+                <a:tc>
+                  <a:txBody>
+                    <a:bodyPr/>
+                    <a:lstStyle/>
+                    <a:p>
+                      <a:pPr algn="l" fontAlgn="b"/>
+                      <a:r>
+                        <a:rPr lang="en-US" sz="800" u="none" strike="noStrike">
+                          <a:effectLst/>
+                        </a:rPr>
+                        <a:t>CustomerAddress</a:t>
+                      </a:r>
+                      <a:endParaRPr lang="en-US" sz="800" b="0" i="0" u="none" strike="noStrike">
+                        <a:solidFill>
+                          <a:srgbClr val="000000"/>
+                        </a:solidFill>
+                        <a:effectLst/>
+                        <a:latin typeface="Calibri" panose="020F0502020204030204" pitchFamily="34" charset="0"/>
+                      </a:endParaRPr>
+                    </a:p>
+                  </a:txBody>
+                  <a:tcPr marL="9525" marR="9525" marT="9525" marB="0" anchor="b"/>
+                </a:tc>
+                <a:tc>
+                  <a:txBody>
+                    <a:bodyPr/>
+                    <a:lstStyle/>
+                    <a:p>
+                      <a:pPr algn="l" fontAlgn="b"/>
+                      <a:r>
+                        <a:rPr lang="en-US" sz="800" u="none" strike="noStrike">
+                          <a:effectLst/>
+                        </a:rPr>
+                        <a:t>nvarchar(40)</a:t>
+                      </a:r>
+                      <a:endParaRPr lang="en-US" sz="800" b="0" i="0" u="none" strike="noStrike">
+                        <a:solidFill>
+                          <a:srgbClr val="000000"/>
+                        </a:solidFill>
+                        <a:effectLst/>
+                        <a:latin typeface="Calibri" panose="020F0502020204030204" pitchFamily="34" charset="0"/>
+                      </a:endParaRPr>
+                    </a:p>
+                  </a:txBody>
+                  <a:tcPr marL="9525" marR="9525" marT="9525" marB="0" anchor="b"/>
+                </a:tc>
+                <a:tc>
+                  <a:txBody>
+                    <a:bodyPr/>
+                    <a:lstStyle/>
+                    <a:p>
+                      <a:pPr algn="l" fontAlgn="b"/>
+                      <a:r>
+                        <a:rPr lang="en-US" sz="800" u="none" strike="noStrike">
+                          <a:effectLst/>
+                        </a:rPr>
+                        <a:t>x</a:t>
+                      </a:r>
+                      <a:endParaRPr lang="en-US" sz="800" b="0" i="0" u="none" strike="noStrike">
+                        <a:solidFill>
+                          <a:srgbClr val="000000"/>
+                        </a:solidFill>
+                        <a:effectLst/>
+                        <a:latin typeface="Calibri" panose="020F0502020204030204" pitchFamily="34" charset="0"/>
+                      </a:endParaRPr>
+                    </a:p>
+                  </a:txBody>
+                  <a:tcPr marL="9525" marR="9525" marT="9525" marB="0" anchor="b"/>
+                </a:tc>
+                <a:extLst>
+                  <a:ext uri="{0D108BD9-81ED-4DB2-BD59-A6C34878D82A}">
+                    <a16:rowId xmlns:a16="http://schemas.microsoft.com/office/drawing/2014/main" val="324618383"/>
+                  </a:ext>
+                </a:extLst>
+              </a:tr>
+              <a:tr h="190500">
+                <a:tc>
+                  <a:txBody>
+                    <a:bodyPr/>
+                    <a:lstStyle/>
+                    <a:p>
+                      <a:pPr algn="l" fontAlgn="b"/>
+                      <a:r>
+                        <a:rPr lang="en-US" sz="800" u="none" strike="noStrike">
+                          <a:effectLst/>
+                        </a:rPr>
+                        <a:t>CustomerCity</a:t>
+                      </a:r>
+                      <a:endParaRPr lang="en-US" sz="800" b="0" i="0" u="none" strike="noStrike">
+                        <a:solidFill>
+                          <a:srgbClr val="000000"/>
+                        </a:solidFill>
+                        <a:effectLst/>
+                        <a:latin typeface="Calibri" panose="020F0502020204030204" pitchFamily="34" charset="0"/>
+                      </a:endParaRPr>
+                    </a:p>
+                  </a:txBody>
+                  <a:tcPr marL="9525" marR="9525" marT="9525" marB="0" anchor="b"/>
+                </a:tc>
+                <a:tc>
+                  <a:txBody>
+                    <a:bodyPr/>
+                    <a:lstStyle/>
+                    <a:p>
+                      <a:pPr algn="l" fontAlgn="b"/>
+                      <a:r>
+                        <a:rPr lang="en-US" sz="800" u="none" strike="noStrike">
+                          <a:effectLst/>
+                        </a:rPr>
+                        <a:t>nvarchar(40)</a:t>
+                      </a:r>
+                      <a:endParaRPr lang="en-US" sz="800" b="0" i="0" u="none" strike="noStrike">
+                        <a:solidFill>
+                          <a:srgbClr val="000000"/>
+                        </a:solidFill>
+                        <a:effectLst/>
+                        <a:latin typeface="Calibri" panose="020F0502020204030204" pitchFamily="34" charset="0"/>
+                      </a:endParaRPr>
+                    </a:p>
+                  </a:txBody>
+                  <a:tcPr marL="9525" marR="9525" marT="9525" marB="0" anchor="b"/>
+                </a:tc>
+                <a:tc>
+                  <a:txBody>
+                    <a:bodyPr/>
+                    <a:lstStyle/>
+                    <a:p>
+                      <a:pPr algn="l" fontAlgn="b"/>
+                      <a:r>
+                        <a:rPr lang="en-US" sz="800" u="none" strike="noStrike">
+                          <a:effectLst/>
+                        </a:rPr>
+                        <a:t>x</a:t>
+                      </a:r>
+                      <a:endParaRPr lang="en-US" sz="800" b="0" i="0" u="none" strike="noStrike">
+                        <a:solidFill>
+                          <a:srgbClr val="000000"/>
+                        </a:solidFill>
+                        <a:effectLst/>
+                        <a:latin typeface="Calibri" panose="020F0502020204030204" pitchFamily="34" charset="0"/>
+                      </a:endParaRPr>
+                    </a:p>
+                  </a:txBody>
+                  <a:tcPr marL="9525" marR="9525" marT="9525" marB="0" anchor="b"/>
+                </a:tc>
+                <a:extLst>
+                  <a:ext uri="{0D108BD9-81ED-4DB2-BD59-A6C34878D82A}">
+                    <a16:rowId xmlns:a16="http://schemas.microsoft.com/office/drawing/2014/main" val="1931658773"/>
+                  </a:ext>
+                </a:extLst>
+              </a:tr>
+              <a:tr h="190500">
+                <a:tc>
+                  <a:txBody>
+                    <a:bodyPr/>
+                    <a:lstStyle/>
+                    <a:p>
+                      <a:pPr algn="l" fontAlgn="b"/>
+                      <a:r>
+                        <a:rPr lang="en-US" sz="800" u="none" strike="noStrike">
+                          <a:effectLst/>
+                        </a:rPr>
+                        <a:t>CustomerState</a:t>
+                      </a:r>
+                      <a:endParaRPr lang="en-US" sz="800" b="0" i="0" u="none" strike="noStrike">
+                        <a:solidFill>
+                          <a:srgbClr val="000000"/>
+                        </a:solidFill>
+                        <a:effectLst/>
+                        <a:latin typeface="Calibri" panose="020F0502020204030204" pitchFamily="34" charset="0"/>
+                      </a:endParaRPr>
+                    </a:p>
+                  </a:txBody>
+                  <a:tcPr marL="9525" marR="9525" marT="9525" marB="0" anchor="b"/>
+                </a:tc>
+                <a:tc>
+                  <a:txBody>
+                    <a:bodyPr/>
+                    <a:lstStyle/>
+                    <a:p>
+                      <a:pPr algn="l" fontAlgn="b"/>
+                      <a:r>
+                        <a:rPr lang="en-US" sz="800" u="none" strike="noStrike">
+                          <a:effectLst/>
+                        </a:rPr>
+                        <a:t>nvarchar(2)</a:t>
+                      </a:r>
+                      <a:endParaRPr lang="en-US" sz="800" b="0" i="0" u="none" strike="noStrike">
+                        <a:solidFill>
+                          <a:srgbClr val="000000"/>
+                        </a:solidFill>
+                        <a:effectLst/>
+                        <a:latin typeface="Calibri" panose="020F0502020204030204" pitchFamily="34" charset="0"/>
+                      </a:endParaRPr>
+                    </a:p>
+                  </a:txBody>
+                  <a:tcPr marL="9525" marR="9525" marT="9525" marB="0" anchor="b"/>
+                </a:tc>
+                <a:tc>
+                  <a:txBody>
+                    <a:bodyPr/>
+                    <a:lstStyle/>
+                    <a:p>
+                      <a:pPr algn="l" fontAlgn="b"/>
+                      <a:r>
+                        <a:rPr lang="en-US" sz="800" u="none" strike="noStrike">
+                          <a:effectLst/>
+                        </a:rPr>
+                        <a:t>x</a:t>
+                      </a:r>
+                      <a:endParaRPr lang="en-US" sz="800" b="0" i="0" u="none" strike="noStrike">
+                        <a:solidFill>
+                          <a:srgbClr val="000000"/>
+                        </a:solidFill>
+                        <a:effectLst/>
+                        <a:latin typeface="Calibri" panose="020F0502020204030204" pitchFamily="34" charset="0"/>
+                      </a:endParaRPr>
+                    </a:p>
+                  </a:txBody>
+                  <a:tcPr marL="9525" marR="9525" marT="9525" marB="0" anchor="b"/>
+                </a:tc>
+                <a:extLst>
+                  <a:ext uri="{0D108BD9-81ED-4DB2-BD59-A6C34878D82A}">
+                    <a16:rowId xmlns:a16="http://schemas.microsoft.com/office/drawing/2014/main" val="831319985"/>
+                  </a:ext>
+                </a:extLst>
+              </a:tr>
+              <a:tr h="190500">
+                <a:tc>
+                  <a:txBody>
+                    <a:bodyPr/>
+                    <a:lstStyle/>
+                    <a:p>
+                      <a:pPr algn="l" fontAlgn="b"/>
+                      <a:r>
+                        <a:rPr lang="en-US" sz="800" u="none" strike="noStrike">
+                          <a:effectLst/>
+                        </a:rPr>
+                        <a:t>CustomerZip</a:t>
+                      </a:r>
+                      <a:endParaRPr lang="en-US" sz="800" b="0" i="0" u="none" strike="noStrike">
+                        <a:solidFill>
+                          <a:srgbClr val="000000"/>
+                        </a:solidFill>
+                        <a:effectLst/>
+                        <a:latin typeface="Calibri" panose="020F0502020204030204" pitchFamily="34" charset="0"/>
+                      </a:endParaRPr>
+                    </a:p>
+                  </a:txBody>
+                  <a:tcPr marL="9525" marR="9525" marT="9525" marB="0" anchor="b"/>
+                </a:tc>
+                <a:tc>
+                  <a:txBody>
+                    <a:bodyPr/>
+                    <a:lstStyle/>
+                    <a:p>
+                      <a:pPr algn="l" fontAlgn="b"/>
+                      <a:r>
+                        <a:rPr lang="en-US" sz="800" u="none" strike="noStrike">
+                          <a:effectLst/>
+                        </a:rPr>
+                        <a:t>nvarchar(10)</a:t>
+                      </a:r>
+                      <a:endParaRPr lang="en-US" sz="800" b="0" i="0" u="none" strike="noStrike">
+                        <a:solidFill>
+                          <a:srgbClr val="000000"/>
+                        </a:solidFill>
+                        <a:effectLst/>
+                        <a:latin typeface="Calibri" panose="020F0502020204030204" pitchFamily="34" charset="0"/>
+                      </a:endParaRPr>
+                    </a:p>
+                  </a:txBody>
+                  <a:tcPr marL="9525" marR="9525" marT="9525" marB="0" anchor="b"/>
+                </a:tc>
+                <a:tc>
+                  <a:txBody>
+                    <a:bodyPr/>
+                    <a:lstStyle/>
+                    <a:p>
+                      <a:pPr algn="l" fontAlgn="b"/>
+                      <a:r>
+                        <a:rPr lang="en-US" sz="800" u="none" strike="noStrike">
+                          <a:effectLst/>
+                        </a:rPr>
+                        <a:t>x</a:t>
+                      </a:r>
+                      <a:endParaRPr lang="en-US" sz="800" b="0" i="0" u="none" strike="noStrike">
+                        <a:solidFill>
+                          <a:srgbClr val="000000"/>
+                        </a:solidFill>
+                        <a:effectLst/>
+                        <a:latin typeface="Calibri" panose="020F0502020204030204" pitchFamily="34" charset="0"/>
+                      </a:endParaRPr>
+                    </a:p>
+                  </a:txBody>
+                  <a:tcPr marL="9525" marR="9525" marT="9525" marB="0" anchor="b"/>
+                </a:tc>
+                <a:extLst>
+                  <a:ext uri="{0D108BD9-81ED-4DB2-BD59-A6C34878D82A}">
+                    <a16:rowId xmlns:a16="http://schemas.microsoft.com/office/drawing/2014/main" val="3851411707"/>
+                  </a:ext>
+                </a:extLst>
+              </a:tr>
+              <a:tr h="190500">
+                <a:tc>
+                  <a:txBody>
+                    <a:bodyPr/>
+                    <a:lstStyle/>
+                    <a:p>
+                      <a:pPr algn="l" fontAlgn="b"/>
+                      <a:r>
+                        <a:rPr lang="en-US" sz="800" u="none" strike="noStrike">
+                          <a:effectLst/>
+                        </a:rPr>
+                        <a:t>CustomerCountry</a:t>
+                      </a:r>
+                      <a:endParaRPr lang="en-US" sz="800" b="0" i="0" u="none" strike="noStrike">
+                        <a:solidFill>
+                          <a:srgbClr val="000000"/>
+                        </a:solidFill>
+                        <a:effectLst/>
+                        <a:latin typeface="Calibri" panose="020F0502020204030204" pitchFamily="34" charset="0"/>
+                      </a:endParaRPr>
+                    </a:p>
+                  </a:txBody>
+                  <a:tcPr marL="9525" marR="9525" marT="9525" marB="0" anchor="b"/>
+                </a:tc>
+                <a:tc>
+                  <a:txBody>
+                    <a:bodyPr/>
+                    <a:lstStyle/>
+                    <a:p>
+                      <a:pPr algn="l" fontAlgn="b"/>
+                      <a:r>
+                        <a:rPr lang="en-US" sz="800" u="none" strike="noStrike">
+                          <a:effectLst/>
+                        </a:rPr>
+                        <a:t>nvarchar(40)</a:t>
+                      </a:r>
+                      <a:endParaRPr lang="en-US" sz="800" b="0" i="0" u="none" strike="noStrike">
+                        <a:solidFill>
+                          <a:srgbClr val="000000"/>
+                        </a:solidFill>
+                        <a:effectLst/>
+                        <a:latin typeface="Calibri" panose="020F0502020204030204" pitchFamily="34" charset="0"/>
+                      </a:endParaRPr>
+                    </a:p>
+                  </a:txBody>
+                  <a:tcPr marL="9525" marR="9525" marT="9525" marB="0" anchor="b"/>
+                </a:tc>
+                <a:tc>
+                  <a:txBody>
+                    <a:bodyPr/>
+                    <a:lstStyle/>
+                    <a:p>
+                      <a:pPr algn="l" fontAlgn="b"/>
+                      <a:r>
+                        <a:rPr lang="en-US" sz="800" u="none" strike="noStrike">
+                          <a:effectLst/>
+                        </a:rPr>
+                        <a:t>x</a:t>
+                      </a:r>
+                      <a:endParaRPr lang="en-US" sz="800" b="0" i="0" u="none" strike="noStrike">
+                        <a:solidFill>
+                          <a:srgbClr val="000000"/>
+                        </a:solidFill>
+                        <a:effectLst/>
+                        <a:latin typeface="Calibri" panose="020F0502020204030204" pitchFamily="34" charset="0"/>
+                      </a:endParaRPr>
+                    </a:p>
+                  </a:txBody>
+                  <a:tcPr marL="9525" marR="9525" marT="9525" marB="0" anchor="b"/>
+                </a:tc>
+                <a:extLst>
+                  <a:ext uri="{0D108BD9-81ED-4DB2-BD59-A6C34878D82A}">
+                    <a16:rowId xmlns:a16="http://schemas.microsoft.com/office/drawing/2014/main" val="102375904"/>
+                  </a:ext>
+                </a:extLst>
+              </a:tr>
+              <a:tr h="190500">
+                <a:tc>
+                  <a:txBody>
+                    <a:bodyPr/>
+                    <a:lstStyle/>
+                    <a:p>
+                      <a:pPr algn="l" fontAlgn="b"/>
+                      <a:r>
+                        <a:rPr lang="en-US" sz="800" u="none" strike="noStrike">
+                          <a:effectLst/>
+                        </a:rPr>
+                        <a:t>CustomerRegion</a:t>
+                      </a:r>
+                      <a:endParaRPr lang="en-US" sz="800" b="0" i="0" u="none" strike="noStrike">
+                        <a:solidFill>
+                          <a:srgbClr val="000000"/>
+                        </a:solidFill>
+                        <a:effectLst/>
+                        <a:latin typeface="Calibri" panose="020F0502020204030204" pitchFamily="34" charset="0"/>
+                      </a:endParaRPr>
+                    </a:p>
+                  </a:txBody>
+                  <a:tcPr marL="9525" marR="9525" marT="9525" marB="0" anchor="b"/>
+                </a:tc>
+                <a:tc>
+                  <a:txBody>
+                    <a:bodyPr/>
+                    <a:lstStyle/>
+                    <a:p>
+                      <a:pPr algn="l" fontAlgn="b"/>
+                      <a:r>
+                        <a:rPr lang="en-US" sz="800" u="none" strike="noStrike">
+                          <a:effectLst/>
+                        </a:rPr>
+                        <a:t>nvarchar(40)</a:t>
+                      </a:r>
+                      <a:endParaRPr lang="en-US" sz="800" b="0" i="0" u="none" strike="noStrike">
+                        <a:solidFill>
+                          <a:srgbClr val="000000"/>
+                        </a:solidFill>
+                        <a:effectLst/>
+                        <a:latin typeface="Calibri" panose="020F0502020204030204" pitchFamily="34" charset="0"/>
+                      </a:endParaRPr>
+                    </a:p>
+                  </a:txBody>
+                  <a:tcPr marL="9525" marR="9525" marT="9525" marB="0" anchor="b"/>
+                </a:tc>
+                <a:tc>
+                  <a:txBody>
+                    <a:bodyPr/>
+                    <a:lstStyle/>
+                    <a:p>
+                      <a:pPr algn="l" fontAlgn="b"/>
+                      <a:r>
+                        <a:rPr lang="en-US" sz="800" u="none" strike="noStrike">
+                          <a:effectLst/>
+                        </a:rPr>
+                        <a:t>x</a:t>
+                      </a:r>
+                      <a:endParaRPr lang="en-US" sz="800" b="0" i="0" u="none" strike="noStrike">
+                        <a:solidFill>
+                          <a:srgbClr val="000000"/>
+                        </a:solidFill>
+                        <a:effectLst/>
+                        <a:latin typeface="Calibri" panose="020F0502020204030204" pitchFamily="34" charset="0"/>
+                      </a:endParaRPr>
+                    </a:p>
+                  </a:txBody>
+                  <a:tcPr marL="9525" marR="9525" marT="9525" marB="0" anchor="b"/>
+                </a:tc>
+                <a:extLst>
+                  <a:ext uri="{0D108BD9-81ED-4DB2-BD59-A6C34878D82A}">
+                    <a16:rowId xmlns:a16="http://schemas.microsoft.com/office/drawing/2014/main" val="139528767"/>
+                  </a:ext>
+                </a:extLst>
+              </a:tr>
+              <a:tr h="190500">
+                <a:tc>
+                  <a:txBody>
+                    <a:bodyPr/>
+                    <a:lstStyle/>
+                    <a:p>
+                      <a:pPr algn="l" fontAlgn="b"/>
+                      <a:r>
+                        <a:rPr lang="en-US" sz="800" u="none" strike="noStrike">
+                          <a:effectLst/>
+                        </a:rPr>
+                        <a:t>CustomerPhone</a:t>
+                      </a:r>
+                      <a:endParaRPr lang="en-US" sz="800" b="0" i="0" u="none" strike="noStrike">
+                        <a:solidFill>
+                          <a:srgbClr val="000000"/>
+                        </a:solidFill>
+                        <a:effectLst/>
+                        <a:latin typeface="Calibri" panose="020F0502020204030204" pitchFamily="34" charset="0"/>
+                      </a:endParaRPr>
+                    </a:p>
+                  </a:txBody>
+                  <a:tcPr marL="9525" marR="9525" marT="9525" marB="0" anchor="b"/>
+                </a:tc>
+                <a:tc>
+                  <a:txBody>
+                    <a:bodyPr/>
+                    <a:lstStyle/>
+                    <a:p>
+                      <a:pPr algn="l" fontAlgn="b"/>
+                      <a:r>
+                        <a:rPr lang="en-US" sz="800" u="none" strike="noStrike">
+                          <a:effectLst/>
+                        </a:rPr>
+                        <a:t>nvarchar(20)</a:t>
+                      </a:r>
+                      <a:endParaRPr lang="en-US" sz="800" b="0" i="0" u="none" strike="noStrike">
+                        <a:solidFill>
+                          <a:srgbClr val="000000"/>
+                        </a:solidFill>
+                        <a:effectLst/>
+                        <a:latin typeface="Calibri" panose="020F0502020204030204" pitchFamily="34" charset="0"/>
+                      </a:endParaRPr>
+                    </a:p>
+                  </a:txBody>
+                  <a:tcPr marL="9525" marR="9525" marT="9525" marB="0" anchor="b"/>
+                </a:tc>
+                <a:tc>
+                  <a:txBody>
+                    <a:bodyPr/>
+                    <a:lstStyle/>
+                    <a:p>
+                      <a:pPr algn="l" fontAlgn="b"/>
+                      <a:r>
+                        <a:rPr lang="en-US" sz="800" u="none" strike="noStrike">
+                          <a:effectLst/>
+                        </a:rPr>
+                        <a:t>x</a:t>
+                      </a:r>
+                      <a:endParaRPr lang="en-US" sz="800" b="0" i="0" u="none" strike="noStrike">
+                        <a:solidFill>
+                          <a:srgbClr val="000000"/>
+                        </a:solidFill>
+                        <a:effectLst/>
+                        <a:latin typeface="Calibri" panose="020F0502020204030204" pitchFamily="34" charset="0"/>
+                      </a:endParaRPr>
+                    </a:p>
+                  </a:txBody>
+                  <a:tcPr marL="9525" marR="9525" marT="9525" marB="0" anchor="b"/>
+                </a:tc>
+                <a:extLst>
+                  <a:ext uri="{0D108BD9-81ED-4DB2-BD59-A6C34878D82A}">
+                    <a16:rowId xmlns:a16="http://schemas.microsoft.com/office/drawing/2014/main" val="2782761374"/>
+                  </a:ext>
+                </a:extLst>
+              </a:tr>
+              <a:tr h="190500">
+                <a:tc>
+                  <a:txBody>
+                    <a:bodyPr/>
+                    <a:lstStyle/>
+                    <a:p>
+                      <a:pPr algn="l" fontAlgn="b"/>
+                      <a:r>
+                        <a:rPr lang="en-US" sz="800" u="none" strike="noStrike" dirty="0" err="1">
+                          <a:effectLst/>
+                        </a:rPr>
+                        <a:t>CustomerEmail</a:t>
+                      </a:r>
+                      <a:endParaRPr lang="en-US" sz="800" b="0" i="0" u="none" strike="noStrike" dirty="0">
+                        <a:solidFill>
+                          <a:srgbClr val="000000"/>
+                        </a:solidFill>
+                        <a:effectLst/>
+                        <a:latin typeface="Calibri" panose="020F0502020204030204" pitchFamily="34" charset="0"/>
+                      </a:endParaRPr>
+                    </a:p>
+                  </a:txBody>
+                  <a:tcPr marL="9525" marR="9525" marT="9525" marB="0" anchor="b"/>
+                </a:tc>
+                <a:tc>
+                  <a:txBody>
+                    <a:bodyPr/>
+                    <a:lstStyle/>
+                    <a:p>
+                      <a:pPr algn="l" fontAlgn="b"/>
+                      <a:r>
+                        <a:rPr lang="en-US" sz="800" u="none" strike="noStrike">
+                          <a:effectLst/>
+                        </a:rPr>
+                        <a:t>nvarchar(20)</a:t>
+                      </a:r>
+                      <a:endParaRPr lang="en-US" sz="800" b="0" i="0" u="none" strike="noStrike">
+                        <a:solidFill>
+                          <a:srgbClr val="000000"/>
+                        </a:solidFill>
+                        <a:effectLst/>
+                        <a:latin typeface="Calibri" panose="020F0502020204030204" pitchFamily="34" charset="0"/>
+                      </a:endParaRPr>
+                    </a:p>
+                  </a:txBody>
+                  <a:tcPr marL="9525" marR="9525" marT="9525" marB="0" anchor="b"/>
+                </a:tc>
+                <a:tc>
+                  <a:txBody>
+                    <a:bodyPr/>
+                    <a:lstStyle/>
+                    <a:p>
+                      <a:pPr algn="l" fontAlgn="b"/>
+                      <a:r>
+                        <a:rPr lang="en-US" sz="800" u="none" strike="noStrike" dirty="0">
+                          <a:effectLst/>
+                        </a:rPr>
+                        <a:t>x</a:t>
+                      </a:r>
+                      <a:endParaRPr lang="en-US" sz="800" b="0" i="0" u="none" strike="noStrike" dirty="0">
+                        <a:solidFill>
+                          <a:srgbClr val="000000"/>
+                        </a:solidFill>
+                        <a:effectLst/>
+                        <a:latin typeface="Calibri" panose="020F0502020204030204" pitchFamily="34" charset="0"/>
+                      </a:endParaRPr>
+                    </a:p>
+                  </a:txBody>
+                  <a:tcPr marL="9525" marR="9525" marT="9525" marB="0" anchor="b"/>
+                </a:tc>
+                <a:extLst>
+                  <a:ext uri="{0D108BD9-81ED-4DB2-BD59-A6C34878D82A}">
+                    <a16:rowId xmlns:a16="http://schemas.microsoft.com/office/drawing/2014/main" val="2203642915"/>
+                  </a:ext>
+                </a:extLst>
+              </a:tr>
+            </a:tbl>
+          </a:graphicData>
+        </a:graphic>
+      </p:graphicFrame>
+      <p:graphicFrame>
+        <p:nvGraphicFramePr>
+          <p:cNvPr id="6" name="Table 5">
+            <a:extLst>
+              <a:ext uri="{FF2B5EF4-FFF2-40B4-BE49-F238E27FC236}">
+                <a16:creationId xmlns:a16="http://schemas.microsoft.com/office/drawing/2014/main" id="{E5E84E35-19B9-9166-F377-F535377F4452}"/>
+              </a:ext>
+            </a:extLst>
+          </p:cNvPr>
+          <p:cNvGraphicFramePr>
+            <a:graphicFrameLocks noGrp="1"/>
+          </p:cNvGraphicFramePr>
+          <p:nvPr>
+            <p:extLst>
+              <p:ext uri="{D42A27DB-BD31-4B8C-83A1-F6EECF244321}">
+                <p14:modId xmlns:p14="http://schemas.microsoft.com/office/powerpoint/2010/main" val="919801691"/>
+              </p:ext>
+            </p:extLst>
+          </p:nvPr>
+        </p:nvGraphicFramePr>
+        <p:xfrm>
+          <a:off x="2152836" y="3639127"/>
+          <a:ext cx="1778000" cy="2095500"/>
+        </p:xfrm>
+        <a:graphic>
+          <a:graphicData uri="http://schemas.openxmlformats.org/drawingml/2006/table">
+            <a:tbl>
+              <a:tblPr>
+                <a:tableStyleId>{5C22544A-7EE6-4342-B048-85BDC9FD1C3A}</a:tableStyleId>
+              </a:tblPr>
+              <a:tblGrid>
+                <a:gridCol w="722610">
+                  <a:extLst>
+                    <a:ext uri="{9D8B030D-6E8A-4147-A177-3AD203B41FA5}">
+                      <a16:colId xmlns:a16="http://schemas.microsoft.com/office/drawing/2014/main" val="2237385840"/>
+                    </a:ext>
+                  </a:extLst>
+                </a:gridCol>
+                <a:gridCol w="494417">
+                  <a:extLst>
+                    <a:ext uri="{9D8B030D-6E8A-4147-A177-3AD203B41FA5}">
+                      <a16:colId xmlns:a16="http://schemas.microsoft.com/office/drawing/2014/main" val="2001880696"/>
+                    </a:ext>
+                  </a:extLst>
+                </a:gridCol>
+                <a:gridCol w="560973">
+                  <a:extLst>
+                    <a:ext uri="{9D8B030D-6E8A-4147-A177-3AD203B41FA5}">
+                      <a16:colId xmlns:a16="http://schemas.microsoft.com/office/drawing/2014/main" val="2669286154"/>
+                    </a:ext>
+                  </a:extLst>
+                </a:gridCol>
+              </a:tblGrid>
+              <a:tr h="190500">
+                <a:tc>
+                  <a:txBody>
+                    <a:bodyPr/>
+                    <a:lstStyle/>
+                    <a:p>
+                      <a:pPr algn="l" fontAlgn="b"/>
+                      <a:r>
+                        <a:rPr lang="en-US" sz="1000" u="none" strike="noStrike">
+                          <a:effectLst/>
+                        </a:rPr>
+                        <a:t>Orders</a:t>
+                      </a:r>
+                      <a:endParaRPr lang="en-US" sz="1000" b="0" i="0" u="none" strike="noStrike">
+                        <a:solidFill>
+                          <a:srgbClr val="000000"/>
+                        </a:solidFill>
+                        <a:effectLst/>
+                        <a:latin typeface="Calibri" panose="020F0502020204030204" pitchFamily="34" charset="0"/>
+                      </a:endParaRPr>
+                    </a:p>
+                  </a:txBody>
+                  <a:tcPr marL="9525" marR="9525" marT="9525" marB="0" anchor="b"/>
+                </a:tc>
+                <a:tc>
+                  <a:txBody>
+                    <a:bodyPr/>
+                    <a:lstStyle/>
+                    <a:p>
+                      <a:pPr algn="l" fontAlgn="b"/>
+                      <a:endParaRPr lang="en-US" sz="800" b="0" i="0" u="none" strike="noStrike">
+                        <a:solidFill>
+                          <a:srgbClr val="000000"/>
+                        </a:solidFill>
+                        <a:effectLst/>
+                        <a:latin typeface="Calibri" panose="020F0502020204030204" pitchFamily="34" charset="0"/>
+                      </a:endParaRPr>
+                    </a:p>
+                  </a:txBody>
+                  <a:tcPr marL="9525" marR="9525" marT="9525" marB="0" anchor="b"/>
+                </a:tc>
+                <a:tc>
+                  <a:txBody>
+                    <a:bodyPr/>
+                    <a:lstStyle/>
+                    <a:p>
+                      <a:pPr algn="l" fontAlgn="b"/>
+                      <a:endParaRPr lang="en-US" sz="800" b="0" i="0" u="none" strike="noStrike">
+                        <a:solidFill>
+                          <a:srgbClr val="000000"/>
+                        </a:solidFill>
+                        <a:effectLst/>
+                        <a:latin typeface="Calibri" panose="020F0502020204030204" pitchFamily="34" charset="0"/>
+                      </a:endParaRPr>
+                    </a:p>
+                  </a:txBody>
+                  <a:tcPr marL="9525" marR="9525" marT="9525" marB="0" anchor="b"/>
+                </a:tc>
+                <a:extLst>
+                  <a:ext uri="{0D108BD9-81ED-4DB2-BD59-A6C34878D82A}">
+                    <a16:rowId xmlns:a16="http://schemas.microsoft.com/office/drawing/2014/main" val="26877054"/>
+                  </a:ext>
+                </a:extLst>
+              </a:tr>
+              <a:tr h="190500">
+                <a:tc>
+                  <a:txBody>
+                    <a:bodyPr/>
+                    <a:lstStyle/>
+                    <a:p>
+                      <a:pPr algn="l" fontAlgn="b"/>
+                      <a:r>
+                        <a:rPr lang="en-US" sz="800" u="none" strike="noStrike">
+                          <a:effectLst/>
+                        </a:rPr>
+                        <a:t>Column Name</a:t>
+                      </a:r>
+                      <a:endParaRPr lang="en-US" sz="800" b="1" i="0" u="none" strike="noStrike">
+                        <a:solidFill>
+                          <a:srgbClr val="000000"/>
+                        </a:solidFill>
+                        <a:effectLst/>
+                        <a:latin typeface="Calibri" panose="020F0502020204030204" pitchFamily="34" charset="0"/>
+                      </a:endParaRPr>
+                    </a:p>
+                  </a:txBody>
+                  <a:tcPr marL="9525" marR="9525" marT="9525" marB="0" anchor="b"/>
+                </a:tc>
+                <a:tc>
+                  <a:txBody>
+                    <a:bodyPr/>
+                    <a:lstStyle/>
+                    <a:p>
+                      <a:pPr algn="l" fontAlgn="b"/>
+                      <a:r>
+                        <a:rPr lang="en-US" sz="800" u="none" strike="noStrike">
+                          <a:effectLst/>
+                        </a:rPr>
+                        <a:t>Data Type</a:t>
+                      </a:r>
+                      <a:endParaRPr lang="en-US" sz="800" b="1" i="0" u="none" strike="noStrike">
+                        <a:solidFill>
+                          <a:srgbClr val="000000"/>
+                        </a:solidFill>
+                        <a:effectLst/>
+                        <a:latin typeface="Calibri" panose="020F0502020204030204" pitchFamily="34" charset="0"/>
+                      </a:endParaRPr>
+                    </a:p>
+                  </a:txBody>
+                  <a:tcPr marL="9525" marR="9525" marT="9525" marB="0" anchor="b"/>
+                </a:tc>
+                <a:tc>
+                  <a:txBody>
+                    <a:bodyPr/>
+                    <a:lstStyle/>
+                    <a:p>
+                      <a:pPr algn="l" fontAlgn="b"/>
+                      <a:r>
+                        <a:rPr lang="en-US" sz="800" u="none" strike="noStrike">
+                          <a:effectLst/>
+                        </a:rPr>
+                        <a:t>Allow Nulls</a:t>
+                      </a:r>
+                      <a:endParaRPr lang="en-US" sz="800" b="1" i="0" u="none" strike="noStrike">
+                        <a:solidFill>
+                          <a:srgbClr val="000000"/>
+                        </a:solidFill>
+                        <a:effectLst/>
+                        <a:latin typeface="Calibri" panose="020F0502020204030204" pitchFamily="34" charset="0"/>
+                      </a:endParaRPr>
+                    </a:p>
+                  </a:txBody>
+                  <a:tcPr marL="9525" marR="9525" marT="9525" marB="0" anchor="b"/>
+                </a:tc>
+                <a:extLst>
+                  <a:ext uri="{0D108BD9-81ED-4DB2-BD59-A6C34878D82A}">
+                    <a16:rowId xmlns:a16="http://schemas.microsoft.com/office/drawing/2014/main" val="3976778972"/>
+                  </a:ext>
+                </a:extLst>
+              </a:tr>
+              <a:tr h="190500">
+                <a:tc>
+                  <a:txBody>
+                    <a:bodyPr/>
+                    <a:lstStyle/>
+                    <a:p>
+                      <a:pPr algn="l" fontAlgn="b"/>
+                      <a:r>
+                        <a:rPr lang="en-US" sz="800" u="none" strike="noStrike" dirty="0" err="1">
+                          <a:effectLst/>
+                          <a:highlight>
+                            <a:srgbClr val="FFFF00"/>
+                          </a:highlight>
+                        </a:rPr>
+                        <a:t>OrderID</a:t>
+                      </a:r>
+                      <a:endParaRPr lang="en-US" sz="800" b="0" i="0" u="none" strike="noStrike" dirty="0">
+                        <a:solidFill>
+                          <a:srgbClr val="000000"/>
+                        </a:solidFill>
+                        <a:effectLst/>
+                        <a:highlight>
+                          <a:srgbClr val="FFFF00"/>
+                        </a:highlight>
+                        <a:latin typeface="Calibri" panose="020F0502020204030204" pitchFamily="34" charset="0"/>
+                      </a:endParaRPr>
+                    </a:p>
+                  </a:txBody>
+                  <a:tcPr marL="9525" marR="9525" marT="9525" marB="0" anchor="b"/>
+                </a:tc>
+                <a:tc>
+                  <a:txBody>
+                    <a:bodyPr/>
+                    <a:lstStyle/>
+                    <a:p>
+                      <a:pPr algn="l" fontAlgn="b"/>
+                      <a:r>
+                        <a:rPr lang="en-US" sz="800" u="none" strike="noStrike">
+                          <a:effectLst/>
+                        </a:rPr>
+                        <a:t>int</a:t>
+                      </a:r>
+                      <a:endParaRPr lang="en-US" sz="800" b="0" i="0" u="none" strike="noStrike">
+                        <a:solidFill>
+                          <a:srgbClr val="000000"/>
+                        </a:solidFill>
+                        <a:effectLst/>
+                        <a:latin typeface="Calibri" panose="020F0502020204030204" pitchFamily="34" charset="0"/>
+                      </a:endParaRPr>
+                    </a:p>
+                  </a:txBody>
+                  <a:tcPr marL="9525" marR="9525" marT="9525" marB="0" anchor="b"/>
+                </a:tc>
+                <a:tc>
+                  <a:txBody>
+                    <a:bodyPr/>
+                    <a:lstStyle/>
+                    <a:p>
+                      <a:pPr algn="l" fontAlgn="b"/>
+                      <a:endParaRPr lang="en-US" sz="800" b="0" i="0" u="none" strike="noStrike">
+                        <a:solidFill>
+                          <a:srgbClr val="000000"/>
+                        </a:solidFill>
+                        <a:effectLst/>
+                        <a:latin typeface="Calibri" panose="020F0502020204030204" pitchFamily="34" charset="0"/>
+                      </a:endParaRPr>
+                    </a:p>
+                  </a:txBody>
+                  <a:tcPr marL="9525" marR="9525" marT="9525" marB="0" anchor="b"/>
+                </a:tc>
+                <a:extLst>
+                  <a:ext uri="{0D108BD9-81ED-4DB2-BD59-A6C34878D82A}">
+                    <a16:rowId xmlns:a16="http://schemas.microsoft.com/office/drawing/2014/main" val="1622743292"/>
+                  </a:ext>
+                </a:extLst>
+              </a:tr>
+              <a:tr h="190500">
+                <a:tc>
+                  <a:txBody>
+                    <a:bodyPr/>
+                    <a:lstStyle/>
+                    <a:p>
+                      <a:pPr algn="l" fontAlgn="b"/>
+                      <a:r>
+                        <a:rPr lang="en-US" sz="800" u="none" strike="noStrike">
+                          <a:effectLst/>
+                        </a:rPr>
+                        <a:t>CustomerID</a:t>
+                      </a:r>
+                      <a:endParaRPr lang="en-US" sz="800" b="0" i="0" u="none" strike="noStrike">
+                        <a:solidFill>
+                          <a:srgbClr val="000000"/>
+                        </a:solidFill>
+                        <a:effectLst/>
+                        <a:latin typeface="Calibri" panose="020F0502020204030204" pitchFamily="34" charset="0"/>
+                      </a:endParaRPr>
+                    </a:p>
+                  </a:txBody>
+                  <a:tcPr marL="9525" marR="9525" marT="9525" marB="0" anchor="b"/>
+                </a:tc>
+                <a:tc>
+                  <a:txBody>
+                    <a:bodyPr/>
+                    <a:lstStyle/>
+                    <a:p>
+                      <a:pPr algn="l" fontAlgn="b"/>
+                      <a:r>
+                        <a:rPr lang="en-US" sz="800" u="none" strike="noStrike">
+                          <a:effectLst/>
+                        </a:rPr>
+                        <a:t>int</a:t>
+                      </a:r>
+                      <a:endParaRPr lang="en-US" sz="800" b="0" i="0" u="none" strike="noStrike">
+                        <a:solidFill>
+                          <a:srgbClr val="000000"/>
+                        </a:solidFill>
+                        <a:effectLst/>
+                        <a:latin typeface="Calibri" panose="020F0502020204030204" pitchFamily="34" charset="0"/>
+                      </a:endParaRPr>
+                    </a:p>
+                  </a:txBody>
+                  <a:tcPr marL="9525" marR="9525" marT="9525" marB="0" anchor="b"/>
+                </a:tc>
+                <a:tc>
+                  <a:txBody>
+                    <a:bodyPr/>
+                    <a:lstStyle/>
+                    <a:p>
+                      <a:pPr algn="l" fontAlgn="b"/>
+                      <a:r>
+                        <a:rPr lang="en-US" sz="800" u="none" strike="noStrike">
+                          <a:effectLst/>
+                        </a:rPr>
+                        <a:t>x</a:t>
+                      </a:r>
+                      <a:endParaRPr lang="en-US" sz="800" b="0" i="0" u="none" strike="noStrike">
+                        <a:solidFill>
+                          <a:srgbClr val="000000"/>
+                        </a:solidFill>
+                        <a:effectLst/>
+                        <a:latin typeface="Calibri" panose="020F0502020204030204" pitchFamily="34" charset="0"/>
+                      </a:endParaRPr>
+                    </a:p>
+                  </a:txBody>
+                  <a:tcPr marL="9525" marR="9525" marT="9525" marB="0" anchor="b"/>
+                </a:tc>
+                <a:extLst>
+                  <a:ext uri="{0D108BD9-81ED-4DB2-BD59-A6C34878D82A}">
+                    <a16:rowId xmlns:a16="http://schemas.microsoft.com/office/drawing/2014/main" val="2894747141"/>
+                  </a:ext>
+                </a:extLst>
+              </a:tr>
+              <a:tr h="190500">
+                <a:tc>
+                  <a:txBody>
+                    <a:bodyPr/>
+                    <a:lstStyle/>
+                    <a:p>
+                      <a:pPr algn="l" fontAlgn="b"/>
+                      <a:r>
+                        <a:rPr lang="en-US" sz="800" u="none" strike="noStrike">
+                          <a:effectLst/>
+                        </a:rPr>
+                        <a:t>EmployeeID</a:t>
+                      </a:r>
+                      <a:endParaRPr lang="en-US" sz="800" b="0" i="0" u="none" strike="noStrike">
+                        <a:solidFill>
+                          <a:srgbClr val="000000"/>
+                        </a:solidFill>
+                        <a:effectLst/>
+                        <a:latin typeface="Calibri" panose="020F0502020204030204" pitchFamily="34" charset="0"/>
+                      </a:endParaRPr>
+                    </a:p>
+                  </a:txBody>
+                  <a:tcPr marL="9525" marR="9525" marT="9525" marB="0" anchor="b"/>
+                </a:tc>
+                <a:tc>
+                  <a:txBody>
+                    <a:bodyPr/>
+                    <a:lstStyle/>
+                    <a:p>
+                      <a:pPr algn="l" fontAlgn="b"/>
+                      <a:r>
+                        <a:rPr lang="en-US" sz="800" u="none" strike="noStrike">
+                          <a:effectLst/>
+                        </a:rPr>
+                        <a:t>int</a:t>
+                      </a:r>
+                      <a:endParaRPr lang="en-US" sz="800" b="0" i="0" u="none" strike="noStrike">
+                        <a:solidFill>
+                          <a:srgbClr val="000000"/>
+                        </a:solidFill>
+                        <a:effectLst/>
+                        <a:latin typeface="Calibri" panose="020F0502020204030204" pitchFamily="34" charset="0"/>
+                      </a:endParaRPr>
+                    </a:p>
+                  </a:txBody>
+                  <a:tcPr marL="9525" marR="9525" marT="9525" marB="0" anchor="b"/>
+                </a:tc>
+                <a:tc>
+                  <a:txBody>
+                    <a:bodyPr/>
+                    <a:lstStyle/>
+                    <a:p>
+                      <a:pPr algn="l" fontAlgn="b"/>
+                      <a:r>
+                        <a:rPr lang="en-US" sz="800" u="none" strike="noStrike">
+                          <a:effectLst/>
+                        </a:rPr>
+                        <a:t>x</a:t>
+                      </a:r>
+                      <a:endParaRPr lang="en-US" sz="800" b="0" i="0" u="none" strike="noStrike">
+                        <a:solidFill>
+                          <a:srgbClr val="000000"/>
+                        </a:solidFill>
+                        <a:effectLst/>
+                        <a:latin typeface="Calibri" panose="020F0502020204030204" pitchFamily="34" charset="0"/>
+                      </a:endParaRPr>
+                    </a:p>
+                  </a:txBody>
+                  <a:tcPr marL="9525" marR="9525" marT="9525" marB="0" anchor="b"/>
+                </a:tc>
+                <a:extLst>
+                  <a:ext uri="{0D108BD9-81ED-4DB2-BD59-A6C34878D82A}">
+                    <a16:rowId xmlns:a16="http://schemas.microsoft.com/office/drawing/2014/main" val="3875157067"/>
+                  </a:ext>
+                </a:extLst>
+              </a:tr>
+              <a:tr h="190500">
+                <a:tc>
+                  <a:txBody>
+                    <a:bodyPr/>
+                    <a:lstStyle/>
+                    <a:p>
+                      <a:pPr algn="l" fontAlgn="b"/>
+                      <a:r>
+                        <a:rPr lang="en-US" sz="800" u="none" strike="noStrike">
+                          <a:effectLst/>
+                        </a:rPr>
+                        <a:t>OrderDate</a:t>
+                      </a:r>
+                      <a:endParaRPr lang="en-US" sz="800" b="0" i="0" u="none" strike="noStrike">
+                        <a:solidFill>
+                          <a:srgbClr val="000000"/>
+                        </a:solidFill>
+                        <a:effectLst/>
+                        <a:latin typeface="Calibri" panose="020F0502020204030204" pitchFamily="34" charset="0"/>
+                      </a:endParaRPr>
+                    </a:p>
+                  </a:txBody>
+                  <a:tcPr marL="9525" marR="9525" marT="9525" marB="0" anchor="b"/>
+                </a:tc>
+                <a:tc>
+                  <a:txBody>
+                    <a:bodyPr/>
+                    <a:lstStyle/>
+                    <a:p>
+                      <a:pPr algn="l" fontAlgn="b"/>
+                      <a:r>
+                        <a:rPr lang="en-US" sz="800" u="none" strike="noStrike">
+                          <a:effectLst/>
+                        </a:rPr>
+                        <a:t>date</a:t>
+                      </a:r>
+                      <a:endParaRPr lang="en-US" sz="800" b="0" i="0" u="none" strike="noStrike">
+                        <a:solidFill>
+                          <a:srgbClr val="000000"/>
+                        </a:solidFill>
+                        <a:effectLst/>
+                        <a:latin typeface="Calibri" panose="020F0502020204030204" pitchFamily="34" charset="0"/>
+                      </a:endParaRPr>
+                    </a:p>
+                  </a:txBody>
+                  <a:tcPr marL="9525" marR="9525" marT="9525" marB="0" anchor="b"/>
+                </a:tc>
+                <a:tc>
+                  <a:txBody>
+                    <a:bodyPr/>
+                    <a:lstStyle/>
+                    <a:p>
+                      <a:pPr algn="l" fontAlgn="b"/>
+                      <a:r>
+                        <a:rPr lang="en-US" sz="800" u="none" strike="noStrike">
+                          <a:effectLst/>
+                        </a:rPr>
+                        <a:t>x</a:t>
+                      </a:r>
+                      <a:endParaRPr lang="en-US" sz="800" b="0" i="0" u="none" strike="noStrike">
+                        <a:solidFill>
+                          <a:srgbClr val="000000"/>
+                        </a:solidFill>
+                        <a:effectLst/>
+                        <a:latin typeface="Calibri" panose="020F0502020204030204" pitchFamily="34" charset="0"/>
+                      </a:endParaRPr>
+                    </a:p>
+                  </a:txBody>
+                  <a:tcPr marL="9525" marR="9525" marT="9525" marB="0" anchor="b"/>
+                </a:tc>
+                <a:extLst>
+                  <a:ext uri="{0D108BD9-81ED-4DB2-BD59-A6C34878D82A}">
+                    <a16:rowId xmlns:a16="http://schemas.microsoft.com/office/drawing/2014/main" val="831663494"/>
+                  </a:ext>
+                </a:extLst>
+              </a:tr>
+              <a:tr h="190500">
+                <a:tc>
+                  <a:txBody>
+                    <a:bodyPr/>
+                    <a:lstStyle/>
+                    <a:p>
+                      <a:pPr algn="l" fontAlgn="b"/>
+                      <a:r>
+                        <a:rPr lang="en-US" sz="800" u="none" strike="noStrike">
+                          <a:effectLst/>
+                        </a:rPr>
+                        <a:t>ProductID</a:t>
+                      </a:r>
+                      <a:endParaRPr lang="en-US" sz="800" b="0" i="0" u="none" strike="noStrike">
+                        <a:solidFill>
+                          <a:srgbClr val="000000"/>
+                        </a:solidFill>
+                        <a:effectLst/>
+                        <a:latin typeface="Calibri" panose="020F0502020204030204" pitchFamily="34" charset="0"/>
+                      </a:endParaRPr>
+                    </a:p>
+                  </a:txBody>
+                  <a:tcPr marL="9525" marR="9525" marT="9525" marB="0" anchor="b"/>
+                </a:tc>
+                <a:tc>
+                  <a:txBody>
+                    <a:bodyPr/>
+                    <a:lstStyle/>
+                    <a:p>
+                      <a:pPr algn="l" fontAlgn="b"/>
+                      <a:r>
+                        <a:rPr lang="en-US" sz="800" u="none" strike="noStrike">
+                          <a:effectLst/>
+                        </a:rPr>
+                        <a:t>int</a:t>
+                      </a:r>
+                      <a:endParaRPr lang="en-US" sz="800" b="0" i="0" u="none" strike="noStrike">
+                        <a:solidFill>
+                          <a:srgbClr val="000000"/>
+                        </a:solidFill>
+                        <a:effectLst/>
+                        <a:latin typeface="Calibri" panose="020F0502020204030204" pitchFamily="34" charset="0"/>
+                      </a:endParaRPr>
+                    </a:p>
+                  </a:txBody>
+                  <a:tcPr marL="9525" marR="9525" marT="9525" marB="0" anchor="b"/>
+                </a:tc>
+                <a:tc>
+                  <a:txBody>
+                    <a:bodyPr/>
+                    <a:lstStyle/>
+                    <a:p>
+                      <a:pPr algn="l" fontAlgn="b"/>
+                      <a:r>
+                        <a:rPr lang="en-US" sz="800" u="none" strike="noStrike" dirty="0">
+                          <a:effectLst/>
+                        </a:rPr>
+                        <a:t>x</a:t>
+                      </a:r>
+                      <a:endParaRPr lang="en-US" sz="800" b="0" i="0" u="none" strike="noStrike" dirty="0">
+                        <a:solidFill>
+                          <a:srgbClr val="000000"/>
+                        </a:solidFill>
+                        <a:effectLst/>
+                        <a:latin typeface="Calibri" panose="020F0502020204030204" pitchFamily="34" charset="0"/>
+                      </a:endParaRPr>
+                    </a:p>
+                  </a:txBody>
+                  <a:tcPr marL="9525" marR="9525" marT="9525" marB="0" anchor="b"/>
+                </a:tc>
+                <a:extLst>
+                  <a:ext uri="{0D108BD9-81ED-4DB2-BD59-A6C34878D82A}">
+                    <a16:rowId xmlns:a16="http://schemas.microsoft.com/office/drawing/2014/main" val="3575029790"/>
+                  </a:ext>
+                </a:extLst>
+              </a:tr>
+              <a:tr h="190500">
+                <a:tc>
+                  <a:txBody>
+                    <a:bodyPr/>
+                    <a:lstStyle/>
+                    <a:p>
+                      <a:pPr algn="l" fontAlgn="b"/>
+                      <a:r>
+                        <a:rPr lang="en-US" sz="800" u="none" strike="noStrike" dirty="0">
+                          <a:effectLst/>
+                        </a:rPr>
+                        <a:t>Quantity</a:t>
+                      </a:r>
+                      <a:endParaRPr lang="en-US" sz="800" b="0" i="0" u="none" strike="noStrike" dirty="0">
+                        <a:solidFill>
+                          <a:srgbClr val="000000"/>
+                        </a:solidFill>
+                        <a:effectLst/>
+                        <a:latin typeface="Calibri" panose="020F0502020204030204" pitchFamily="34" charset="0"/>
+                      </a:endParaRPr>
+                    </a:p>
+                  </a:txBody>
+                  <a:tcPr marL="9525" marR="9525" marT="9525" marB="0" anchor="b"/>
+                </a:tc>
+                <a:tc>
+                  <a:txBody>
+                    <a:bodyPr/>
+                    <a:lstStyle/>
+                    <a:p>
+                      <a:pPr algn="l" fontAlgn="b"/>
+                      <a:r>
+                        <a:rPr lang="en-US" sz="800" u="none" strike="noStrike" dirty="0">
+                          <a:effectLst/>
+                        </a:rPr>
+                        <a:t>int</a:t>
+                      </a:r>
+                      <a:endParaRPr lang="en-US" sz="800" b="0" i="0" u="none" strike="noStrike" dirty="0">
+                        <a:solidFill>
+                          <a:srgbClr val="000000"/>
+                        </a:solidFill>
+                        <a:effectLst/>
+                        <a:latin typeface="Calibri" panose="020F0502020204030204" pitchFamily="34" charset="0"/>
+                      </a:endParaRPr>
+                    </a:p>
+                  </a:txBody>
+                  <a:tcPr marL="9525" marR="9525" marT="9525" marB="0" anchor="b"/>
+                </a:tc>
+                <a:tc>
+                  <a:txBody>
+                    <a:bodyPr/>
+                    <a:lstStyle/>
+                    <a:p>
+                      <a:pPr algn="l" fontAlgn="b"/>
+                      <a:r>
+                        <a:rPr lang="en-US" sz="800" u="none" strike="noStrike">
+                          <a:effectLst/>
+                        </a:rPr>
+                        <a:t>x</a:t>
+                      </a:r>
+                      <a:endParaRPr lang="en-US" sz="800" b="0" i="0" u="none" strike="noStrike">
+                        <a:solidFill>
+                          <a:srgbClr val="000000"/>
+                        </a:solidFill>
+                        <a:effectLst/>
+                        <a:latin typeface="Calibri" panose="020F0502020204030204" pitchFamily="34" charset="0"/>
+                      </a:endParaRPr>
+                    </a:p>
+                  </a:txBody>
+                  <a:tcPr marL="9525" marR="9525" marT="9525" marB="0" anchor="b"/>
+                </a:tc>
+                <a:extLst>
+                  <a:ext uri="{0D108BD9-81ED-4DB2-BD59-A6C34878D82A}">
+                    <a16:rowId xmlns:a16="http://schemas.microsoft.com/office/drawing/2014/main" val="3442539162"/>
+                  </a:ext>
+                </a:extLst>
+              </a:tr>
+              <a:tr h="190500">
+                <a:tc>
+                  <a:txBody>
+                    <a:bodyPr/>
+                    <a:lstStyle/>
+                    <a:p>
+                      <a:pPr algn="l" fontAlgn="b"/>
+                      <a:r>
+                        <a:rPr lang="en-US" sz="800" u="none" strike="noStrike">
+                          <a:effectLst/>
+                        </a:rPr>
+                        <a:t>ShipperID</a:t>
+                      </a:r>
+                      <a:endParaRPr lang="en-US" sz="800" b="0" i="0" u="none" strike="noStrike">
+                        <a:solidFill>
+                          <a:srgbClr val="000000"/>
+                        </a:solidFill>
+                        <a:effectLst/>
+                        <a:latin typeface="Calibri" panose="020F0502020204030204" pitchFamily="34" charset="0"/>
+                      </a:endParaRPr>
+                    </a:p>
+                  </a:txBody>
+                  <a:tcPr marL="9525" marR="9525" marT="9525" marB="0" anchor="b"/>
+                </a:tc>
+                <a:tc>
+                  <a:txBody>
+                    <a:bodyPr/>
+                    <a:lstStyle/>
+                    <a:p>
+                      <a:pPr algn="l" fontAlgn="b"/>
+                      <a:r>
+                        <a:rPr lang="en-US" sz="800" u="none" strike="noStrike">
+                          <a:effectLst/>
+                        </a:rPr>
+                        <a:t>int</a:t>
+                      </a:r>
+                      <a:endParaRPr lang="en-US" sz="800" b="0" i="0" u="none" strike="noStrike">
+                        <a:solidFill>
+                          <a:srgbClr val="000000"/>
+                        </a:solidFill>
+                        <a:effectLst/>
+                        <a:latin typeface="Calibri" panose="020F0502020204030204" pitchFamily="34" charset="0"/>
+                      </a:endParaRPr>
+                    </a:p>
+                  </a:txBody>
+                  <a:tcPr marL="9525" marR="9525" marT="9525" marB="0" anchor="b"/>
+                </a:tc>
+                <a:tc>
+                  <a:txBody>
+                    <a:bodyPr/>
+                    <a:lstStyle/>
+                    <a:p>
+                      <a:pPr algn="l" fontAlgn="b"/>
+                      <a:r>
+                        <a:rPr lang="en-US" sz="800" u="none" strike="noStrike">
+                          <a:effectLst/>
+                        </a:rPr>
+                        <a:t>x</a:t>
+                      </a:r>
+                      <a:endParaRPr lang="en-US" sz="800" b="0" i="0" u="none" strike="noStrike">
+                        <a:solidFill>
+                          <a:srgbClr val="000000"/>
+                        </a:solidFill>
+                        <a:effectLst/>
+                        <a:latin typeface="Calibri" panose="020F0502020204030204" pitchFamily="34" charset="0"/>
+                      </a:endParaRPr>
+                    </a:p>
+                  </a:txBody>
+                  <a:tcPr marL="9525" marR="9525" marT="9525" marB="0" anchor="b"/>
+                </a:tc>
+                <a:extLst>
+                  <a:ext uri="{0D108BD9-81ED-4DB2-BD59-A6C34878D82A}">
+                    <a16:rowId xmlns:a16="http://schemas.microsoft.com/office/drawing/2014/main" val="539187782"/>
+                  </a:ext>
+                </a:extLst>
+              </a:tr>
+              <a:tr h="190500">
+                <a:tc>
+                  <a:txBody>
+                    <a:bodyPr/>
+                    <a:lstStyle/>
+                    <a:p>
+                      <a:pPr algn="l" fontAlgn="b"/>
+                      <a:r>
+                        <a:rPr lang="en-US" sz="800" u="none" strike="noStrike">
+                          <a:effectLst/>
+                        </a:rPr>
+                        <a:t>ShippedDate</a:t>
+                      </a:r>
+                      <a:endParaRPr lang="en-US" sz="800" b="0" i="0" u="none" strike="noStrike">
+                        <a:solidFill>
+                          <a:srgbClr val="000000"/>
+                        </a:solidFill>
+                        <a:effectLst/>
+                        <a:latin typeface="Calibri" panose="020F0502020204030204" pitchFamily="34" charset="0"/>
+                      </a:endParaRPr>
+                    </a:p>
+                  </a:txBody>
+                  <a:tcPr marL="9525" marR="9525" marT="9525" marB="0" anchor="b"/>
+                </a:tc>
+                <a:tc>
+                  <a:txBody>
+                    <a:bodyPr/>
+                    <a:lstStyle/>
+                    <a:p>
+                      <a:pPr algn="l" fontAlgn="b"/>
+                      <a:r>
+                        <a:rPr lang="en-US" sz="800" u="none" strike="noStrike">
+                          <a:effectLst/>
+                        </a:rPr>
+                        <a:t>date</a:t>
+                      </a:r>
+                      <a:endParaRPr lang="en-US" sz="800" b="0" i="0" u="none" strike="noStrike">
+                        <a:solidFill>
+                          <a:srgbClr val="000000"/>
+                        </a:solidFill>
+                        <a:effectLst/>
+                        <a:latin typeface="Calibri" panose="020F0502020204030204" pitchFamily="34" charset="0"/>
+                      </a:endParaRPr>
+                    </a:p>
+                  </a:txBody>
+                  <a:tcPr marL="9525" marR="9525" marT="9525" marB="0" anchor="b"/>
+                </a:tc>
+                <a:tc>
+                  <a:txBody>
+                    <a:bodyPr/>
+                    <a:lstStyle/>
+                    <a:p>
+                      <a:pPr algn="l" fontAlgn="b"/>
+                      <a:r>
+                        <a:rPr lang="en-US" sz="800" u="none" strike="noStrike">
+                          <a:effectLst/>
+                        </a:rPr>
+                        <a:t>x</a:t>
+                      </a:r>
+                      <a:endParaRPr lang="en-US" sz="800" b="0" i="0" u="none" strike="noStrike">
+                        <a:solidFill>
+                          <a:srgbClr val="000000"/>
+                        </a:solidFill>
+                        <a:effectLst/>
+                        <a:latin typeface="Calibri" panose="020F0502020204030204" pitchFamily="34" charset="0"/>
+                      </a:endParaRPr>
+                    </a:p>
+                  </a:txBody>
+                  <a:tcPr marL="9525" marR="9525" marT="9525" marB="0" anchor="b"/>
+                </a:tc>
+                <a:extLst>
+                  <a:ext uri="{0D108BD9-81ED-4DB2-BD59-A6C34878D82A}">
+                    <a16:rowId xmlns:a16="http://schemas.microsoft.com/office/drawing/2014/main" val="2297963551"/>
+                  </a:ext>
+                </a:extLst>
+              </a:tr>
+              <a:tr h="190500">
+                <a:tc>
+                  <a:txBody>
+                    <a:bodyPr/>
+                    <a:lstStyle/>
+                    <a:p>
+                      <a:pPr algn="l" fontAlgn="b"/>
+                      <a:r>
+                        <a:rPr lang="en-US" sz="800" u="none" strike="noStrike">
+                          <a:effectLst/>
+                        </a:rPr>
+                        <a:t>DeliveredDate</a:t>
+                      </a:r>
+                      <a:endParaRPr lang="en-US" sz="800" b="0" i="0" u="none" strike="noStrike">
+                        <a:solidFill>
+                          <a:srgbClr val="000000"/>
+                        </a:solidFill>
+                        <a:effectLst/>
+                        <a:latin typeface="Calibri" panose="020F0502020204030204" pitchFamily="34" charset="0"/>
+                      </a:endParaRPr>
+                    </a:p>
+                  </a:txBody>
+                  <a:tcPr marL="9525" marR="9525" marT="9525" marB="0" anchor="b"/>
+                </a:tc>
+                <a:tc>
+                  <a:txBody>
+                    <a:bodyPr/>
+                    <a:lstStyle/>
+                    <a:p>
+                      <a:pPr algn="l" fontAlgn="b"/>
+                      <a:r>
+                        <a:rPr lang="en-US" sz="800" u="none" strike="noStrike">
+                          <a:effectLst/>
+                        </a:rPr>
+                        <a:t>date</a:t>
+                      </a:r>
+                      <a:endParaRPr lang="en-US" sz="800" b="0" i="0" u="none" strike="noStrike">
+                        <a:solidFill>
+                          <a:srgbClr val="000000"/>
+                        </a:solidFill>
+                        <a:effectLst/>
+                        <a:latin typeface="Calibri" panose="020F0502020204030204" pitchFamily="34" charset="0"/>
+                      </a:endParaRPr>
+                    </a:p>
+                  </a:txBody>
+                  <a:tcPr marL="9525" marR="9525" marT="9525" marB="0" anchor="b"/>
+                </a:tc>
+                <a:tc>
+                  <a:txBody>
+                    <a:bodyPr/>
+                    <a:lstStyle/>
+                    <a:p>
+                      <a:pPr algn="l" fontAlgn="b"/>
+                      <a:r>
+                        <a:rPr lang="en-US" sz="800" u="none" strike="noStrike" dirty="0">
+                          <a:effectLst/>
+                        </a:rPr>
+                        <a:t>x</a:t>
+                      </a:r>
+                      <a:endParaRPr lang="en-US" sz="800" b="0" i="0" u="none" strike="noStrike" dirty="0">
+                        <a:solidFill>
+                          <a:srgbClr val="000000"/>
+                        </a:solidFill>
+                        <a:effectLst/>
+                        <a:latin typeface="Calibri" panose="020F0502020204030204" pitchFamily="34" charset="0"/>
+                      </a:endParaRPr>
+                    </a:p>
+                  </a:txBody>
+                  <a:tcPr marL="9525" marR="9525" marT="9525" marB="0" anchor="b"/>
+                </a:tc>
+                <a:extLst>
+                  <a:ext uri="{0D108BD9-81ED-4DB2-BD59-A6C34878D82A}">
+                    <a16:rowId xmlns:a16="http://schemas.microsoft.com/office/drawing/2014/main" val="1177140972"/>
+                  </a:ext>
+                </a:extLst>
+              </a:tr>
+            </a:tbl>
+          </a:graphicData>
+        </a:graphic>
+      </p:graphicFrame>
+      <p:cxnSp>
+        <p:nvCxnSpPr>
+          <p:cNvPr id="25" name="Straight Connector 24">
+            <a:extLst>
+              <a:ext uri="{FF2B5EF4-FFF2-40B4-BE49-F238E27FC236}">
+                <a16:creationId xmlns:a16="http://schemas.microsoft.com/office/drawing/2014/main" id="{5AE91CE8-D308-57C3-6DCA-7898B76108A3}"/>
+              </a:ext>
+            </a:extLst>
+          </p:cNvPr>
+          <p:cNvCxnSpPr>
+            <a:cxnSpLocks/>
+          </p:cNvCxnSpPr>
           <p:nvPr/>
         </p:nvCxnSpPr>
         <p:spPr>
-          <a:xfrm flipH="1">
-            <a:off x="110836" y="2857112"/>
-            <a:ext cx="3204382" cy="322204"/>
+          <a:xfrm flipH="1" flipV="1">
+            <a:off x="3924109" y="5246703"/>
+            <a:ext cx="754603" cy="788291"/>
           </a:xfrm>
           <a:prstGeom prst="line">
-            <a:avLst/>
-          </a:prstGeom>
-        </p:spPr>
-        <p:style>
-          <a:lnRef idx="1">
-            <a:schemeClr val="accent1"/>
-          </a:lnRef>
-          <a:fillRef idx="0">
-            <a:schemeClr val="accent1"/>
-          </a:fillRef>
-          <a:effectRef idx="0">
-            <a:schemeClr val="accent1"/>
-          </a:effectRef>
-          <a:fontRef idx="minor">
-            <a:schemeClr val="tx1"/>
-          </a:fontRef>
-        </p:style>
-      </p:cxnSp>
-      <p:cxnSp>
-        <p:nvCxnSpPr>
-          <p:cNvPr id="55" name="Straight Connector 54">
-            <a:extLst>
-              <a:ext uri="{FF2B5EF4-FFF2-40B4-BE49-F238E27FC236}">
-                <a16:creationId xmlns:a16="http://schemas.microsoft.com/office/drawing/2014/main" id="{413F0622-48DD-21B6-0447-0912C401A345}"/>
-              </a:ext>
-            </a:extLst>
-          </p:cNvPr>
-          <p:cNvCxnSpPr/>
-          <p:nvPr/>
-        </p:nvCxnSpPr>
-        <p:spPr>
-          <a:xfrm>
-            <a:off x="110836" y="3179316"/>
-            <a:ext cx="0" cy="1226429"/>
-          </a:xfrm>
-          <a:prstGeom prst="line">
-            <a:avLst/>
-          </a:prstGeom>
-        </p:spPr>
-        <p:style>
-          <a:lnRef idx="1">
-            <a:schemeClr val="accent1"/>
-          </a:lnRef>
-          <a:fillRef idx="0">
-            <a:schemeClr val="accent1"/>
-          </a:fillRef>
-          <a:effectRef idx="0">
-            <a:schemeClr val="accent1"/>
-          </a:effectRef>
-          <a:fontRef idx="minor">
-            <a:schemeClr val="tx1"/>
-          </a:fontRef>
-        </p:style>
-      </p:cxnSp>
-      <p:cxnSp>
-        <p:nvCxnSpPr>
-          <p:cNvPr id="57" name="Straight Arrow Connector 56">
-            <a:extLst>
-              <a:ext uri="{FF2B5EF4-FFF2-40B4-BE49-F238E27FC236}">
-                <a16:creationId xmlns:a16="http://schemas.microsoft.com/office/drawing/2014/main" id="{627ED620-930C-E208-C03C-9CBDB53915F2}"/>
-              </a:ext>
-            </a:extLst>
-          </p:cNvPr>
-          <p:cNvCxnSpPr/>
-          <p:nvPr/>
-        </p:nvCxnSpPr>
-        <p:spPr>
-          <a:xfrm>
-            <a:off x="110836" y="4405745"/>
-            <a:ext cx="568306" cy="0"/>
-          </a:xfrm>
-          <a:prstGeom prst="straightConnector1">
             <a:avLst/>
           </a:prstGeom>
           <a:ln>
